--- a/slides/code-beam-2024.pptx
+++ b/slides/code-beam-2024.pptx
@@ -156,11 +156,2494 @@
 <file path=ppt/revisionInfo.xml><?xml version="1.0" encoding="utf-8"?>
 <p1510:revInfo xmlns:a="http://schemas.openxmlformats.org/drawingml/2006/main" xmlns:r="http://schemas.openxmlformats.org/officeDocument/2006/relationships" xmlns:p1510="http://schemas.microsoft.com/office/powerpoint/2015/10/main">
   <p1510:revLst>
-    <p1510:client id="{29642081-66E5-9D72-9BE8-3804CC81AA33}" v="33" dt="2024-10-11T14:25:24.983"/>
-    <p1510:client id="{A2913547-FF1A-A74F-97FD-C05A29EC8E03}" v="933" dt="2024-10-11T14:41:46.774"/>
-    <p1510:client id="{C5CD4D5F-EBA4-D116-A757-43E6DD6973BB}" v="455" dt="2024-10-11T06:01:21.836"/>
+    <p1510:client id="{BB31FA31-DA29-C84A-AD57-7D290ED37F9C}" v="37" dt="2024-12-02T12:09:52.768"/>
   </p1510:revLst>
 </p1510:revInfo>
+</file>
+
+<file path=ppt/changesInfos/changesInfo1.xml><?xml version="1.0" encoding="utf-8"?>
+<pc:chgInfo xmlns:a="http://schemas.openxmlformats.org/drawingml/2006/main" xmlns:r="http://schemas.openxmlformats.org/officeDocument/2006/relationships" xmlns:ac="http://schemas.microsoft.com/office/drawing/2013/main/command" xmlns:pc="http://schemas.microsoft.com/office/powerpoint/2013/main/command">
+  <pc:docChgLst>
+    <pc:chgData name="Phil Trinder" userId="S::phil.trinder@glasgow.ac.uk::d43443bb-9414-44af-97c3-a8dadf631f95" providerId="AD" clId="Web-{76B587AD-5638-10BB-36DD-3017A6C58E41}"/>
+    <pc:docChg chg="modSld">
+      <pc:chgData name="Phil Trinder" userId="S::phil.trinder@glasgow.ac.uk::d43443bb-9414-44af-97c3-a8dadf631f95" providerId="AD" clId="Web-{76B587AD-5638-10BB-36DD-3017A6C58E41}" dt="2024-10-09T10:11:10.514" v="3"/>
+      <pc:docMkLst>
+        <pc:docMk/>
+      </pc:docMkLst>
+      <pc:sldChg chg="modSp">
+        <pc:chgData name="Phil Trinder" userId="S::phil.trinder@glasgow.ac.uk::d43443bb-9414-44af-97c3-a8dadf631f95" providerId="AD" clId="Web-{76B587AD-5638-10BB-36DD-3017A6C58E41}" dt="2024-10-09T10:11:10.514" v="3"/>
+        <pc:sldMkLst>
+          <pc:docMk/>
+          <pc:sldMk cId="402213844" sldId="355"/>
+        </pc:sldMkLst>
+        <pc:graphicFrameChg chg="mod modGraphic">
+          <ac:chgData name="Phil Trinder" userId="S::phil.trinder@glasgow.ac.uk::d43443bb-9414-44af-97c3-a8dadf631f95" providerId="AD" clId="Web-{76B587AD-5638-10BB-36DD-3017A6C58E41}" dt="2024-10-09T10:11:10.514" v="3"/>
+          <ac:graphicFrameMkLst>
+            <pc:docMk/>
+            <pc:sldMk cId="402213844" sldId="355"/>
+            <ac:graphicFrameMk id="6" creationId="{559C152D-BDA9-7AF2-905C-8C65BF8A392B}"/>
+          </ac:graphicFrameMkLst>
+        </pc:graphicFrameChg>
+      </pc:sldChg>
+    </pc:docChg>
+  </pc:docChgLst>
+  <pc:docChgLst>
+    <pc:chgData name="Phil Trinder" userId="S::phil.trinder@glasgow.ac.uk::d43443bb-9414-44af-97c3-a8dadf631f95" providerId="AD" clId="Web-{0B909D9D-A95A-C6C2-F8CA-6D48ADFE4F53}"/>
+    <pc:docChg chg="addSld delSld modSld">
+      <pc:chgData name="Phil Trinder" userId="S::phil.trinder@glasgow.ac.uk::d43443bb-9414-44af-97c3-a8dadf631f95" providerId="AD" clId="Web-{0B909D9D-A95A-C6C2-F8CA-6D48ADFE4F53}" dt="2024-10-08T10:31:30.519" v="246" actId="1076"/>
+      <pc:docMkLst>
+        <pc:docMk/>
+      </pc:docMkLst>
+      <pc:sldChg chg="modSp">
+        <pc:chgData name="Phil Trinder" userId="S::phil.trinder@glasgow.ac.uk::d43443bb-9414-44af-97c3-a8dadf631f95" providerId="AD" clId="Web-{0B909D9D-A95A-C6C2-F8CA-6D48ADFE4F53}" dt="2024-10-08T09:34:32.143" v="4" actId="20577"/>
+        <pc:sldMkLst>
+          <pc:docMk/>
+          <pc:sldMk cId="2921782995" sldId="256"/>
+        </pc:sldMkLst>
+        <pc:spChg chg="mod">
+          <ac:chgData name="Phil Trinder" userId="S::phil.trinder@glasgow.ac.uk::d43443bb-9414-44af-97c3-a8dadf631f95" providerId="AD" clId="Web-{0B909D9D-A95A-C6C2-F8CA-6D48ADFE4F53}" dt="2024-10-08T09:34:32.143" v="4" actId="20577"/>
+          <ac:spMkLst>
+            <pc:docMk/>
+            <pc:sldMk cId="2921782995" sldId="256"/>
+            <ac:spMk id="3" creationId="{0BA07220-D44A-4A16-CC3F-227E6D06A873}"/>
+          </ac:spMkLst>
+        </pc:spChg>
+      </pc:sldChg>
+      <pc:sldChg chg="mod modShow">
+        <pc:chgData name="Phil Trinder" userId="S::phil.trinder@glasgow.ac.uk::d43443bb-9414-44af-97c3-a8dadf631f95" providerId="AD" clId="Web-{0B909D9D-A95A-C6C2-F8CA-6D48ADFE4F53}" dt="2024-10-08T10:08:36.635" v="162"/>
+        <pc:sldMkLst>
+          <pc:docMk/>
+          <pc:sldMk cId="2202599770" sldId="302"/>
+        </pc:sldMkLst>
+      </pc:sldChg>
+      <pc:sldChg chg="delSp modSp delAnim">
+        <pc:chgData name="Phil Trinder" userId="S::phil.trinder@glasgow.ac.uk::d43443bb-9414-44af-97c3-a8dadf631f95" providerId="AD" clId="Web-{0B909D9D-A95A-C6C2-F8CA-6D48ADFE4F53}" dt="2024-10-08T09:49:35.620" v="39"/>
+        <pc:sldMkLst>
+          <pc:docMk/>
+          <pc:sldMk cId="2784524516" sldId="307"/>
+        </pc:sldMkLst>
+        <pc:spChg chg="mod">
+          <ac:chgData name="Phil Trinder" userId="S::phil.trinder@glasgow.ac.uk::d43443bb-9414-44af-97c3-a8dadf631f95" providerId="AD" clId="Web-{0B909D9D-A95A-C6C2-F8CA-6D48ADFE4F53}" dt="2024-10-08T09:49:25.510" v="37" actId="20577"/>
+          <ac:spMkLst>
+            <pc:docMk/>
+            <pc:sldMk cId="2784524516" sldId="307"/>
+            <ac:spMk id="2" creationId="{E93D139A-4CB0-08BF-01C3-2E84CB4D2D2C}"/>
+          </ac:spMkLst>
+        </pc:spChg>
+        <pc:spChg chg="del">
+          <ac:chgData name="Phil Trinder" userId="S::phil.trinder@glasgow.ac.uk::d43443bb-9414-44af-97c3-a8dadf631f95" providerId="AD" clId="Web-{0B909D9D-A95A-C6C2-F8CA-6D48ADFE4F53}" dt="2024-10-08T09:49:35.620" v="39"/>
+          <ac:spMkLst>
+            <pc:docMk/>
+            <pc:sldMk cId="2784524516" sldId="307"/>
+            <ac:spMk id="12" creationId="{C59F10A8-0A19-2085-1022-5A376FA019D2}"/>
+          </ac:spMkLst>
+        </pc:spChg>
+        <pc:picChg chg="del">
+          <ac:chgData name="Phil Trinder" userId="S::phil.trinder@glasgow.ac.uk::d43443bb-9414-44af-97c3-a8dadf631f95" providerId="AD" clId="Web-{0B909D9D-A95A-C6C2-F8CA-6D48ADFE4F53}" dt="2024-10-08T09:49:32.776" v="38"/>
+          <ac:picMkLst>
+            <pc:docMk/>
+            <pc:sldMk cId="2784524516" sldId="307"/>
+            <ac:picMk id="10" creationId="{1DEA999B-1FFA-9932-D552-D5ECA0ADC356}"/>
+          </ac:picMkLst>
+        </pc:picChg>
+      </pc:sldChg>
+      <pc:sldChg chg="delSp modSp">
+        <pc:chgData name="Phil Trinder" userId="S::phil.trinder@glasgow.ac.uk::d43443bb-9414-44af-97c3-a8dadf631f95" providerId="AD" clId="Web-{0B909D9D-A95A-C6C2-F8CA-6D48ADFE4F53}" dt="2024-10-08T10:04:14.518" v="155" actId="20577"/>
+        <pc:sldMkLst>
+          <pc:docMk/>
+          <pc:sldMk cId="3800330053" sldId="316"/>
+        </pc:sldMkLst>
+        <pc:spChg chg="mod">
+          <ac:chgData name="Phil Trinder" userId="S::phil.trinder@glasgow.ac.uk::d43443bb-9414-44af-97c3-a8dadf631f95" providerId="AD" clId="Web-{0B909D9D-A95A-C6C2-F8CA-6D48ADFE4F53}" dt="2024-10-08T10:03:23.548" v="127" actId="20577"/>
+          <ac:spMkLst>
+            <pc:docMk/>
+            <pc:sldMk cId="3800330053" sldId="316"/>
+            <ac:spMk id="2" creationId="{E93D139A-4CB0-08BF-01C3-2E84CB4D2D2C}"/>
+          </ac:spMkLst>
+        </pc:spChg>
+        <pc:spChg chg="mod">
+          <ac:chgData name="Phil Trinder" userId="S::phil.trinder@glasgow.ac.uk::d43443bb-9414-44af-97c3-a8dadf631f95" providerId="AD" clId="Web-{0B909D9D-A95A-C6C2-F8CA-6D48ADFE4F53}" dt="2024-10-08T10:04:14.518" v="155" actId="20577"/>
+          <ac:spMkLst>
+            <pc:docMk/>
+            <pc:sldMk cId="3800330053" sldId="316"/>
+            <ac:spMk id="3" creationId="{68C0E592-D77C-DF8C-9D13-AEA06ADE33B4}"/>
+          </ac:spMkLst>
+        </pc:spChg>
+        <pc:spChg chg="del mod">
+          <ac:chgData name="Phil Trinder" userId="S::phil.trinder@glasgow.ac.uk::d43443bb-9414-44af-97c3-a8dadf631f95" providerId="AD" clId="Web-{0B909D9D-A95A-C6C2-F8CA-6D48ADFE4F53}" dt="2024-10-08T10:02:36.985" v="101"/>
+          <ac:spMkLst>
+            <pc:docMk/>
+            <pc:sldMk cId="3800330053" sldId="316"/>
+            <ac:spMk id="4" creationId="{08DCF34C-8BAD-7B2C-DFBD-DBB4CB1E5147}"/>
+          </ac:spMkLst>
+        </pc:spChg>
+      </pc:sldChg>
+      <pc:sldChg chg="modSp">
+        <pc:chgData name="Phil Trinder" userId="S::phil.trinder@glasgow.ac.uk::d43443bb-9414-44af-97c3-a8dadf631f95" providerId="AD" clId="Web-{0B909D9D-A95A-C6C2-F8CA-6D48ADFE4F53}" dt="2024-10-08T10:07:59.899" v="161" actId="20577"/>
+        <pc:sldMkLst>
+          <pc:docMk/>
+          <pc:sldMk cId="3436977870" sldId="317"/>
+        </pc:sldMkLst>
+        <pc:spChg chg="mod">
+          <ac:chgData name="Phil Trinder" userId="S::phil.trinder@glasgow.ac.uk::d43443bb-9414-44af-97c3-a8dadf631f95" providerId="AD" clId="Web-{0B909D9D-A95A-C6C2-F8CA-6D48ADFE4F53}" dt="2024-10-08T10:07:40.399" v="159" actId="20577"/>
+          <ac:spMkLst>
+            <pc:docMk/>
+            <pc:sldMk cId="3436977870" sldId="317"/>
+            <ac:spMk id="2" creationId="{E93D139A-4CB0-08BF-01C3-2E84CB4D2D2C}"/>
+          </ac:spMkLst>
+        </pc:spChg>
+        <pc:spChg chg="mod">
+          <ac:chgData name="Phil Trinder" userId="S::phil.trinder@glasgow.ac.uk::d43443bb-9414-44af-97c3-a8dadf631f95" providerId="AD" clId="Web-{0B909D9D-A95A-C6C2-F8CA-6D48ADFE4F53}" dt="2024-10-08T10:07:59.899" v="161" actId="20577"/>
+          <ac:spMkLst>
+            <pc:docMk/>
+            <pc:sldMk cId="3436977870" sldId="317"/>
+            <ac:spMk id="3" creationId="{68C0E592-D77C-DF8C-9D13-AEA06ADE33B4}"/>
+          </ac:spMkLst>
+        </pc:spChg>
+      </pc:sldChg>
+      <pc:sldChg chg="modSp">
+        <pc:chgData name="Phil Trinder" userId="S::phil.trinder@glasgow.ac.uk::d43443bb-9414-44af-97c3-a8dadf631f95" providerId="AD" clId="Web-{0B909D9D-A95A-C6C2-F8CA-6D48ADFE4F53}" dt="2024-10-08T10:17:00.814" v="225" actId="20577"/>
+        <pc:sldMkLst>
+          <pc:docMk/>
+          <pc:sldMk cId="2950141504" sldId="344"/>
+        </pc:sldMkLst>
+        <pc:spChg chg="mod">
+          <ac:chgData name="Phil Trinder" userId="S::phil.trinder@glasgow.ac.uk::d43443bb-9414-44af-97c3-a8dadf631f95" providerId="AD" clId="Web-{0B909D9D-A95A-C6C2-F8CA-6D48ADFE4F53}" dt="2024-10-08T10:17:00.814" v="225" actId="20577"/>
+          <ac:spMkLst>
+            <pc:docMk/>
+            <pc:sldMk cId="2950141504" sldId="344"/>
+            <ac:spMk id="3" creationId="{23F29530-6F46-4DA5-4C34-E8482ADDB7DF}"/>
+          </ac:spMkLst>
+        </pc:spChg>
+      </pc:sldChg>
+      <pc:sldChg chg="addSp modSp">
+        <pc:chgData name="Phil Trinder" userId="S::phil.trinder@glasgow.ac.uk::d43443bb-9414-44af-97c3-a8dadf631f95" providerId="AD" clId="Web-{0B909D9D-A95A-C6C2-F8CA-6D48ADFE4F53}" dt="2024-10-08T10:24:23.831" v="234" actId="1076"/>
+        <pc:sldMkLst>
+          <pc:docMk/>
+          <pc:sldMk cId="1531068557" sldId="359"/>
+        </pc:sldMkLst>
+        <pc:spChg chg="mod">
+          <ac:chgData name="Phil Trinder" userId="S::phil.trinder@glasgow.ac.uk::d43443bb-9414-44af-97c3-a8dadf631f95" providerId="AD" clId="Web-{0B909D9D-A95A-C6C2-F8CA-6D48ADFE4F53}" dt="2024-10-08T10:22:03.779" v="227" actId="20577"/>
+          <ac:spMkLst>
+            <pc:docMk/>
+            <pc:sldMk cId="1531068557" sldId="359"/>
+            <ac:spMk id="9" creationId="{1F2C308C-C7EA-16F2-4F54-F065BFBF4CE9}"/>
+          </ac:spMkLst>
+        </pc:spChg>
+        <pc:picChg chg="add mod">
+          <ac:chgData name="Phil Trinder" userId="S::phil.trinder@glasgow.ac.uk::d43443bb-9414-44af-97c3-a8dadf631f95" providerId="AD" clId="Web-{0B909D9D-A95A-C6C2-F8CA-6D48ADFE4F53}" dt="2024-10-08T10:24:23.831" v="234" actId="1076"/>
+          <ac:picMkLst>
+            <pc:docMk/>
+            <pc:sldMk cId="1531068557" sldId="359"/>
+            <ac:picMk id="4" creationId="{7B30B881-C8BC-1ECB-50AF-ACF78279DAEE}"/>
+          </ac:picMkLst>
+        </pc:picChg>
+        <pc:picChg chg="add mod">
+          <ac:chgData name="Phil Trinder" userId="S::phil.trinder@glasgow.ac.uk::d43443bb-9414-44af-97c3-a8dadf631f95" providerId="AD" clId="Web-{0B909D9D-A95A-C6C2-F8CA-6D48ADFE4F53}" dt="2024-10-08T10:23:30.891" v="230" actId="1076"/>
+          <ac:picMkLst>
+            <pc:docMk/>
+            <pc:sldMk cId="1531068557" sldId="359"/>
+            <ac:picMk id="5" creationId="{C1A76061-2EF5-45AB-AC13-4E0DE59EBDC4}"/>
+          </ac:picMkLst>
+        </pc:picChg>
+      </pc:sldChg>
+      <pc:sldChg chg="modSp">
+        <pc:chgData name="Phil Trinder" userId="S::phil.trinder@glasgow.ac.uk::d43443bb-9414-44af-97c3-a8dadf631f95" providerId="AD" clId="Web-{0B909D9D-A95A-C6C2-F8CA-6D48ADFE4F53}" dt="2024-10-08T10:14:04.979" v="172" actId="20577"/>
+        <pc:sldMkLst>
+          <pc:docMk/>
+          <pc:sldMk cId="1203393526" sldId="361"/>
+        </pc:sldMkLst>
+        <pc:spChg chg="mod">
+          <ac:chgData name="Phil Trinder" userId="S::phil.trinder@glasgow.ac.uk::d43443bb-9414-44af-97c3-a8dadf631f95" providerId="AD" clId="Web-{0B909D9D-A95A-C6C2-F8CA-6D48ADFE4F53}" dt="2024-10-08T10:14:04.979" v="172" actId="20577"/>
+          <ac:spMkLst>
+            <pc:docMk/>
+            <pc:sldMk cId="1203393526" sldId="361"/>
+            <ac:spMk id="6" creationId="{ECEF2E70-B410-E337-2341-8CB95702FD2B}"/>
+          </ac:spMkLst>
+        </pc:spChg>
+      </pc:sldChg>
+      <pc:sldChg chg="modSp">
+        <pc:chgData name="Phil Trinder" userId="S::phil.trinder@glasgow.ac.uk::d43443bb-9414-44af-97c3-a8dadf631f95" providerId="AD" clId="Web-{0B909D9D-A95A-C6C2-F8CA-6D48ADFE4F53}" dt="2024-10-08T09:35:36.238" v="12" actId="20577"/>
+        <pc:sldMkLst>
+          <pc:docMk/>
+          <pc:sldMk cId="2213873861" sldId="369"/>
+        </pc:sldMkLst>
+        <pc:spChg chg="mod">
+          <ac:chgData name="Phil Trinder" userId="S::phil.trinder@glasgow.ac.uk::d43443bb-9414-44af-97c3-a8dadf631f95" providerId="AD" clId="Web-{0B909D9D-A95A-C6C2-F8CA-6D48ADFE4F53}" dt="2024-10-08T09:35:36.238" v="12" actId="20577"/>
+          <ac:spMkLst>
+            <pc:docMk/>
+            <pc:sldMk cId="2213873861" sldId="369"/>
+            <ac:spMk id="2" creationId="{34DB38C7-221E-E9AA-0EC8-8A505FC0C418}"/>
+          </ac:spMkLst>
+        </pc:spChg>
+      </pc:sldChg>
+      <pc:sldChg chg="addSp delSp">
+        <pc:chgData name="Phil Trinder" userId="S::phil.trinder@glasgow.ac.uk::d43443bb-9414-44af-97c3-a8dadf631f95" providerId="AD" clId="Web-{0B909D9D-A95A-C6C2-F8CA-6D48ADFE4F53}" dt="2024-10-08T09:47:59.211" v="15"/>
+        <pc:sldMkLst>
+          <pc:docMk/>
+          <pc:sldMk cId="3956139512" sldId="377"/>
+        </pc:sldMkLst>
+        <pc:picChg chg="add del">
+          <ac:chgData name="Phil Trinder" userId="S::phil.trinder@glasgow.ac.uk::d43443bb-9414-44af-97c3-a8dadf631f95" providerId="AD" clId="Web-{0B909D9D-A95A-C6C2-F8CA-6D48ADFE4F53}" dt="2024-10-08T09:47:59.211" v="15"/>
+          <ac:picMkLst>
+            <pc:docMk/>
+            <pc:sldMk cId="3956139512" sldId="377"/>
+            <ac:picMk id="6" creationId="{A24C157A-50FE-0AC2-4AFB-8EBCA4EE5A19}"/>
+          </ac:picMkLst>
+        </pc:picChg>
+      </pc:sldChg>
+      <pc:sldChg chg="mod modShow">
+        <pc:chgData name="Phil Trinder" userId="S::phil.trinder@glasgow.ac.uk::d43443bb-9414-44af-97c3-a8dadf631f95" providerId="AD" clId="Web-{0B909D9D-A95A-C6C2-F8CA-6D48ADFE4F53}" dt="2024-10-08T10:08:40.557" v="163"/>
+        <pc:sldMkLst>
+          <pc:docMk/>
+          <pc:sldMk cId="1180170421" sldId="379"/>
+        </pc:sldMkLst>
+      </pc:sldChg>
+      <pc:sldChg chg="mod modShow">
+        <pc:chgData name="Phil Trinder" userId="S::phil.trinder@glasgow.ac.uk::d43443bb-9414-44af-97c3-a8dadf631f95" providerId="AD" clId="Web-{0B909D9D-A95A-C6C2-F8CA-6D48ADFE4F53}" dt="2024-10-08T10:24:15.268" v="233"/>
+        <pc:sldMkLst>
+          <pc:docMk/>
+          <pc:sldMk cId="2763222539" sldId="385"/>
+        </pc:sldMkLst>
+      </pc:sldChg>
+      <pc:sldChg chg="delSp modSp add del replId">
+        <pc:chgData name="Phil Trinder" userId="S::phil.trinder@glasgow.ac.uk::d43443bb-9414-44af-97c3-a8dadf631f95" providerId="AD" clId="Web-{0B909D9D-A95A-C6C2-F8CA-6D48ADFE4F53}" dt="2024-10-08T10:31:30.519" v="246" actId="1076"/>
+        <pc:sldMkLst>
+          <pc:docMk/>
+          <pc:sldMk cId="4138616899" sldId="386"/>
+        </pc:sldMkLst>
+        <pc:spChg chg="mod">
+          <ac:chgData name="Phil Trinder" userId="S::phil.trinder@glasgow.ac.uk::d43443bb-9414-44af-97c3-a8dadf631f95" providerId="AD" clId="Web-{0B909D9D-A95A-C6C2-F8CA-6D48ADFE4F53}" dt="2024-10-08T10:31:25.284" v="245" actId="20577"/>
+          <ac:spMkLst>
+            <pc:docMk/>
+            <pc:sldMk cId="4138616899" sldId="386"/>
+            <ac:spMk id="2" creationId="{E93D139A-4CB0-08BF-01C3-2E84CB4D2D2C}"/>
+          </ac:spMkLst>
+        </pc:spChg>
+        <pc:spChg chg="del">
+          <ac:chgData name="Phil Trinder" userId="S::phil.trinder@glasgow.ac.uk::d43443bb-9414-44af-97c3-a8dadf631f95" providerId="AD" clId="Web-{0B909D9D-A95A-C6C2-F8CA-6D48ADFE4F53}" dt="2024-10-08T09:52:13.859" v="55"/>
+          <ac:spMkLst>
+            <pc:docMk/>
+            <pc:sldMk cId="4138616899" sldId="386"/>
+            <ac:spMk id="6" creationId="{D0B595BA-9D89-0788-479A-AA94377226B3}"/>
+          </ac:spMkLst>
+        </pc:spChg>
+        <pc:spChg chg="del">
+          <ac:chgData name="Phil Trinder" userId="S::phil.trinder@glasgow.ac.uk::d43443bb-9414-44af-97c3-a8dadf631f95" providerId="AD" clId="Web-{0B909D9D-A95A-C6C2-F8CA-6D48ADFE4F53}" dt="2024-10-08T09:52:11.046" v="54"/>
+          <ac:spMkLst>
+            <pc:docMk/>
+            <pc:sldMk cId="4138616899" sldId="386"/>
+            <ac:spMk id="8" creationId="{5AB8F430-615A-281C-1F74-9CBF11F0FC3E}"/>
+          </ac:spMkLst>
+        </pc:spChg>
+        <pc:spChg chg="mod">
+          <ac:chgData name="Phil Trinder" userId="S::phil.trinder@glasgow.ac.uk::d43443bb-9414-44af-97c3-a8dadf631f95" providerId="AD" clId="Web-{0B909D9D-A95A-C6C2-F8CA-6D48ADFE4F53}" dt="2024-10-08T09:53:52.736" v="88" actId="1076"/>
+          <ac:spMkLst>
+            <pc:docMk/>
+            <pc:sldMk cId="4138616899" sldId="386"/>
+            <ac:spMk id="12" creationId="{C59F10A8-0A19-2085-1022-5A376FA019D2}"/>
+          </ac:spMkLst>
+        </pc:spChg>
+        <pc:picChg chg="mod">
+          <ac:chgData name="Phil Trinder" userId="S::phil.trinder@glasgow.ac.uk::d43443bb-9414-44af-97c3-a8dadf631f95" providerId="AD" clId="Web-{0B909D9D-A95A-C6C2-F8CA-6D48ADFE4F53}" dt="2024-10-08T10:31:30.519" v="246" actId="1076"/>
+          <ac:picMkLst>
+            <pc:docMk/>
+            <pc:sldMk cId="4138616899" sldId="386"/>
+            <ac:picMk id="10" creationId="{1DEA999B-1FFA-9932-D552-D5ECA0ADC356}"/>
+          </ac:picMkLst>
+        </pc:picChg>
+      </pc:sldChg>
+    </pc:docChg>
+  </pc:docChgLst>
+  <pc:docChgLst>
+    <pc:chgData name="Duncan Paul Attard" userId="47daa79a-fd55-4e2c-8381-00c0ae59cbba" providerId="ADAL" clId="{BB31FA31-DA29-C84A-AD57-7D290ED37F9C}"/>
+    <pc:docChg chg="undo custSel delSld modSld">
+      <pc:chgData name="Duncan Paul Attard" userId="47daa79a-fd55-4e2c-8381-00c0ae59cbba" providerId="ADAL" clId="{BB31FA31-DA29-C84A-AD57-7D290ED37F9C}" dt="2024-12-02T12:11:25.466" v="71" actId="2696"/>
+      <pc:docMkLst>
+        <pc:docMk/>
+      </pc:docMkLst>
+      <pc:sldChg chg="modSp">
+        <pc:chgData name="Duncan Paul Attard" userId="47daa79a-fd55-4e2c-8381-00c0ae59cbba" providerId="ADAL" clId="{BB31FA31-DA29-C84A-AD57-7D290ED37F9C}" dt="2024-12-02T12:06:23.955" v="19" actId="20577"/>
+        <pc:sldMkLst>
+          <pc:docMk/>
+          <pc:sldMk cId="3436977870" sldId="317"/>
+        </pc:sldMkLst>
+        <pc:spChg chg="mod">
+          <ac:chgData name="Duncan Paul Attard" userId="47daa79a-fd55-4e2c-8381-00c0ae59cbba" providerId="ADAL" clId="{BB31FA31-DA29-C84A-AD57-7D290ED37F9C}" dt="2024-12-02T12:06:23.955" v="19" actId="20577"/>
+          <ac:spMkLst>
+            <pc:docMk/>
+            <pc:sldMk cId="3436977870" sldId="317"/>
+            <ac:spMk id="7" creationId="{1D925E5E-33B9-0949-A70E-D40F4D5CFDE4}"/>
+          </ac:spMkLst>
+        </pc:spChg>
+      </pc:sldChg>
+      <pc:sldChg chg="modSp mod">
+        <pc:chgData name="Duncan Paul Attard" userId="47daa79a-fd55-4e2c-8381-00c0ae59cbba" providerId="ADAL" clId="{BB31FA31-DA29-C84A-AD57-7D290ED37F9C}" dt="2024-12-02T12:06:42.428" v="31" actId="20577"/>
+        <pc:sldMkLst>
+          <pc:docMk/>
+          <pc:sldMk cId="2033012206" sldId="350"/>
+        </pc:sldMkLst>
+        <pc:spChg chg="mod">
+          <ac:chgData name="Duncan Paul Attard" userId="47daa79a-fd55-4e2c-8381-00c0ae59cbba" providerId="ADAL" clId="{BB31FA31-DA29-C84A-AD57-7D290ED37F9C}" dt="2024-12-02T12:06:42.428" v="31" actId="20577"/>
+          <ac:spMkLst>
+            <pc:docMk/>
+            <pc:sldMk cId="2033012206" sldId="350"/>
+            <ac:spMk id="3" creationId="{900A8C71-6E09-B321-03A8-05C95256EACF}"/>
+          </ac:spMkLst>
+        </pc:spChg>
+      </pc:sldChg>
+      <pc:sldChg chg="modSp">
+        <pc:chgData name="Duncan Paul Attard" userId="47daa79a-fd55-4e2c-8381-00c0ae59cbba" providerId="ADAL" clId="{BB31FA31-DA29-C84A-AD57-7D290ED37F9C}" dt="2024-12-02T12:09:52.768" v="69" actId="20577"/>
+        <pc:sldMkLst>
+          <pc:docMk/>
+          <pc:sldMk cId="1854734574" sldId="384"/>
+        </pc:sldMkLst>
+        <pc:spChg chg="mod">
+          <ac:chgData name="Duncan Paul Attard" userId="47daa79a-fd55-4e2c-8381-00c0ae59cbba" providerId="ADAL" clId="{BB31FA31-DA29-C84A-AD57-7D290ED37F9C}" dt="2024-12-02T12:09:52.768" v="69" actId="20577"/>
+          <ac:spMkLst>
+            <pc:docMk/>
+            <pc:sldMk cId="1854734574" sldId="384"/>
+            <ac:spMk id="6" creationId="{C59605C2-0276-C5E0-7C8A-5576510BD740}"/>
+          </ac:spMkLst>
+        </pc:spChg>
+      </pc:sldChg>
+      <pc:sldChg chg="modSp del mod">
+        <pc:chgData name="Duncan Paul Attard" userId="47daa79a-fd55-4e2c-8381-00c0ae59cbba" providerId="ADAL" clId="{BB31FA31-DA29-C84A-AD57-7D290ED37F9C}" dt="2024-12-02T12:11:25.466" v="71" actId="2696"/>
+        <pc:sldMkLst>
+          <pc:docMk/>
+          <pc:sldMk cId="1445797005" sldId="393"/>
+        </pc:sldMkLst>
+        <pc:spChg chg="mod">
+          <ac:chgData name="Duncan Paul Attard" userId="47daa79a-fd55-4e2c-8381-00c0ae59cbba" providerId="ADAL" clId="{BB31FA31-DA29-C84A-AD57-7D290ED37F9C}" dt="2024-12-02T12:10:54.675" v="70" actId="207"/>
+          <ac:spMkLst>
+            <pc:docMk/>
+            <pc:sldMk cId="1445797005" sldId="393"/>
+            <ac:spMk id="3" creationId="{694CE245-3832-232E-0988-EC92BFE7B55E}"/>
+          </ac:spMkLst>
+        </pc:spChg>
+        <pc:spChg chg="mod">
+          <ac:chgData name="Duncan Paul Attard" userId="47daa79a-fd55-4e2c-8381-00c0ae59cbba" providerId="ADAL" clId="{BB31FA31-DA29-C84A-AD57-7D290ED37F9C}" dt="2024-12-02T12:08:45.707" v="67" actId="20577"/>
+          <ac:spMkLst>
+            <pc:docMk/>
+            <pc:sldMk cId="1445797005" sldId="393"/>
+            <ac:spMk id="10" creationId="{BB7DDD1E-1BBA-E60E-34EE-DE7B7FD8C350}"/>
+          </ac:spMkLst>
+        </pc:spChg>
+      </pc:sldChg>
+      <pc:sldChg chg="modSp mod">
+        <pc:chgData name="Duncan Paul Attard" userId="47daa79a-fd55-4e2c-8381-00c0ae59cbba" providerId="ADAL" clId="{BB31FA31-DA29-C84A-AD57-7D290ED37F9C}" dt="2024-12-02T12:07:24.369" v="51" actId="1076"/>
+        <pc:sldMkLst>
+          <pc:docMk/>
+          <pc:sldMk cId="3328050851" sldId="394"/>
+        </pc:sldMkLst>
+        <pc:spChg chg="mod">
+          <ac:chgData name="Duncan Paul Attard" userId="47daa79a-fd55-4e2c-8381-00c0ae59cbba" providerId="ADAL" clId="{BB31FA31-DA29-C84A-AD57-7D290ED37F9C}" dt="2024-12-02T12:06:49.857" v="39" actId="20577"/>
+          <ac:spMkLst>
+            <pc:docMk/>
+            <pc:sldMk cId="3328050851" sldId="394"/>
+            <ac:spMk id="3" creationId="{3F4DD495-9E56-3239-BDB0-5B91FC903AE0}"/>
+          </ac:spMkLst>
+        </pc:spChg>
+        <pc:spChg chg="mod">
+          <ac:chgData name="Duncan Paul Attard" userId="47daa79a-fd55-4e2c-8381-00c0ae59cbba" providerId="ADAL" clId="{BB31FA31-DA29-C84A-AD57-7D290ED37F9C}" dt="2024-12-02T12:07:17.194" v="47" actId="20577"/>
+          <ac:spMkLst>
+            <pc:docMk/>
+            <pc:sldMk cId="3328050851" sldId="394"/>
+            <ac:spMk id="10" creationId="{0055A93B-5785-0143-EF6A-7441C5DEFBF5}"/>
+          </ac:spMkLst>
+        </pc:spChg>
+        <pc:spChg chg="mod">
+          <ac:chgData name="Duncan Paul Attard" userId="47daa79a-fd55-4e2c-8381-00c0ae59cbba" providerId="ADAL" clId="{BB31FA31-DA29-C84A-AD57-7D290ED37F9C}" dt="2024-12-02T12:07:24.072" v="50" actId="1076"/>
+          <ac:spMkLst>
+            <pc:docMk/>
+            <pc:sldMk cId="3328050851" sldId="394"/>
+            <ac:spMk id="12" creationId="{4668DD92-AC4A-B63E-3676-8F854A960965}"/>
+          </ac:spMkLst>
+        </pc:spChg>
+        <pc:spChg chg="mod">
+          <ac:chgData name="Duncan Paul Attard" userId="47daa79a-fd55-4e2c-8381-00c0ae59cbba" providerId="ADAL" clId="{BB31FA31-DA29-C84A-AD57-7D290ED37F9C}" dt="2024-12-02T12:07:24.369" v="51" actId="1076"/>
+          <ac:spMkLst>
+            <pc:docMk/>
+            <pc:sldMk cId="3328050851" sldId="394"/>
+            <ac:spMk id="15" creationId="{EAF1ADAB-E6D4-C6E5-E692-0BFC07FEFE1C}"/>
+          </ac:spMkLst>
+        </pc:spChg>
+      </pc:sldChg>
+      <pc:sldChg chg="del">
+        <pc:chgData name="Duncan Paul Attard" userId="47daa79a-fd55-4e2c-8381-00c0ae59cbba" providerId="ADAL" clId="{BB31FA31-DA29-C84A-AD57-7D290ED37F9C}" dt="2024-12-02T12:09:12.517" v="68" actId="2696"/>
+        <pc:sldMkLst>
+          <pc:docMk/>
+          <pc:sldMk cId="3834207744" sldId="395"/>
+        </pc:sldMkLst>
+      </pc:sldChg>
+    </pc:docChg>
+  </pc:docChgLst>
+  <pc:docChgLst>
+    <pc:chgData name="Phil Trinder" userId="S::phil.trinder@glasgow.ac.uk::d43443bb-9414-44af-97c3-a8dadf631f95" providerId="AD" clId="Web-{29642081-66E5-9D72-9BE8-3804CC81AA33}"/>
+    <pc:docChg chg="modSld">
+      <pc:chgData name="Phil Trinder" userId="S::phil.trinder@glasgow.ac.uk::d43443bb-9414-44af-97c3-a8dadf631f95" providerId="AD" clId="Web-{29642081-66E5-9D72-9BE8-3804CC81AA33}" dt="2024-10-11T14:25:24.811" v="30" actId="14100"/>
+      <pc:docMkLst>
+        <pc:docMk/>
+      </pc:docMkLst>
+      <pc:sldChg chg="mod modShow">
+        <pc:chgData name="Phil Trinder" userId="S::phil.trinder@glasgow.ac.uk::d43443bb-9414-44af-97c3-a8dadf631f95" providerId="AD" clId="Web-{29642081-66E5-9D72-9BE8-3804CC81AA33}" dt="2024-10-11T14:23:48.058" v="14"/>
+        <pc:sldMkLst>
+          <pc:docMk/>
+          <pc:sldMk cId="3834207744" sldId="395"/>
+        </pc:sldMkLst>
+      </pc:sldChg>
+      <pc:sldChg chg="modSp">
+        <pc:chgData name="Phil Trinder" userId="S::phil.trinder@glasgow.ac.uk::d43443bb-9414-44af-97c3-a8dadf631f95" providerId="AD" clId="Web-{29642081-66E5-9D72-9BE8-3804CC81AA33}" dt="2024-10-11T14:25:24.811" v="30" actId="14100"/>
+        <pc:sldMkLst>
+          <pc:docMk/>
+          <pc:sldMk cId="2092634025" sldId="396"/>
+        </pc:sldMkLst>
+        <pc:spChg chg="mod">
+          <ac:chgData name="Phil Trinder" userId="S::phil.trinder@glasgow.ac.uk::d43443bb-9414-44af-97c3-a8dadf631f95" providerId="AD" clId="Web-{29642081-66E5-9D72-9BE8-3804CC81AA33}" dt="2024-10-11T14:22:29.837" v="3" actId="20577"/>
+          <ac:spMkLst>
+            <pc:docMk/>
+            <pc:sldMk cId="2092634025" sldId="396"/>
+            <ac:spMk id="2" creationId="{7772168C-DD6E-04F8-39F6-EF48293D1980}"/>
+          </ac:spMkLst>
+        </pc:spChg>
+        <pc:spChg chg="mod">
+          <ac:chgData name="Phil Trinder" userId="S::phil.trinder@glasgow.ac.uk::d43443bb-9414-44af-97c3-a8dadf631f95" providerId="AD" clId="Web-{29642081-66E5-9D72-9BE8-3804CC81AA33}" dt="2024-10-11T14:25:24.811" v="30" actId="14100"/>
+          <ac:spMkLst>
+            <pc:docMk/>
+            <pc:sldMk cId="2092634025" sldId="396"/>
+            <ac:spMk id="4" creationId="{F19E8FEA-6B1D-9351-FDA1-0947885F0222}"/>
+          </ac:spMkLst>
+        </pc:spChg>
+      </pc:sldChg>
+    </pc:docChg>
+  </pc:docChgLst>
+  <pc:docChgLst>
+    <pc:chgData name="Phil Trinder" userId="S::phil.trinder@glasgow.ac.uk::d43443bb-9414-44af-97c3-a8dadf631f95" providerId="AD" clId="Web-{EF1E372E-99CD-2126-C1D7-01C140F1995B}"/>
+    <pc:docChg chg="modSld">
+      <pc:chgData name="Phil Trinder" userId="S::phil.trinder@glasgow.ac.uk::d43443bb-9414-44af-97c3-a8dadf631f95" providerId="AD" clId="Web-{EF1E372E-99CD-2126-C1D7-01C140F1995B}" dt="2024-10-09T09:19:45.852" v="140"/>
+      <pc:docMkLst>
+        <pc:docMk/>
+      </pc:docMkLst>
+      <pc:sldChg chg="modSp">
+        <pc:chgData name="Phil Trinder" userId="S::phil.trinder@glasgow.ac.uk::d43443bb-9414-44af-97c3-a8dadf631f95" providerId="AD" clId="Web-{EF1E372E-99CD-2126-C1D7-01C140F1995B}" dt="2024-10-09T09:19:45.852" v="140"/>
+        <pc:sldMkLst>
+          <pc:docMk/>
+          <pc:sldMk cId="402213844" sldId="355"/>
+        </pc:sldMkLst>
+        <pc:graphicFrameChg chg="mod modGraphic">
+          <ac:chgData name="Phil Trinder" userId="S::phil.trinder@glasgow.ac.uk::d43443bb-9414-44af-97c3-a8dadf631f95" providerId="AD" clId="Web-{EF1E372E-99CD-2126-C1D7-01C140F1995B}" dt="2024-10-09T09:19:45.852" v="140"/>
+          <ac:graphicFrameMkLst>
+            <pc:docMk/>
+            <pc:sldMk cId="402213844" sldId="355"/>
+            <ac:graphicFrameMk id="6" creationId="{559C152D-BDA9-7AF2-905C-8C65BF8A392B}"/>
+          </ac:graphicFrameMkLst>
+        </pc:graphicFrameChg>
+      </pc:sldChg>
+      <pc:sldChg chg="modSp">
+        <pc:chgData name="Phil Trinder" userId="S::phil.trinder@glasgow.ac.uk::d43443bb-9414-44af-97c3-a8dadf631f95" providerId="AD" clId="Web-{EF1E372E-99CD-2126-C1D7-01C140F1995B}" dt="2024-10-09T07:41:57.486" v="50" actId="20577"/>
+        <pc:sldMkLst>
+          <pc:docMk/>
+          <pc:sldMk cId="2213873861" sldId="369"/>
+        </pc:sldMkLst>
+        <pc:spChg chg="mod">
+          <ac:chgData name="Phil Trinder" userId="S::phil.trinder@glasgow.ac.uk::d43443bb-9414-44af-97c3-a8dadf631f95" providerId="AD" clId="Web-{EF1E372E-99CD-2126-C1D7-01C140F1995B}" dt="2024-10-09T07:40:25.404" v="0" actId="20577"/>
+          <ac:spMkLst>
+            <pc:docMk/>
+            <pc:sldMk cId="2213873861" sldId="369"/>
+            <ac:spMk id="3" creationId="{7B046BA1-75DE-9380-E7E0-40D6F4981AE8}"/>
+          </ac:spMkLst>
+        </pc:spChg>
+        <pc:spChg chg="mod">
+          <ac:chgData name="Phil Trinder" userId="S::phil.trinder@glasgow.ac.uk::d43443bb-9414-44af-97c3-a8dadf631f95" providerId="AD" clId="Web-{EF1E372E-99CD-2126-C1D7-01C140F1995B}" dt="2024-10-09T07:41:49.220" v="49" actId="20577"/>
+          <ac:spMkLst>
+            <pc:docMk/>
+            <pc:sldMk cId="2213873861" sldId="369"/>
+            <ac:spMk id="4" creationId="{E94F18E8-9A3E-E803-C96D-A7E083E0D4EF}"/>
+          </ac:spMkLst>
+        </pc:spChg>
+        <pc:spChg chg="mod">
+          <ac:chgData name="Phil Trinder" userId="S::phil.trinder@glasgow.ac.uk::d43443bb-9414-44af-97c3-a8dadf631f95" providerId="AD" clId="Web-{EF1E372E-99CD-2126-C1D7-01C140F1995B}" dt="2024-10-09T07:40:57.124" v="17" actId="20577"/>
+          <ac:spMkLst>
+            <pc:docMk/>
+            <pc:sldMk cId="2213873861" sldId="369"/>
+            <ac:spMk id="5" creationId="{567E3287-B005-EE8F-3015-28E27725E492}"/>
+          </ac:spMkLst>
+        </pc:spChg>
+        <pc:spChg chg="mod">
+          <ac:chgData name="Phil Trinder" userId="S::phil.trinder@glasgow.ac.uk::d43443bb-9414-44af-97c3-a8dadf631f95" providerId="AD" clId="Web-{EF1E372E-99CD-2126-C1D7-01C140F1995B}" dt="2024-10-09T07:41:57.486" v="50" actId="20577"/>
+          <ac:spMkLst>
+            <pc:docMk/>
+            <pc:sldMk cId="2213873861" sldId="369"/>
+            <ac:spMk id="6" creationId="{24BEE763-DF2E-5046-16AA-65F5C1F18B59}"/>
+          </ac:spMkLst>
+        </pc:spChg>
+      </pc:sldChg>
+    </pc:docChg>
+  </pc:docChgLst>
+  <pc:docChgLst>
+    <pc:chgData name="Phil Trinder" userId="S::phil.trinder@glasgow.ac.uk::d43443bb-9414-44af-97c3-a8dadf631f95" providerId="AD" clId="Web-{C7CAB2F7-4D03-C150-9637-1EA5CACBD74D}"/>
+    <pc:docChg chg="modSld">
+      <pc:chgData name="Phil Trinder" userId="S::phil.trinder@glasgow.ac.uk::d43443bb-9414-44af-97c3-a8dadf631f95" providerId="AD" clId="Web-{C7CAB2F7-4D03-C150-9637-1EA5CACBD74D}" dt="2024-10-10T09:22:59.444" v="4" actId="20577"/>
+      <pc:docMkLst>
+        <pc:docMk/>
+      </pc:docMkLst>
+      <pc:sldChg chg="modSp">
+        <pc:chgData name="Phil Trinder" userId="S::phil.trinder@glasgow.ac.uk::d43443bb-9414-44af-97c3-a8dadf631f95" providerId="AD" clId="Web-{C7CAB2F7-4D03-C150-9637-1EA5CACBD74D}" dt="2024-10-10T09:22:59.444" v="4" actId="20577"/>
+        <pc:sldMkLst>
+          <pc:docMk/>
+          <pc:sldMk cId="3800330053" sldId="316"/>
+        </pc:sldMkLst>
+        <pc:spChg chg="mod">
+          <ac:chgData name="Phil Trinder" userId="S::phil.trinder@glasgow.ac.uk::d43443bb-9414-44af-97c3-a8dadf631f95" providerId="AD" clId="Web-{C7CAB2F7-4D03-C150-9637-1EA5CACBD74D}" dt="2024-10-10T09:22:36.302" v="0" actId="20577"/>
+          <ac:spMkLst>
+            <pc:docMk/>
+            <pc:sldMk cId="3800330053" sldId="316"/>
+            <ac:spMk id="6" creationId="{7CFBB0AF-5598-2B50-BDCD-FB841CE933DA}"/>
+          </ac:spMkLst>
+        </pc:spChg>
+        <pc:spChg chg="mod">
+          <ac:chgData name="Phil Trinder" userId="S::phil.trinder@glasgow.ac.uk::d43443bb-9414-44af-97c3-a8dadf631f95" providerId="AD" clId="Web-{C7CAB2F7-4D03-C150-9637-1EA5CACBD74D}" dt="2024-10-10T09:22:59.444" v="4" actId="20577"/>
+          <ac:spMkLst>
+            <pc:docMk/>
+            <pc:sldMk cId="3800330053" sldId="316"/>
+            <ac:spMk id="8" creationId="{FEE6C8D4-C776-26CB-D5C6-2B3706EB0619}"/>
+          </ac:spMkLst>
+        </pc:spChg>
+      </pc:sldChg>
+    </pc:docChg>
+  </pc:docChgLst>
+  <pc:docChgLst>
+    <pc:chgData name="Phil Trinder" userId="S::phil.trinder@glasgow.ac.uk::d43443bb-9414-44af-97c3-a8dadf631f95" providerId="AD" clId="Web-{1D4BD035-E1DF-115C-079A-568F0BD3F1CD}"/>
+    <pc:docChg chg="addSld delSld modSld">
+      <pc:chgData name="Phil Trinder" userId="S::phil.trinder@glasgow.ac.uk::d43443bb-9414-44af-97c3-a8dadf631f95" providerId="AD" clId="Web-{1D4BD035-E1DF-115C-079A-568F0BD3F1CD}" dt="2024-10-02T11:14:56.425" v="219" actId="20577"/>
+      <pc:docMkLst>
+        <pc:docMk/>
+      </pc:docMkLst>
+      <pc:sldChg chg="modSp">
+        <pc:chgData name="Phil Trinder" userId="S::phil.trinder@glasgow.ac.uk::d43443bb-9414-44af-97c3-a8dadf631f95" providerId="AD" clId="Web-{1D4BD035-E1DF-115C-079A-568F0BD3F1CD}" dt="2024-10-02T11:12:05.545" v="207"/>
+        <pc:sldMkLst>
+          <pc:docMk/>
+          <pc:sldMk cId="402213844" sldId="355"/>
+        </pc:sldMkLst>
+        <pc:graphicFrameChg chg="mod modGraphic">
+          <ac:chgData name="Phil Trinder" userId="S::phil.trinder@glasgow.ac.uk::d43443bb-9414-44af-97c3-a8dadf631f95" providerId="AD" clId="Web-{1D4BD035-E1DF-115C-079A-568F0BD3F1CD}" dt="2024-10-02T11:12:05.545" v="207"/>
+          <ac:graphicFrameMkLst>
+            <pc:docMk/>
+            <pc:sldMk cId="402213844" sldId="355"/>
+            <ac:graphicFrameMk id="3" creationId="{57772F8D-2581-5359-ABDE-87513FC5FD8F}"/>
+          </ac:graphicFrameMkLst>
+        </pc:graphicFrameChg>
+      </pc:sldChg>
+      <pc:sldChg chg="modSp">
+        <pc:chgData name="Phil Trinder" userId="S::phil.trinder@glasgow.ac.uk::d43443bb-9414-44af-97c3-a8dadf631f95" providerId="AD" clId="Web-{1D4BD035-E1DF-115C-079A-568F0BD3F1CD}" dt="2024-10-02T11:14:56.425" v="219" actId="20577"/>
+        <pc:sldMkLst>
+          <pc:docMk/>
+          <pc:sldMk cId="1531068557" sldId="359"/>
+        </pc:sldMkLst>
+        <pc:spChg chg="mod">
+          <ac:chgData name="Phil Trinder" userId="S::phil.trinder@glasgow.ac.uk::d43443bb-9414-44af-97c3-a8dadf631f95" providerId="AD" clId="Web-{1D4BD035-E1DF-115C-079A-568F0BD3F1CD}" dt="2024-10-02T09:54:58.250" v="31" actId="20577"/>
+          <ac:spMkLst>
+            <pc:docMk/>
+            <pc:sldMk cId="1531068557" sldId="359"/>
+            <ac:spMk id="8" creationId="{42CBADA2-C4BF-A0EB-55B7-B53785EE2541}"/>
+          </ac:spMkLst>
+        </pc:spChg>
+        <pc:spChg chg="mod">
+          <ac:chgData name="Phil Trinder" userId="S::phil.trinder@glasgow.ac.uk::d43443bb-9414-44af-97c3-a8dadf631f95" providerId="AD" clId="Web-{1D4BD035-E1DF-115C-079A-568F0BD3F1CD}" dt="2024-10-02T11:14:56.425" v="219" actId="20577"/>
+          <ac:spMkLst>
+            <pc:docMk/>
+            <pc:sldMk cId="1531068557" sldId="359"/>
+            <ac:spMk id="9" creationId="{1F2C308C-C7EA-16F2-4F54-F065BFBF4CE9}"/>
+          </ac:spMkLst>
+        </pc:spChg>
+      </pc:sldChg>
+      <pc:sldChg chg="modSp">
+        <pc:chgData name="Phil Trinder" userId="S::phil.trinder@glasgow.ac.uk::d43443bb-9414-44af-97c3-a8dadf631f95" providerId="AD" clId="Web-{1D4BD035-E1DF-115C-079A-568F0BD3F1CD}" dt="2024-10-02T09:56:18.331" v="49" actId="20577"/>
+        <pc:sldMkLst>
+          <pc:docMk/>
+          <pc:sldMk cId="2213873861" sldId="369"/>
+        </pc:sldMkLst>
+        <pc:spChg chg="mod">
+          <ac:chgData name="Phil Trinder" userId="S::phil.trinder@glasgow.ac.uk::d43443bb-9414-44af-97c3-a8dadf631f95" providerId="AD" clId="Web-{1D4BD035-E1DF-115C-079A-568F0BD3F1CD}" dt="2024-10-02T09:51:11.239" v="21" actId="20577"/>
+          <ac:spMkLst>
+            <pc:docMk/>
+            <pc:sldMk cId="2213873861" sldId="369"/>
+            <ac:spMk id="2" creationId="{34DB38C7-221E-E9AA-0EC8-8A505FC0C418}"/>
+          </ac:spMkLst>
+        </pc:spChg>
+        <pc:spChg chg="mod">
+          <ac:chgData name="Phil Trinder" userId="S::phil.trinder@glasgow.ac.uk::d43443bb-9414-44af-97c3-a8dadf631f95" providerId="AD" clId="Web-{1D4BD035-E1DF-115C-079A-568F0BD3F1CD}" dt="2024-10-02T09:56:18.331" v="49" actId="20577"/>
+          <ac:spMkLst>
+            <pc:docMk/>
+            <pc:sldMk cId="2213873861" sldId="369"/>
+            <ac:spMk id="4" creationId="{E94F18E8-9A3E-E803-C96D-A7E083E0D4EF}"/>
+          </ac:spMkLst>
+        </pc:spChg>
+        <pc:spChg chg="mod">
+          <ac:chgData name="Phil Trinder" userId="S::phil.trinder@glasgow.ac.uk::d43443bb-9414-44af-97c3-a8dadf631f95" providerId="AD" clId="Web-{1D4BD035-E1DF-115C-079A-568F0BD3F1CD}" dt="2024-10-02T09:56:14.113" v="47" actId="20577"/>
+          <ac:spMkLst>
+            <pc:docMk/>
+            <pc:sldMk cId="2213873861" sldId="369"/>
+            <ac:spMk id="6" creationId="{24BEE763-DF2E-5046-16AA-65F5C1F18B59}"/>
+          </ac:spMkLst>
+        </pc:spChg>
+      </pc:sldChg>
+      <pc:sldChg chg="addSp delSp modSp del">
+        <pc:chgData name="Phil Trinder" userId="S::phil.trinder@glasgow.ac.uk::d43443bb-9414-44af-97c3-a8dadf631f95" providerId="AD" clId="Web-{1D4BD035-E1DF-115C-079A-568F0BD3F1CD}" dt="2024-10-02T10:16:15.402" v="120"/>
+        <pc:sldMkLst>
+          <pc:docMk/>
+          <pc:sldMk cId="3847162322" sldId="374"/>
+        </pc:sldMkLst>
+        <pc:spChg chg="mod">
+          <ac:chgData name="Phil Trinder" userId="S::phil.trinder@glasgow.ac.uk::d43443bb-9414-44af-97c3-a8dadf631f95" providerId="AD" clId="Web-{1D4BD035-E1DF-115C-079A-568F0BD3F1CD}" dt="2024-10-02T10:11:46.562" v="73" actId="20577"/>
+          <ac:spMkLst>
+            <pc:docMk/>
+            <pc:sldMk cId="3847162322" sldId="374"/>
+            <ac:spMk id="4" creationId="{C2911B54-2061-2FAD-302E-4AD802CD6920}"/>
+          </ac:spMkLst>
+        </pc:spChg>
+        <pc:spChg chg="del">
+          <ac:chgData name="Phil Trinder" userId="S::phil.trinder@glasgow.ac.uk::d43443bb-9414-44af-97c3-a8dadf631f95" providerId="AD" clId="Web-{1D4BD035-E1DF-115C-079A-568F0BD3F1CD}" dt="2024-10-02T10:15:58.745" v="117"/>
+          <ac:spMkLst>
+            <pc:docMk/>
+            <pc:sldMk cId="3847162322" sldId="374"/>
+            <ac:spMk id="5" creationId="{0697303B-E6EC-76DD-F8D9-92D66705BAD7}"/>
+          </ac:spMkLst>
+        </pc:spChg>
+        <pc:spChg chg="del">
+          <ac:chgData name="Phil Trinder" userId="S::phil.trinder@glasgow.ac.uk::d43443bb-9414-44af-97c3-a8dadf631f95" providerId="AD" clId="Web-{1D4BD035-E1DF-115C-079A-568F0BD3F1CD}" dt="2024-10-02T10:16:02.855" v="118"/>
+          <ac:spMkLst>
+            <pc:docMk/>
+            <pc:sldMk cId="3847162322" sldId="374"/>
+            <ac:spMk id="6" creationId="{C59605C2-0276-C5E0-7C8A-5576510BD740}"/>
+          </ac:spMkLst>
+        </pc:spChg>
+        <pc:spChg chg="mod">
+          <ac:chgData name="Phil Trinder" userId="S::phil.trinder@glasgow.ac.uk::d43443bb-9414-44af-97c3-a8dadf631f95" providerId="AD" clId="Web-{1D4BD035-E1DF-115C-079A-568F0BD3F1CD}" dt="2024-10-02T10:15:40.525" v="115" actId="20577"/>
+          <ac:spMkLst>
+            <pc:docMk/>
+            <pc:sldMk cId="3847162322" sldId="374"/>
+            <ac:spMk id="7" creationId="{725A8AD9-A6BF-2C2D-6CA0-BFC879A44AC8}"/>
+          </ac:spMkLst>
+        </pc:spChg>
+        <pc:spChg chg="add mod">
+          <ac:chgData name="Phil Trinder" userId="S::phil.trinder@glasgow.ac.uk::d43443bb-9414-44af-97c3-a8dadf631f95" providerId="AD" clId="Web-{1D4BD035-E1DF-115C-079A-568F0BD3F1CD}" dt="2024-10-02T10:15:58.745" v="117"/>
+          <ac:spMkLst>
+            <pc:docMk/>
+            <pc:sldMk cId="3847162322" sldId="374"/>
+            <ac:spMk id="9" creationId="{6F317864-2C0C-DFEF-E206-60C2E3766082}"/>
+          </ac:spMkLst>
+        </pc:spChg>
+        <pc:spChg chg="mod">
+          <ac:chgData name="Phil Trinder" userId="S::phil.trinder@glasgow.ac.uk::d43443bb-9414-44af-97c3-a8dadf631f95" providerId="AD" clId="Web-{1D4BD035-E1DF-115C-079A-568F0BD3F1CD}" dt="2024-10-02T10:14:31.491" v="112" actId="1076"/>
+          <ac:spMkLst>
+            <pc:docMk/>
+            <pc:sldMk cId="3847162322" sldId="374"/>
+            <ac:spMk id="10" creationId="{73CDB658-D52A-76A1-3E4E-169B91E07001}"/>
+          </ac:spMkLst>
+        </pc:spChg>
+        <pc:spChg chg="add del mod">
+          <ac:chgData name="Phil Trinder" userId="S::phil.trinder@glasgow.ac.uk::d43443bb-9414-44af-97c3-a8dadf631f95" providerId="AD" clId="Web-{1D4BD035-E1DF-115C-079A-568F0BD3F1CD}" dt="2024-10-02T10:16:12.417" v="119"/>
+          <ac:spMkLst>
+            <pc:docMk/>
+            <pc:sldMk cId="3847162322" sldId="374"/>
+            <ac:spMk id="12" creationId="{C2F8791D-3620-B375-7ED8-25A43E18AD9E}"/>
+          </ac:spMkLst>
+        </pc:spChg>
+      </pc:sldChg>
+      <pc:sldChg chg="modSp">
+        <pc:chgData name="Phil Trinder" userId="S::phil.trinder@glasgow.ac.uk::d43443bb-9414-44af-97c3-a8dadf631f95" providerId="AD" clId="Web-{1D4BD035-E1DF-115C-079A-568F0BD3F1CD}" dt="2024-10-02T10:53:43.073" v="182" actId="1076"/>
+        <pc:sldMkLst>
+          <pc:docMk/>
+          <pc:sldMk cId="1832310034" sldId="376"/>
+        </pc:sldMkLst>
+        <pc:spChg chg="mod">
+          <ac:chgData name="Phil Trinder" userId="S::phil.trinder@glasgow.ac.uk::d43443bb-9414-44af-97c3-a8dadf631f95" providerId="AD" clId="Web-{1D4BD035-E1DF-115C-079A-568F0BD3F1CD}" dt="2024-10-02T10:53:43.073" v="182" actId="1076"/>
+          <ac:spMkLst>
+            <pc:docMk/>
+            <pc:sldMk cId="1832310034" sldId="376"/>
+            <ac:spMk id="3" creationId="{7B7DB18A-366D-6C1E-44AE-13EEA5287B17}"/>
+          </ac:spMkLst>
+        </pc:spChg>
+        <pc:spChg chg="mod">
+          <ac:chgData name="Phil Trinder" userId="S::phil.trinder@glasgow.ac.uk::d43443bb-9414-44af-97c3-a8dadf631f95" providerId="AD" clId="Web-{1D4BD035-E1DF-115C-079A-568F0BD3F1CD}" dt="2024-10-02T10:53:37.635" v="181" actId="1076"/>
+          <ac:spMkLst>
+            <pc:docMk/>
+            <pc:sldMk cId="1832310034" sldId="376"/>
+            <ac:spMk id="6" creationId="{6520E972-1E75-2699-70C6-7A392BE42234}"/>
+          </ac:spMkLst>
+        </pc:spChg>
+        <pc:spChg chg="mod">
+          <ac:chgData name="Phil Trinder" userId="S::phil.trinder@glasgow.ac.uk::d43443bb-9414-44af-97c3-a8dadf631f95" providerId="AD" clId="Web-{1D4BD035-E1DF-115C-079A-568F0BD3F1CD}" dt="2024-10-02T10:51:40.538" v="152" actId="20577"/>
+          <ac:spMkLst>
+            <pc:docMk/>
+            <pc:sldMk cId="1832310034" sldId="376"/>
+            <ac:spMk id="8" creationId="{1305A386-0266-D35E-864C-887634D6E924}"/>
+          </ac:spMkLst>
+        </pc:spChg>
+      </pc:sldChg>
+      <pc:sldChg chg="modSp">
+        <pc:chgData name="Phil Trinder" userId="S::phil.trinder@glasgow.ac.uk::d43443bb-9414-44af-97c3-a8dadf631f95" providerId="AD" clId="Web-{1D4BD035-E1DF-115C-079A-568F0BD3F1CD}" dt="2024-10-02T11:09:51.463" v="205" actId="1076"/>
+        <pc:sldMkLst>
+          <pc:docMk/>
+          <pc:sldMk cId="932790891" sldId="380"/>
+        </pc:sldMkLst>
+        <pc:spChg chg="mod">
+          <ac:chgData name="Phil Trinder" userId="S::phil.trinder@glasgow.ac.uk::d43443bb-9414-44af-97c3-a8dadf631f95" providerId="AD" clId="Web-{1D4BD035-E1DF-115C-079A-568F0BD3F1CD}" dt="2024-10-02T11:09:51.463" v="205" actId="1076"/>
+          <ac:spMkLst>
+            <pc:docMk/>
+            <pc:sldMk cId="932790891" sldId="380"/>
+            <ac:spMk id="22" creationId="{3F472815-A81A-B56B-4FFF-2ADD59272495}"/>
+          </ac:spMkLst>
+        </pc:spChg>
+      </pc:sldChg>
+      <pc:sldChg chg="addSp delSp modSp add replId">
+        <pc:chgData name="Phil Trinder" userId="S::phil.trinder@glasgow.ac.uk::d43443bb-9414-44af-97c3-a8dadf631f95" providerId="AD" clId="Web-{1D4BD035-E1DF-115C-079A-568F0BD3F1CD}" dt="2024-10-02T10:16:59.216" v="125"/>
+        <pc:sldMkLst>
+          <pc:docMk/>
+          <pc:sldMk cId="3504229354" sldId="383"/>
+        </pc:sldMkLst>
+        <pc:spChg chg="del">
+          <ac:chgData name="Phil Trinder" userId="S::phil.trinder@glasgow.ac.uk::d43443bb-9414-44af-97c3-a8dadf631f95" providerId="AD" clId="Web-{1D4BD035-E1DF-115C-079A-568F0BD3F1CD}" dt="2024-10-02T10:16:41.841" v="122"/>
+          <ac:spMkLst>
+            <pc:docMk/>
+            <pc:sldMk cId="3504229354" sldId="383"/>
+            <ac:spMk id="5" creationId="{0697303B-E6EC-76DD-F8D9-92D66705BAD7}"/>
+          </ac:spMkLst>
+        </pc:spChg>
+        <pc:spChg chg="del">
+          <ac:chgData name="Phil Trinder" userId="S::phil.trinder@glasgow.ac.uk::d43443bb-9414-44af-97c3-a8dadf631f95" providerId="AD" clId="Web-{1D4BD035-E1DF-115C-079A-568F0BD3F1CD}" dt="2024-10-02T10:16:47.310" v="123"/>
+          <ac:spMkLst>
+            <pc:docMk/>
+            <pc:sldMk cId="3504229354" sldId="383"/>
+            <ac:spMk id="6" creationId="{C59605C2-0276-C5E0-7C8A-5576510BD740}"/>
+          </ac:spMkLst>
+        </pc:spChg>
+        <pc:spChg chg="add mod">
+          <ac:chgData name="Phil Trinder" userId="S::phil.trinder@glasgow.ac.uk::d43443bb-9414-44af-97c3-a8dadf631f95" providerId="AD" clId="Web-{1D4BD035-E1DF-115C-079A-568F0BD3F1CD}" dt="2024-10-02T10:16:41.841" v="122"/>
+          <ac:spMkLst>
+            <pc:docMk/>
+            <pc:sldMk cId="3504229354" sldId="383"/>
+            <ac:spMk id="9" creationId="{D2C3D415-2E95-CEAB-A48E-0B3AA5D8FD86}"/>
+          </ac:spMkLst>
+        </pc:spChg>
+        <pc:spChg chg="del">
+          <ac:chgData name="Phil Trinder" userId="S::phil.trinder@glasgow.ac.uk::d43443bb-9414-44af-97c3-a8dadf631f95" providerId="AD" clId="Web-{1D4BD035-E1DF-115C-079A-568F0BD3F1CD}" dt="2024-10-02T10:16:59.216" v="125"/>
+          <ac:spMkLst>
+            <pc:docMk/>
+            <pc:sldMk cId="3504229354" sldId="383"/>
+            <ac:spMk id="10" creationId="{73CDB658-D52A-76A1-3E4E-169B91E07001}"/>
+          </ac:spMkLst>
+        </pc:spChg>
+        <pc:spChg chg="add del mod">
+          <ac:chgData name="Phil Trinder" userId="S::phil.trinder@glasgow.ac.uk::d43443bb-9414-44af-97c3-a8dadf631f95" providerId="AD" clId="Web-{1D4BD035-E1DF-115C-079A-568F0BD3F1CD}" dt="2024-10-02T10:16:56.263" v="124"/>
+          <ac:spMkLst>
+            <pc:docMk/>
+            <pc:sldMk cId="3504229354" sldId="383"/>
+            <ac:spMk id="12" creationId="{C4CE17B5-FC5D-4B63-5362-8BADB04624BB}"/>
+          </ac:spMkLst>
+        </pc:spChg>
+      </pc:sldChg>
+      <pc:sldChg chg="modSp add replId">
+        <pc:chgData name="Phil Trinder" userId="S::phil.trinder@glasgow.ac.uk::d43443bb-9414-44af-97c3-a8dadf631f95" providerId="AD" clId="Web-{1D4BD035-E1DF-115C-079A-568F0BD3F1CD}" dt="2024-10-02T10:50:26.067" v="134" actId="1076"/>
+        <pc:sldMkLst>
+          <pc:docMk/>
+          <pc:sldMk cId="1854734574" sldId="384"/>
+        </pc:sldMkLst>
+        <pc:spChg chg="mod">
+          <ac:chgData name="Phil Trinder" userId="S::phil.trinder@glasgow.ac.uk::d43443bb-9414-44af-97c3-a8dadf631f95" providerId="AD" clId="Web-{1D4BD035-E1DF-115C-079A-568F0BD3F1CD}" dt="2024-10-02T10:50:18.582" v="133" actId="20577"/>
+          <ac:spMkLst>
+            <pc:docMk/>
+            <pc:sldMk cId="1854734574" sldId="384"/>
+            <ac:spMk id="6" creationId="{C59605C2-0276-C5E0-7C8A-5576510BD740}"/>
+          </ac:spMkLst>
+        </pc:spChg>
+        <pc:spChg chg="mod">
+          <ac:chgData name="Phil Trinder" userId="S::phil.trinder@glasgow.ac.uk::d43443bb-9414-44af-97c3-a8dadf631f95" providerId="AD" clId="Web-{1D4BD035-E1DF-115C-079A-568F0BD3F1CD}" dt="2024-10-02T10:50:26.067" v="134" actId="1076"/>
+          <ac:spMkLst>
+            <pc:docMk/>
+            <pc:sldMk cId="1854734574" sldId="384"/>
+            <ac:spMk id="10" creationId="{73CDB658-D52A-76A1-3E4E-169B91E07001}"/>
+          </ac:spMkLst>
+        </pc:spChg>
+      </pc:sldChg>
+    </pc:docChg>
+  </pc:docChgLst>
+  <pc:docChgLst>
+    <pc:chgData name="Phil Trinder" userId="S::phil.trinder@glasgow.ac.uk::d43443bb-9414-44af-97c3-a8dadf631f95" providerId="AD" clId="Web-{C5CD4D5F-EBA4-D116-A757-43E6DD6973BB}"/>
+    <pc:docChg chg="addSld modSld">
+      <pc:chgData name="Phil Trinder" userId="S::phil.trinder@glasgow.ac.uk::d43443bb-9414-44af-97c3-a8dadf631f95" providerId="AD" clId="Web-{C5CD4D5F-EBA4-D116-A757-43E6DD6973BB}" dt="2024-10-11T06:01:19.226" v="368" actId="20577"/>
+      <pc:docMkLst>
+        <pc:docMk/>
+      </pc:docMkLst>
+      <pc:sldChg chg="delSp modSp delAnim">
+        <pc:chgData name="Phil Trinder" userId="S::phil.trinder@glasgow.ac.uk::d43443bb-9414-44af-97c3-a8dadf631f95" providerId="AD" clId="Web-{C5CD4D5F-EBA4-D116-A757-43E6DD6973BB}" dt="2024-10-11T06:01:19.226" v="368" actId="20577"/>
+        <pc:sldMkLst>
+          <pc:docMk/>
+          <pc:sldMk cId="1344998789" sldId="328"/>
+        </pc:sldMkLst>
+        <pc:spChg chg="mod">
+          <ac:chgData name="Phil Trinder" userId="S::phil.trinder@glasgow.ac.uk::d43443bb-9414-44af-97c3-a8dadf631f95" providerId="AD" clId="Web-{C5CD4D5F-EBA4-D116-A757-43E6DD6973BB}" dt="2024-10-10T09:11:23.282" v="18" actId="20577"/>
+          <ac:spMkLst>
+            <pc:docMk/>
+            <pc:sldMk cId="1344998789" sldId="328"/>
+            <ac:spMk id="2" creationId="{E93D139A-4CB0-08BF-01C3-2E84CB4D2D2C}"/>
+          </ac:spMkLst>
+        </pc:spChg>
+        <pc:spChg chg="mod">
+          <ac:chgData name="Phil Trinder" userId="S::phil.trinder@glasgow.ac.uk::d43443bb-9414-44af-97c3-a8dadf631f95" providerId="AD" clId="Web-{C5CD4D5F-EBA4-D116-A757-43E6DD6973BB}" dt="2024-10-11T06:01:19.226" v="368" actId="20577"/>
+          <ac:spMkLst>
+            <pc:docMk/>
+            <pc:sldMk cId="1344998789" sldId="328"/>
+            <ac:spMk id="3" creationId="{1336B7FD-9E19-AFF0-69EC-4A22E21D7EB3}"/>
+          </ac:spMkLst>
+        </pc:spChg>
+        <pc:spChg chg="mod">
+          <ac:chgData name="Phil Trinder" userId="S::phil.trinder@glasgow.ac.uk::d43443bb-9414-44af-97c3-a8dadf631f95" providerId="AD" clId="Web-{C5CD4D5F-EBA4-D116-A757-43E6DD6973BB}" dt="2024-10-10T09:11:28.204" v="19" actId="14100"/>
+          <ac:spMkLst>
+            <pc:docMk/>
+            <pc:sldMk cId="1344998789" sldId="328"/>
+            <ac:spMk id="6" creationId="{433C5125-ABD0-3807-51E5-E0C965812AC0}"/>
+          </ac:spMkLst>
+        </pc:spChg>
+        <pc:spChg chg="del">
+          <ac:chgData name="Phil Trinder" userId="S::phil.trinder@glasgow.ac.uk::d43443bb-9414-44af-97c3-a8dadf631f95" providerId="AD" clId="Web-{C5CD4D5F-EBA4-D116-A757-43E6DD6973BB}" dt="2024-10-10T09:11:42.502" v="20"/>
+          <ac:spMkLst>
+            <pc:docMk/>
+            <pc:sldMk cId="1344998789" sldId="328"/>
+            <ac:spMk id="12" creationId="{FBF595DF-6687-01A6-D98C-B8EC4354729F}"/>
+          </ac:spMkLst>
+        </pc:spChg>
+        <pc:spChg chg="del">
+          <ac:chgData name="Phil Trinder" userId="S::phil.trinder@glasgow.ac.uk::d43443bb-9414-44af-97c3-a8dadf631f95" providerId="AD" clId="Web-{C5CD4D5F-EBA4-D116-A757-43E6DD6973BB}" dt="2024-10-10T09:11:45.611" v="21"/>
+          <ac:spMkLst>
+            <pc:docMk/>
+            <pc:sldMk cId="1344998789" sldId="328"/>
+            <ac:spMk id="15" creationId="{A6F7C157-A9C3-453B-8D88-77916C75DFF1}"/>
+          </ac:spMkLst>
+        </pc:spChg>
+      </pc:sldChg>
+      <pc:sldChg chg="modSp">
+        <pc:chgData name="Phil Trinder" userId="S::phil.trinder@glasgow.ac.uk::d43443bb-9414-44af-97c3-a8dadf631f95" providerId="AD" clId="Web-{C5CD4D5F-EBA4-D116-A757-43E6DD6973BB}" dt="2024-10-11T05:25:07.857" v="51" actId="20577"/>
+        <pc:sldMkLst>
+          <pc:docMk/>
+          <pc:sldMk cId="2213873861" sldId="369"/>
+        </pc:sldMkLst>
+        <pc:spChg chg="mod">
+          <ac:chgData name="Phil Trinder" userId="S::phil.trinder@glasgow.ac.uk::d43443bb-9414-44af-97c3-a8dadf631f95" providerId="AD" clId="Web-{C5CD4D5F-EBA4-D116-A757-43E6DD6973BB}" dt="2024-10-11T05:25:07.857" v="51" actId="20577"/>
+          <ac:spMkLst>
+            <pc:docMk/>
+            <pc:sldMk cId="2213873861" sldId="369"/>
+            <ac:spMk id="2" creationId="{34DB38C7-221E-E9AA-0EC8-8A505FC0C418}"/>
+          </ac:spMkLst>
+        </pc:spChg>
+        <pc:spChg chg="mod">
+          <ac:chgData name="Phil Trinder" userId="S::phil.trinder@glasgow.ac.uk::d43443bb-9414-44af-97c3-a8dadf631f95" providerId="AD" clId="Web-{C5CD4D5F-EBA4-D116-A757-43E6DD6973BB}" dt="2024-10-10T09:13:38.100" v="38" actId="20577"/>
+          <ac:spMkLst>
+            <pc:docMk/>
+            <pc:sldMk cId="2213873861" sldId="369"/>
+            <ac:spMk id="6" creationId="{24BEE763-DF2E-5046-16AA-65F5C1F18B59}"/>
+          </ac:spMkLst>
+        </pc:spChg>
+      </pc:sldChg>
+      <pc:sldChg chg="add replId">
+        <pc:chgData name="Phil Trinder" userId="S::phil.trinder@glasgow.ac.uk::d43443bb-9414-44af-97c3-a8dadf631f95" providerId="AD" clId="Web-{C5CD4D5F-EBA4-D116-A757-43E6DD6973BB}" dt="2024-10-10T09:10:40.483" v="0"/>
+        <pc:sldMkLst>
+          <pc:docMk/>
+          <pc:sldMk cId="3720411116" sldId="391"/>
+        </pc:sldMkLst>
+      </pc:sldChg>
+      <pc:sldChg chg="add replId">
+        <pc:chgData name="Phil Trinder" userId="S::phil.trinder@glasgow.ac.uk::d43443bb-9414-44af-97c3-a8dadf631f95" providerId="AD" clId="Web-{C5CD4D5F-EBA4-D116-A757-43E6DD6973BB}" dt="2024-10-10T09:14:21.571" v="39"/>
+        <pc:sldMkLst>
+          <pc:docMk/>
+          <pc:sldMk cId="503606555" sldId="392"/>
+        </pc:sldMkLst>
+      </pc:sldChg>
+      <pc:sldChg chg="addSp delSp modSp new">
+        <pc:chgData name="Phil Trinder" userId="S::phil.trinder@glasgow.ac.uk::d43443bb-9414-44af-97c3-a8dadf631f95" providerId="AD" clId="Web-{C5CD4D5F-EBA4-D116-A757-43E6DD6973BB}" dt="2024-10-11T05:58:09.206" v="354" actId="20577"/>
+        <pc:sldMkLst>
+          <pc:docMk/>
+          <pc:sldMk cId="3834207744" sldId="395"/>
+        </pc:sldMkLst>
+        <pc:spChg chg="mod">
+          <ac:chgData name="Phil Trinder" userId="S::phil.trinder@glasgow.ac.uk::d43443bb-9414-44af-97c3-a8dadf631f95" providerId="AD" clId="Web-{C5CD4D5F-EBA4-D116-A757-43E6DD6973BB}" dt="2024-10-11T05:28:04.627" v="77" actId="20577"/>
+          <ac:spMkLst>
+            <pc:docMk/>
+            <pc:sldMk cId="3834207744" sldId="395"/>
+            <ac:spMk id="2" creationId="{FAC6E9C8-71F5-9748-DCBD-2DCFEAAAE734}"/>
+          </ac:spMkLst>
+        </pc:spChg>
+        <pc:spChg chg="mod">
+          <ac:chgData name="Phil Trinder" userId="S::phil.trinder@glasgow.ac.uk::d43443bb-9414-44af-97c3-a8dadf631f95" providerId="AD" clId="Web-{C5CD4D5F-EBA4-D116-A757-43E6DD6973BB}" dt="2024-10-11T05:54:31.294" v="343" actId="20577"/>
+          <ac:spMkLst>
+            <pc:docMk/>
+            <pc:sldMk cId="3834207744" sldId="395"/>
+            <ac:spMk id="3" creationId="{14146155-B66E-5CAE-1FFE-BDA027270776}"/>
+          </ac:spMkLst>
+        </pc:spChg>
+        <pc:spChg chg="del">
+          <ac:chgData name="Phil Trinder" userId="S::phil.trinder@glasgow.ac.uk::d43443bb-9414-44af-97c3-a8dadf631f95" providerId="AD" clId="Web-{C5CD4D5F-EBA4-D116-A757-43E6DD6973BB}" dt="2024-10-11T05:30:09.896" v="175"/>
+          <ac:spMkLst>
+            <pc:docMk/>
+            <pc:sldMk cId="3834207744" sldId="395"/>
+            <ac:spMk id="4" creationId="{9CCFC692-4DB4-87E8-23A7-2922AC4CB7CF}"/>
+          </ac:spMkLst>
+        </pc:spChg>
+        <pc:spChg chg="del">
+          <ac:chgData name="Phil Trinder" userId="S::phil.trinder@glasgow.ac.uk::d43443bb-9414-44af-97c3-a8dadf631f95" providerId="AD" clId="Web-{C5CD4D5F-EBA4-D116-A757-43E6DD6973BB}" dt="2024-10-11T05:31:11.507" v="179"/>
+          <ac:spMkLst>
+            <pc:docMk/>
+            <pc:sldMk cId="3834207744" sldId="395"/>
+            <ac:spMk id="5" creationId="{1756D109-5264-62DD-7D4F-60A2DF51BC01}"/>
+          </ac:spMkLst>
+        </pc:spChg>
+        <pc:spChg chg="del">
+          <ac:chgData name="Phil Trinder" userId="S::phil.trinder@glasgow.ac.uk::d43443bb-9414-44af-97c3-a8dadf631f95" providerId="AD" clId="Web-{C5CD4D5F-EBA4-D116-A757-43E6DD6973BB}" dt="2024-10-11T05:31:15.398" v="180"/>
+          <ac:spMkLst>
+            <pc:docMk/>
+            <pc:sldMk cId="3834207744" sldId="395"/>
+            <ac:spMk id="6" creationId="{EADB46BF-707F-6431-7A81-971308B889CD}"/>
+          </ac:spMkLst>
+        </pc:spChg>
+        <pc:spChg chg="add mod">
+          <ac:chgData name="Phil Trinder" userId="S::phil.trinder@glasgow.ac.uk::d43443bb-9414-44af-97c3-a8dadf631f95" providerId="AD" clId="Web-{C5CD4D5F-EBA4-D116-A757-43E6DD6973BB}" dt="2024-10-11T05:32:52.135" v="183"/>
+          <ac:spMkLst>
+            <pc:docMk/>
+            <pc:sldMk cId="3834207744" sldId="395"/>
+            <ac:spMk id="7" creationId="{E0A99A9D-B028-B7CA-BE8D-A5AA62DB943A}"/>
+          </ac:spMkLst>
+        </pc:spChg>
+        <pc:spChg chg="add mod">
+          <ac:chgData name="Phil Trinder" userId="S::phil.trinder@glasgow.ac.uk::d43443bb-9414-44af-97c3-a8dadf631f95" providerId="AD" clId="Web-{C5CD4D5F-EBA4-D116-A757-43E6DD6973BB}" dt="2024-10-11T05:57:43.205" v="344" actId="20577"/>
+          <ac:spMkLst>
+            <pc:docMk/>
+            <pc:sldMk cId="3834207744" sldId="395"/>
+            <ac:spMk id="8" creationId="{04AEBEDD-063B-B8EA-CB50-FE5E7F88856D}"/>
+          </ac:spMkLst>
+        </pc:spChg>
+        <pc:spChg chg="add mod">
+          <ac:chgData name="Phil Trinder" userId="S::phil.trinder@glasgow.ac.uk::d43443bb-9414-44af-97c3-a8dadf631f95" providerId="AD" clId="Web-{C5CD4D5F-EBA4-D116-A757-43E6DD6973BB}" dt="2024-10-11T05:58:03.174" v="351" actId="20577"/>
+          <ac:spMkLst>
+            <pc:docMk/>
+            <pc:sldMk cId="3834207744" sldId="395"/>
+            <ac:spMk id="9" creationId="{016E0521-01A5-50B1-FC1D-2B8582DF379C}"/>
+          </ac:spMkLst>
+        </pc:spChg>
+        <pc:spChg chg="add mod">
+          <ac:chgData name="Phil Trinder" userId="S::phil.trinder@glasgow.ac.uk::d43443bb-9414-44af-97c3-a8dadf631f95" providerId="AD" clId="Web-{C5CD4D5F-EBA4-D116-A757-43E6DD6973BB}" dt="2024-10-11T05:34:35.262" v="196" actId="1076"/>
+          <ac:spMkLst>
+            <pc:docMk/>
+            <pc:sldMk cId="3834207744" sldId="395"/>
+            <ac:spMk id="10" creationId="{8D98BB8D-A3D1-34E2-7130-94925CCF0745}"/>
+          </ac:spMkLst>
+        </pc:spChg>
+        <pc:spChg chg="add mod">
+          <ac:chgData name="Phil Trinder" userId="S::phil.trinder@glasgow.ac.uk::d43443bb-9414-44af-97c3-a8dadf631f95" providerId="AD" clId="Web-{C5CD4D5F-EBA4-D116-A757-43E6DD6973BB}" dt="2024-10-11T05:34:46.919" v="198" actId="1076"/>
+          <ac:spMkLst>
+            <pc:docMk/>
+            <pc:sldMk cId="3834207744" sldId="395"/>
+            <ac:spMk id="11" creationId="{1B6927A7-97DB-CAD2-54C4-A40DF9C83F87}"/>
+          </ac:spMkLst>
+        </pc:spChg>
+        <pc:spChg chg="add mod">
+          <ac:chgData name="Phil Trinder" userId="S::phil.trinder@glasgow.ac.uk::d43443bb-9414-44af-97c3-a8dadf631f95" providerId="AD" clId="Web-{C5CD4D5F-EBA4-D116-A757-43E6DD6973BB}" dt="2024-10-11T05:58:09.206" v="354" actId="20577"/>
+          <ac:spMkLst>
+            <pc:docMk/>
+            <pc:sldMk cId="3834207744" sldId="395"/>
+            <ac:spMk id="12" creationId="{E702790E-0FB9-339E-6735-C2AB0986F7EB}"/>
+          </ac:spMkLst>
+        </pc:spChg>
+        <pc:spChg chg="add mod">
+          <ac:chgData name="Phil Trinder" userId="S::phil.trinder@glasgow.ac.uk::d43443bb-9414-44af-97c3-a8dadf631f95" providerId="AD" clId="Web-{C5CD4D5F-EBA4-D116-A757-43E6DD6973BB}" dt="2024-10-11T05:37:27.220" v="224" actId="1076"/>
+          <ac:spMkLst>
+            <pc:docMk/>
+            <pc:sldMk cId="3834207744" sldId="395"/>
+            <ac:spMk id="13" creationId="{A43B826C-45BE-E77A-B064-05531B7FCBBB}"/>
+          </ac:spMkLst>
+        </pc:spChg>
+        <pc:spChg chg="add mod">
+          <ac:chgData name="Phil Trinder" userId="S::phil.trinder@glasgow.ac.uk::d43443bb-9414-44af-97c3-a8dadf631f95" providerId="AD" clId="Web-{C5CD4D5F-EBA4-D116-A757-43E6DD6973BB}" dt="2024-10-11T05:37:24.142" v="223" actId="1076"/>
+          <ac:spMkLst>
+            <pc:docMk/>
+            <pc:sldMk cId="3834207744" sldId="395"/>
+            <ac:spMk id="14" creationId="{EDCD6CBD-759A-F670-774B-626CD844039D}"/>
+          </ac:spMkLst>
+        </pc:spChg>
+        <pc:spChg chg="add mod">
+          <ac:chgData name="Phil Trinder" userId="S::phil.trinder@glasgow.ac.uk::d43443bb-9414-44af-97c3-a8dadf631f95" providerId="AD" clId="Web-{C5CD4D5F-EBA4-D116-A757-43E6DD6973BB}" dt="2024-10-11T05:37:56.346" v="228"/>
+          <ac:spMkLst>
+            <pc:docMk/>
+            <pc:sldMk cId="3834207744" sldId="395"/>
+            <ac:spMk id="15" creationId="{841F1353-A2EB-22A5-F99C-BB44E6B04499}"/>
+          </ac:spMkLst>
+        </pc:spChg>
+        <pc:spChg chg="add mod">
+          <ac:chgData name="Phil Trinder" userId="S::phil.trinder@glasgow.ac.uk::d43443bb-9414-44af-97c3-a8dadf631f95" providerId="AD" clId="Web-{C5CD4D5F-EBA4-D116-A757-43E6DD6973BB}" dt="2024-10-11T05:40:00.474" v="249" actId="14100"/>
+          <ac:spMkLst>
+            <pc:docMk/>
+            <pc:sldMk cId="3834207744" sldId="395"/>
+            <ac:spMk id="16" creationId="{B8224D41-11BA-73E1-B2C8-64B9F97B19A8}"/>
+          </ac:spMkLst>
+        </pc:spChg>
+        <pc:spChg chg="add del">
+          <ac:chgData name="Phil Trinder" userId="S::phil.trinder@glasgow.ac.uk::d43443bb-9414-44af-97c3-a8dadf631f95" providerId="AD" clId="Web-{C5CD4D5F-EBA4-D116-A757-43E6DD6973BB}" dt="2024-10-11T05:39:50.896" v="247"/>
+          <ac:spMkLst>
+            <pc:docMk/>
+            <pc:sldMk cId="3834207744" sldId="395"/>
+            <ac:spMk id="17" creationId="{88ABCFBE-E939-4F31-64EB-91AD2008817F}"/>
+          </ac:spMkLst>
+        </pc:spChg>
+        <pc:spChg chg="add mod">
+          <ac:chgData name="Phil Trinder" userId="S::phil.trinder@glasgow.ac.uk::d43443bb-9414-44af-97c3-a8dadf631f95" providerId="AD" clId="Web-{C5CD4D5F-EBA4-D116-A757-43E6DD6973BB}" dt="2024-10-11T05:40:36.865" v="254" actId="20577"/>
+          <ac:spMkLst>
+            <pc:docMk/>
+            <pc:sldMk cId="3834207744" sldId="395"/>
+            <ac:spMk id="18" creationId="{B049FDC0-06C2-7ED7-6220-6A6DC2D094F1}"/>
+          </ac:spMkLst>
+        </pc:spChg>
+        <pc:spChg chg="add mod">
+          <ac:chgData name="Phil Trinder" userId="S::phil.trinder@glasgow.ac.uk::d43443bb-9414-44af-97c3-a8dadf631f95" providerId="AD" clId="Web-{C5CD4D5F-EBA4-D116-A757-43E6DD6973BB}" dt="2024-10-11T05:45:30.858" v="288" actId="20577"/>
+          <ac:spMkLst>
+            <pc:docMk/>
+            <pc:sldMk cId="3834207744" sldId="395"/>
+            <ac:spMk id="19" creationId="{9C116508-F962-AD4D-4CE3-60DD68164BB7}"/>
+          </ac:spMkLst>
+        </pc:spChg>
+        <pc:spChg chg="add mod">
+          <ac:chgData name="Phil Trinder" userId="S::phil.trinder@glasgow.ac.uk::d43443bb-9414-44af-97c3-a8dadf631f95" providerId="AD" clId="Web-{C5CD4D5F-EBA4-D116-A757-43E6DD6973BB}" dt="2024-10-11T05:44:59.794" v="282" actId="1076"/>
+          <ac:spMkLst>
+            <pc:docMk/>
+            <pc:sldMk cId="3834207744" sldId="395"/>
+            <ac:spMk id="24" creationId="{4C4019E6-A6ED-CFE4-51D3-7110F478F5AF}"/>
+          </ac:spMkLst>
+        </pc:spChg>
+        <pc:spChg chg="add mod">
+          <ac:chgData name="Phil Trinder" userId="S::phil.trinder@glasgow.ac.uk::d43443bb-9414-44af-97c3-a8dadf631f95" providerId="AD" clId="Web-{C5CD4D5F-EBA4-D116-A757-43E6DD6973BB}" dt="2024-10-11T05:50:33.584" v="318" actId="1076"/>
+          <ac:spMkLst>
+            <pc:docMk/>
+            <pc:sldMk cId="3834207744" sldId="395"/>
+            <ac:spMk id="25" creationId="{1F19075E-3173-D773-4C81-F3CE3B8A52E6}"/>
+          </ac:spMkLst>
+        </pc:spChg>
+        <pc:spChg chg="add mod">
+          <ac:chgData name="Phil Trinder" userId="S::phil.trinder@glasgow.ac.uk::d43443bb-9414-44af-97c3-a8dadf631f95" providerId="AD" clId="Web-{C5CD4D5F-EBA4-D116-A757-43E6DD6973BB}" dt="2024-10-11T05:50:24.412" v="317" actId="1076"/>
+          <ac:spMkLst>
+            <pc:docMk/>
+            <pc:sldMk cId="3834207744" sldId="395"/>
+            <ac:spMk id="26" creationId="{45B1B7FC-3B8C-F59E-BF62-34112F263589}"/>
+          </ac:spMkLst>
+        </pc:spChg>
+        <pc:spChg chg="add mod">
+          <ac:chgData name="Phil Trinder" userId="S::phil.trinder@glasgow.ac.uk::d43443bb-9414-44af-97c3-a8dadf631f95" providerId="AD" clId="Web-{C5CD4D5F-EBA4-D116-A757-43E6DD6973BB}" dt="2024-10-11T05:48:51.378" v="310" actId="20577"/>
+          <ac:spMkLst>
+            <pc:docMk/>
+            <pc:sldMk cId="3834207744" sldId="395"/>
+            <ac:spMk id="27" creationId="{95DCED26-9AC0-3884-11AA-2B69CD8F79AE}"/>
+          </ac:spMkLst>
+        </pc:spChg>
+        <pc:spChg chg="add mod">
+          <ac:chgData name="Phil Trinder" userId="S::phil.trinder@glasgow.ac.uk::d43443bb-9414-44af-97c3-a8dadf631f95" providerId="AD" clId="Web-{C5CD4D5F-EBA4-D116-A757-43E6DD6973BB}" dt="2024-10-11T05:49:03.160" v="312" actId="1076"/>
+          <ac:spMkLst>
+            <pc:docMk/>
+            <pc:sldMk cId="3834207744" sldId="395"/>
+            <ac:spMk id="28" creationId="{00AF7480-5F65-77BF-0E2A-82FC3C2C07AB}"/>
+          </ac:spMkLst>
+        </pc:spChg>
+        <pc:spChg chg="add mod">
+          <ac:chgData name="Phil Trinder" userId="S::phil.trinder@glasgow.ac.uk::d43443bb-9414-44af-97c3-a8dadf631f95" providerId="AD" clId="Web-{C5CD4D5F-EBA4-D116-A757-43E6DD6973BB}" dt="2024-10-11T05:52:14.446" v="329" actId="20577"/>
+          <ac:spMkLst>
+            <pc:docMk/>
+            <pc:sldMk cId="3834207744" sldId="395"/>
+            <ac:spMk id="31" creationId="{F7682AA4-74B4-C85E-D646-3B494B591A08}"/>
+          </ac:spMkLst>
+        </pc:spChg>
+        <pc:cxnChg chg="add mod">
+          <ac:chgData name="Phil Trinder" userId="S::phil.trinder@glasgow.ac.uk::d43443bb-9414-44af-97c3-a8dadf631f95" providerId="AD" clId="Web-{C5CD4D5F-EBA4-D116-A757-43E6DD6973BB}" dt="2024-10-11T05:51:46.711" v="326" actId="14100"/>
+          <ac:cxnSpMkLst>
+            <pc:docMk/>
+            <pc:sldMk cId="3834207744" sldId="395"/>
+            <ac:cxnSpMk id="20" creationId="{49C74C95-5D5A-FFF6-284C-5FA23A6D4B73}"/>
+          </ac:cxnSpMkLst>
+        </pc:cxnChg>
+        <pc:cxnChg chg="add mod">
+          <ac:chgData name="Phil Trinder" userId="S::phil.trinder@glasgow.ac.uk::d43443bb-9414-44af-97c3-a8dadf631f95" providerId="AD" clId="Web-{C5CD4D5F-EBA4-D116-A757-43E6DD6973BB}" dt="2024-10-11T05:43:54.433" v="275" actId="14100"/>
+          <ac:cxnSpMkLst>
+            <pc:docMk/>
+            <pc:sldMk cId="3834207744" sldId="395"/>
+            <ac:cxnSpMk id="21" creationId="{AA7C2C62-0A94-B236-53B3-25CDF89E41E4}"/>
+          </ac:cxnSpMkLst>
+        </pc:cxnChg>
+        <pc:cxnChg chg="add mod">
+          <ac:chgData name="Phil Trinder" userId="S::phil.trinder@glasgow.ac.uk::d43443bb-9414-44af-97c3-a8dadf631f95" providerId="AD" clId="Web-{C5CD4D5F-EBA4-D116-A757-43E6DD6973BB}" dt="2024-10-11T05:44:14.152" v="278" actId="14100"/>
+          <ac:cxnSpMkLst>
+            <pc:docMk/>
+            <pc:sldMk cId="3834207744" sldId="395"/>
+            <ac:cxnSpMk id="22" creationId="{B996C8D5-3916-BFC7-62A0-1B840D3D9E8C}"/>
+          </ac:cxnSpMkLst>
+        </pc:cxnChg>
+        <pc:cxnChg chg="add del mod">
+          <ac:chgData name="Phil Trinder" userId="S::phil.trinder@glasgow.ac.uk::d43443bb-9414-44af-97c3-a8dadf631f95" providerId="AD" clId="Web-{C5CD4D5F-EBA4-D116-A757-43E6DD6973BB}" dt="2024-10-11T05:44:46.169" v="280"/>
+          <ac:cxnSpMkLst>
+            <pc:docMk/>
+            <pc:sldMk cId="3834207744" sldId="395"/>
+            <ac:cxnSpMk id="23" creationId="{72109217-044D-F595-77D4-91B2DB7D1958}"/>
+          </ac:cxnSpMkLst>
+        </pc:cxnChg>
+        <pc:cxnChg chg="add del">
+          <ac:chgData name="Phil Trinder" userId="S::phil.trinder@glasgow.ac.uk::d43443bb-9414-44af-97c3-a8dadf631f95" providerId="AD" clId="Web-{C5CD4D5F-EBA4-D116-A757-43E6DD6973BB}" dt="2024-10-11T05:49:56.521" v="314"/>
+          <ac:cxnSpMkLst>
+            <pc:docMk/>
+            <pc:sldMk cId="3834207744" sldId="395"/>
+            <ac:cxnSpMk id="29" creationId="{FDAF0C8A-B300-E69E-9EF1-1697189B7E5E}"/>
+          </ac:cxnSpMkLst>
+        </pc:cxnChg>
+        <pc:cxnChg chg="add mod">
+          <ac:chgData name="Phil Trinder" userId="S::phil.trinder@glasgow.ac.uk::d43443bb-9414-44af-97c3-a8dadf631f95" providerId="AD" clId="Web-{C5CD4D5F-EBA4-D116-A757-43E6DD6973BB}" dt="2024-10-11T05:51:27.445" v="324" actId="14100"/>
+          <ac:cxnSpMkLst>
+            <pc:docMk/>
+            <pc:sldMk cId="3834207744" sldId="395"/>
+            <ac:cxnSpMk id="30" creationId="{C77B3F09-D96C-CAC0-2127-15BA959613D1}"/>
+          </ac:cxnSpMkLst>
+        </pc:cxnChg>
+      </pc:sldChg>
+    </pc:docChg>
+  </pc:docChgLst>
+  <pc:docChgLst>
+    <pc:chgData name="Duncan Paul Attard" userId="47daa79a-fd55-4e2c-8381-00c0ae59cbba" providerId="ADAL" clId="{A2913547-FF1A-A74F-97FD-C05A29EC8E03}"/>
+    <pc:docChg chg="undo custSel addSld delSld modSld sldOrd">
+      <pc:chgData name="Duncan Paul Attard" userId="47daa79a-fd55-4e2c-8381-00c0ae59cbba" providerId="ADAL" clId="{A2913547-FF1A-A74F-97FD-C05A29EC8E03}" dt="2024-10-11T14:41:46.774" v="2478" actId="20577"/>
+      <pc:docMkLst>
+        <pc:docMk/>
+      </pc:docMkLst>
+      <pc:sldChg chg="addSp delSp modSp mod modNotesTx">
+        <pc:chgData name="Duncan Paul Attard" userId="47daa79a-fd55-4e2c-8381-00c0ae59cbba" providerId="ADAL" clId="{A2913547-FF1A-A74F-97FD-C05A29EC8E03}" dt="2024-10-09T16:51:12.628" v="1476" actId="14861"/>
+        <pc:sldMkLst>
+          <pc:docMk/>
+          <pc:sldMk cId="2921782995" sldId="256"/>
+        </pc:sldMkLst>
+        <pc:spChg chg="mod">
+          <ac:chgData name="Duncan Paul Attard" userId="47daa79a-fd55-4e2c-8381-00c0ae59cbba" providerId="ADAL" clId="{A2913547-FF1A-A74F-97FD-C05A29EC8E03}" dt="2024-10-09T16:12:51.390" v="1279"/>
+          <ac:spMkLst>
+            <pc:docMk/>
+            <pc:sldMk cId="2921782995" sldId="256"/>
+            <ac:spMk id="3" creationId="{0BA07220-D44A-4A16-CC3F-227E6D06A873}"/>
+          </ac:spMkLst>
+        </pc:spChg>
+        <pc:spChg chg="mod">
+          <ac:chgData name="Duncan Paul Attard" userId="47daa79a-fd55-4e2c-8381-00c0ae59cbba" providerId="ADAL" clId="{A2913547-FF1A-A74F-97FD-C05A29EC8E03}" dt="2024-10-09T16:45:55.744" v="1442" actId="14861"/>
+          <ac:spMkLst>
+            <pc:docMk/>
+            <pc:sldMk cId="2921782995" sldId="256"/>
+            <ac:spMk id="4" creationId="{661E070A-5324-4E62-6975-98461F1B0FAB}"/>
+          </ac:spMkLst>
+        </pc:spChg>
+        <pc:spChg chg="add del mod">
+          <ac:chgData name="Duncan Paul Attard" userId="47daa79a-fd55-4e2c-8381-00c0ae59cbba" providerId="ADAL" clId="{A2913547-FF1A-A74F-97FD-C05A29EC8E03}" dt="2024-10-09T16:48:51.321" v="1460" actId="478"/>
+          <ac:spMkLst>
+            <pc:docMk/>
+            <pc:sldMk cId="2921782995" sldId="256"/>
+            <ac:spMk id="10" creationId="{6B2F95AB-E092-8D44-D9CD-B739FF22BAA8}"/>
+          </ac:spMkLst>
+        </pc:spChg>
+        <pc:spChg chg="add mod">
+          <ac:chgData name="Duncan Paul Attard" userId="47daa79a-fd55-4e2c-8381-00c0ae59cbba" providerId="ADAL" clId="{A2913547-FF1A-A74F-97FD-C05A29EC8E03}" dt="2024-10-09T16:49:48.151" v="1469" actId="1076"/>
+          <ac:spMkLst>
+            <pc:docMk/>
+            <pc:sldMk cId="2921782995" sldId="256"/>
+            <ac:spMk id="11" creationId="{71DD337C-74E0-D67F-D9E7-C49856FFE9D6}"/>
+          </ac:spMkLst>
+        </pc:spChg>
+        <pc:picChg chg="mod">
+          <ac:chgData name="Duncan Paul Attard" userId="47daa79a-fd55-4e2c-8381-00c0ae59cbba" providerId="ADAL" clId="{A2913547-FF1A-A74F-97FD-C05A29EC8E03}" dt="2024-10-09T16:51:12.628" v="1476" actId="14861"/>
+          <ac:picMkLst>
+            <pc:docMk/>
+            <pc:sldMk cId="2921782995" sldId="256"/>
+            <ac:picMk id="5" creationId="{7F3E96B5-41A3-712B-E961-8D46EF975F26}"/>
+          </ac:picMkLst>
+        </pc:picChg>
+        <pc:picChg chg="add del mod">
+          <ac:chgData name="Duncan Paul Attard" userId="47daa79a-fd55-4e2c-8381-00c0ae59cbba" providerId="ADAL" clId="{A2913547-FF1A-A74F-97FD-C05A29EC8E03}" dt="2024-10-02T12:50:35.726" v="15" actId="478"/>
+          <ac:picMkLst>
+            <pc:docMk/>
+            <pc:sldMk cId="2921782995" sldId="256"/>
+            <ac:picMk id="7" creationId="{8088FBC2-B254-C940-1185-E14C45B0C679}"/>
+          </ac:picMkLst>
+        </pc:picChg>
+        <pc:picChg chg="add mod">
+          <ac:chgData name="Duncan Paul Attard" userId="47daa79a-fd55-4e2c-8381-00c0ae59cbba" providerId="ADAL" clId="{A2913547-FF1A-A74F-97FD-C05A29EC8E03}" dt="2024-10-09T16:51:08.383" v="1475" actId="14861"/>
+          <ac:picMkLst>
+            <pc:docMk/>
+            <pc:sldMk cId="2921782995" sldId="256"/>
+            <ac:picMk id="9" creationId="{E446BA32-A756-2B66-1FE9-CE2EA37C0A31}"/>
+          </ac:picMkLst>
+        </pc:picChg>
+      </pc:sldChg>
+      <pc:sldChg chg="mod ord modShow">
+        <pc:chgData name="Duncan Paul Attard" userId="47daa79a-fd55-4e2c-8381-00c0ae59cbba" providerId="ADAL" clId="{A2913547-FF1A-A74F-97FD-C05A29EC8E03}" dt="2024-10-09T16:43:24.689" v="1430" actId="729"/>
+        <pc:sldMkLst>
+          <pc:docMk/>
+          <pc:sldMk cId="2202599770" sldId="302"/>
+        </pc:sldMkLst>
+      </pc:sldChg>
+      <pc:sldChg chg="modSp mod">
+        <pc:chgData name="Duncan Paul Attard" userId="47daa79a-fd55-4e2c-8381-00c0ae59cbba" providerId="ADAL" clId="{A2913547-FF1A-A74F-97FD-C05A29EC8E03}" dt="2024-10-09T16:56:55.294" v="1490" actId="207"/>
+        <pc:sldMkLst>
+          <pc:docMk/>
+          <pc:sldMk cId="233589856" sldId="306"/>
+        </pc:sldMkLst>
+        <pc:spChg chg="mod">
+          <ac:chgData name="Duncan Paul Attard" userId="47daa79a-fd55-4e2c-8381-00c0ae59cbba" providerId="ADAL" clId="{A2913547-FF1A-A74F-97FD-C05A29EC8E03}" dt="2024-10-09T16:56:55.294" v="1490" actId="207"/>
+          <ac:spMkLst>
+            <pc:docMk/>
+            <pc:sldMk cId="233589856" sldId="306"/>
+            <ac:spMk id="4" creationId="{4B79CD70-EA32-6A2B-C84B-A2A63FB3B7E2}"/>
+          </ac:spMkLst>
+        </pc:spChg>
+        <pc:spChg chg="mod">
+          <ac:chgData name="Duncan Paul Attard" userId="47daa79a-fd55-4e2c-8381-00c0ae59cbba" providerId="ADAL" clId="{A2913547-FF1A-A74F-97FD-C05A29EC8E03}" dt="2024-10-09T16:56:43.693" v="1487" actId="207"/>
+          <ac:spMkLst>
+            <pc:docMk/>
+            <pc:sldMk cId="233589856" sldId="306"/>
+            <ac:spMk id="14" creationId="{221CBB43-D8CC-2DE0-2BBA-A8D66D1C8292}"/>
+          </ac:spMkLst>
+        </pc:spChg>
+      </pc:sldChg>
+      <pc:sldChg chg="modSp mod">
+        <pc:chgData name="Duncan Paul Attard" userId="47daa79a-fd55-4e2c-8381-00c0ae59cbba" providerId="ADAL" clId="{A2913547-FF1A-A74F-97FD-C05A29EC8E03}" dt="2024-10-09T11:32:49.317" v="1045" actId="20577"/>
+        <pc:sldMkLst>
+          <pc:docMk/>
+          <pc:sldMk cId="2784524516" sldId="307"/>
+        </pc:sldMkLst>
+        <pc:spChg chg="mod">
+          <ac:chgData name="Duncan Paul Attard" userId="47daa79a-fd55-4e2c-8381-00c0ae59cbba" providerId="ADAL" clId="{A2913547-FF1A-A74F-97FD-C05A29EC8E03}" dt="2024-10-09T11:32:49.317" v="1045" actId="20577"/>
+          <ac:spMkLst>
+            <pc:docMk/>
+            <pc:sldMk cId="2784524516" sldId="307"/>
+            <ac:spMk id="2" creationId="{E93D139A-4CB0-08BF-01C3-2E84CB4D2D2C}"/>
+          </ac:spMkLst>
+        </pc:spChg>
+        <pc:spChg chg="mod">
+          <ac:chgData name="Duncan Paul Attard" userId="47daa79a-fd55-4e2c-8381-00c0ae59cbba" providerId="ADAL" clId="{A2913547-FF1A-A74F-97FD-C05A29EC8E03}" dt="2024-10-04T09:21:37.721" v="284" actId="20577"/>
+          <ac:spMkLst>
+            <pc:docMk/>
+            <pc:sldMk cId="2784524516" sldId="307"/>
+            <ac:spMk id="6" creationId="{D0B595BA-9D89-0788-479A-AA94377226B3}"/>
+          </ac:spMkLst>
+        </pc:spChg>
+      </pc:sldChg>
+      <pc:sldChg chg="modSp mod modTransition modAnim">
+        <pc:chgData name="Duncan Paul Attard" userId="47daa79a-fd55-4e2c-8381-00c0ae59cbba" providerId="ADAL" clId="{A2913547-FF1A-A74F-97FD-C05A29EC8E03}" dt="2024-10-10T14:09:24.208" v="2081" actId="1037"/>
+        <pc:sldMkLst>
+          <pc:docMk/>
+          <pc:sldMk cId="3800330053" sldId="316"/>
+        </pc:sldMkLst>
+        <pc:spChg chg="mod">
+          <ac:chgData name="Duncan Paul Attard" userId="47daa79a-fd55-4e2c-8381-00c0ae59cbba" providerId="ADAL" clId="{A2913547-FF1A-A74F-97FD-C05A29EC8E03}" dt="2024-10-10T14:09:24.208" v="2081" actId="1037"/>
+          <ac:spMkLst>
+            <pc:docMk/>
+            <pc:sldMk cId="3800330053" sldId="316"/>
+            <ac:spMk id="10" creationId="{E63BEE2E-73A7-99C5-B52E-972F77A934C3}"/>
+          </ac:spMkLst>
+        </pc:spChg>
+      </pc:sldChg>
+      <pc:sldChg chg="modSp">
+        <pc:chgData name="Duncan Paul Attard" userId="47daa79a-fd55-4e2c-8381-00c0ae59cbba" providerId="ADAL" clId="{A2913547-FF1A-A74F-97FD-C05A29EC8E03}" dt="2024-10-11T09:29:13.401" v="2095" actId="113"/>
+        <pc:sldMkLst>
+          <pc:docMk/>
+          <pc:sldMk cId="3436977870" sldId="317"/>
+        </pc:sldMkLst>
+        <pc:spChg chg="mod">
+          <ac:chgData name="Duncan Paul Attard" userId="47daa79a-fd55-4e2c-8381-00c0ae59cbba" providerId="ADAL" clId="{A2913547-FF1A-A74F-97FD-C05A29EC8E03}" dt="2024-10-11T09:29:13.401" v="2095" actId="113"/>
+          <ac:spMkLst>
+            <pc:docMk/>
+            <pc:sldMk cId="3436977870" sldId="317"/>
+            <ac:spMk id="7" creationId="{1D925E5E-33B9-0949-A70E-D40F4D5CFDE4}"/>
+          </ac:spMkLst>
+        </pc:spChg>
+      </pc:sldChg>
+      <pc:sldChg chg="addSp delSp modSp mod delAnim modAnim">
+        <pc:chgData name="Duncan Paul Attard" userId="47daa79a-fd55-4e2c-8381-00c0ae59cbba" providerId="ADAL" clId="{A2913547-FF1A-A74F-97FD-C05A29EC8E03}" dt="2024-10-10T14:07:07.303" v="2024" actId="478"/>
+        <pc:sldMkLst>
+          <pc:docMk/>
+          <pc:sldMk cId="1625484291" sldId="324"/>
+        </pc:sldMkLst>
+        <pc:spChg chg="add del mod">
+          <ac:chgData name="Duncan Paul Attard" userId="47daa79a-fd55-4e2c-8381-00c0ae59cbba" providerId="ADAL" clId="{A2913547-FF1A-A74F-97FD-C05A29EC8E03}" dt="2024-10-10T14:07:07.303" v="2024" actId="478"/>
+          <ac:spMkLst>
+            <pc:docMk/>
+            <pc:sldMk cId="1625484291" sldId="324"/>
+            <ac:spMk id="5" creationId="{66225EBB-FCA9-6AC4-5749-5E5DB040D44C}"/>
+          </ac:spMkLst>
+        </pc:spChg>
+        <pc:spChg chg="mod">
+          <ac:chgData name="Duncan Paul Attard" userId="47daa79a-fd55-4e2c-8381-00c0ae59cbba" providerId="ADAL" clId="{A2913547-FF1A-A74F-97FD-C05A29EC8E03}" dt="2024-10-04T09:21:32.141" v="280" actId="14100"/>
+          <ac:spMkLst>
+            <pc:docMk/>
+            <pc:sldMk cId="1625484291" sldId="324"/>
+            <ac:spMk id="9" creationId="{7493DBBC-898E-EC94-B727-56C94E8CBF07}"/>
+          </ac:spMkLst>
+        </pc:spChg>
+      </pc:sldChg>
+      <pc:sldChg chg="addSp delSp modSp mod modTransition addAnim delAnim modAnim">
+        <pc:chgData name="Duncan Paul Attard" userId="47daa79a-fd55-4e2c-8381-00c0ae59cbba" providerId="ADAL" clId="{A2913547-FF1A-A74F-97FD-C05A29EC8E03}" dt="2024-10-10T14:01:58.153" v="2022" actId="1076"/>
+        <pc:sldMkLst>
+          <pc:docMk/>
+          <pc:sldMk cId="1344998789" sldId="328"/>
+        </pc:sldMkLst>
+        <pc:spChg chg="add mod">
+          <ac:chgData name="Duncan Paul Attard" userId="47daa79a-fd55-4e2c-8381-00c0ae59cbba" providerId="ADAL" clId="{A2913547-FF1A-A74F-97FD-C05A29EC8E03}" dt="2024-10-10T12:50:47.080" v="1607" actId="20577"/>
+          <ac:spMkLst>
+            <pc:docMk/>
+            <pc:sldMk cId="1344998789" sldId="328"/>
+            <ac:spMk id="3" creationId="{1336B7FD-9E19-AFF0-69EC-4A22E21D7EB3}"/>
+          </ac:spMkLst>
+        </pc:spChg>
+        <pc:spChg chg="add del mod">
+          <ac:chgData name="Duncan Paul Attard" userId="47daa79a-fd55-4e2c-8381-00c0ae59cbba" providerId="ADAL" clId="{A2913547-FF1A-A74F-97FD-C05A29EC8E03}" dt="2024-10-09T16:53:23.076" v="1479" actId="21"/>
+          <ac:spMkLst>
+            <pc:docMk/>
+            <pc:sldMk cId="1344998789" sldId="328"/>
+            <ac:spMk id="3" creationId="{8FC46024-2CC8-F0EF-2B19-52F2B8CCDE73}"/>
+          </ac:spMkLst>
+        </pc:spChg>
+        <pc:spChg chg="add del mod">
+          <ac:chgData name="Duncan Paul Attard" userId="47daa79a-fd55-4e2c-8381-00c0ae59cbba" providerId="ADAL" clId="{A2913547-FF1A-A74F-97FD-C05A29EC8E03}" dt="2024-10-10T12:48:35.505" v="1572" actId="478"/>
+          <ac:spMkLst>
+            <pc:docMk/>
+            <pc:sldMk cId="1344998789" sldId="328"/>
+            <ac:spMk id="4" creationId="{A78B4BC1-5572-879D-A1CE-BB4E99E62EE2}"/>
+          </ac:spMkLst>
+        </pc:spChg>
+        <pc:spChg chg="add del mod">
+          <ac:chgData name="Duncan Paul Attard" userId="47daa79a-fd55-4e2c-8381-00c0ae59cbba" providerId="ADAL" clId="{A2913547-FF1A-A74F-97FD-C05A29EC8E03}" dt="2024-10-10T12:48:35.505" v="1572" actId="478"/>
+          <ac:spMkLst>
+            <pc:docMk/>
+            <pc:sldMk cId="1344998789" sldId="328"/>
+            <ac:spMk id="5" creationId="{D21A0ED3-5134-488F-9681-83BC005DA656}"/>
+          </ac:spMkLst>
+        </pc:spChg>
+        <pc:spChg chg="del">
+          <ac:chgData name="Duncan Paul Attard" userId="47daa79a-fd55-4e2c-8381-00c0ae59cbba" providerId="ADAL" clId="{A2913547-FF1A-A74F-97FD-C05A29EC8E03}" dt="2024-10-10T12:40:47.808" v="1492" actId="478"/>
+          <ac:spMkLst>
+            <pc:docMk/>
+            <pc:sldMk cId="1344998789" sldId="328"/>
+            <ac:spMk id="6" creationId="{433C5125-ABD0-3807-51E5-E0C965812AC0}"/>
+          </ac:spMkLst>
+        </pc:spChg>
+        <pc:spChg chg="mod">
+          <ac:chgData name="Duncan Paul Attard" userId="47daa79a-fd55-4e2c-8381-00c0ae59cbba" providerId="ADAL" clId="{A2913547-FF1A-A74F-97FD-C05A29EC8E03}" dt="2024-10-10T12:46:46.757" v="1528" actId="21"/>
+          <ac:spMkLst>
+            <pc:docMk/>
+            <pc:sldMk cId="1344998789" sldId="328"/>
+            <ac:spMk id="8" creationId="{92C49547-9356-2BB0-67C2-64FBAA94835F}"/>
+          </ac:spMkLst>
+        </pc:spChg>
+        <pc:spChg chg="add del mod">
+          <ac:chgData name="Duncan Paul Attard" userId="47daa79a-fd55-4e2c-8381-00c0ae59cbba" providerId="ADAL" clId="{A2913547-FF1A-A74F-97FD-C05A29EC8E03}" dt="2024-10-10T12:55:03.807" v="1619" actId="478"/>
+          <ac:spMkLst>
+            <pc:docMk/>
+            <pc:sldMk cId="1344998789" sldId="328"/>
+            <ac:spMk id="9" creationId="{B59C1CA1-8A5B-EF2B-A201-AC692E6B1EBB}"/>
+          </ac:spMkLst>
+        </pc:spChg>
+        <pc:spChg chg="add del mod">
+          <ac:chgData name="Duncan Paul Attard" userId="47daa79a-fd55-4e2c-8381-00c0ae59cbba" providerId="ADAL" clId="{A2913547-FF1A-A74F-97FD-C05A29EC8E03}" dt="2024-10-10T12:57:47.183" v="1636" actId="478"/>
+          <ac:spMkLst>
+            <pc:docMk/>
+            <pc:sldMk cId="1344998789" sldId="328"/>
+            <ac:spMk id="19" creationId="{4165ECC9-8D09-430B-CE87-C12D03F7D5A9}"/>
+          </ac:spMkLst>
+        </pc:spChg>
+        <pc:spChg chg="add del">
+          <ac:chgData name="Duncan Paul Attard" userId="47daa79a-fd55-4e2c-8381-00c0ae59cbba" providerId="ADAL" clId="{A2913547-FF1A-A74F-97FD-C05A29EC8E03}" dt="2024-10-10T13:01:29.752" v="1638" actId="478"/>
+          <ac:spMkLst>
+            <pc:docMk/>
+            <pc:sldMk cId="1344998789" sldId="328"/>
+            <ac:spMk id="20" creationId="{704AE637-CB6F-7E95-3B8F-F3E28C76C857}"/>
+          </ac:spMkLst>
+        </pc:spChg>
+        <pc:spChg chg="add mod">
+          <ac:chgData name="Duncan Paul Attard" userId="47daa79a-fd55-4e2c-8381-00c0ae59cbba" providerId="ADAL" clId="{A2913547-FF1A-A74F-97FD-C05A29EC8E03}" dt="2024-10-10T14:01:17.592" v="1994" actId="692"/>
+          <ac:spMkLst>
+            <pc:docMk/>
+            <pc:sldMk cId="1344998789" sldId="328"/>
+            <ac:spMk id="21" creationId="{4622F6B3-012C-E7BE-945F-13D1E76FEF95}"/>
+          </ac:spMkLst>
+        </pc:spChg>
+        <pc:spChg chg="add mod">
+          <ac:chgData name="Duncan Paul Attard" userId="47daa79a-fd55-4e2c-8381-00c0ae59cbba" providerId="ADAL" clId="{A2913547-FF1A-A74F-97FD-C05A29EC8E03}" dt="2024-10-10T14:01:17.592" v="1994" actId="692"/>
+          <ac:spMkLst>
+            <pc:docMk/>
+            <pc:sldMk cId="1344998789" sldId="328"/>
+            <ac:spMk id="22" creationId="{6E9BEFA6-8AD9-3649-471E-844286A15090}"/>
+          </ac:spMkLst>
+        </pc:spChg>
+        <pc:spChg chg="add mod">
+          <ac:chgData name="Duncan Paul Attard" userId="47daa79a-fd55-4e2c-8381-00c0ae59cbba" providerId="ADAL" clId="{A2913547-FF1A-A74F-97FD-C05A29EC8E03}" dt="2024-10-10T14:01:58.153" v="2022" actId="1076"/>
+          <ac:spMkLst>
+            <pc:docMk/>
+            <pc:sldMk cId="1344998789" sldId="328"/>
+            <ac:spMk id="23" creationId="{92DC7970-B70D-C38A-5979-564D9F445F34}"/>
+          </ac:spMkLst>
+        </pc:spChg>
+        <pc:cxnChg chg="add del mod">
+          <ac:chgData name="Duncan Paul Attard" userId="47daa79a-fd55-4e2c-8381-00c0ae59cbba" providerId="ADAL" clId="{A2913547-FF1A-A74F-97FD-C05A29EC8E03}" dt="2024-10-10T12:56:48.564" v="1629" actId="478"/>
+          <ac:cxnSpMkLst>
+            <pc:docMk/>
+            <pc:sldMk cId="1344998789" sldId="328"/>
+            <ac:cxnSpMk id="11" creationId="{FC75935A-A715-73A2-939C-3D6E62F48AC5}"/>
+          </ac:cxnSpMkLst>
+        </pc:cxnChg>
+      </pc:sldChg>
+      <pc:sldChg chg="modSp modTransition">
+        <pc:chgData name="Duncan Paul Attard" userId="47daa79a-fd55-4e2c-8381-00c0ae59cbba" providerId="ADAL" clId="{A2913547-FF1A-A74F-97FD-C05A29EC8E03}" dt="2024-10-09T16:55:04.003" v="1482"/>
+        <pc:sldMkLst>
+          <pc:docMk/>
+          <pc:sldMk cId="3418036405" sldId="339"/>
+        </pc:sldMkLst>
+        <pc:spChg chg="mod">
+          <ac:chgData name="Duncan Paul Attard" userId="47daa79a-fd55-4e2c-8381-00c0ae59cbba" providerId="ADAL" clId="{A2913547-FF1A-A74F-97FD-C05A29EC8E03}" dt="2024-10-09T16:20:09.644" v="1302" actId="2711"/>
+          <ac:spMkLst>
+            <pc:docMk/>
+            <pc:sldMk cId="3418036405" sldId="339"/>
+            <ac:spMk id="2" creationId="{FF815B9D-7997-E5AD-2F7B-52480036F8D7}"/>
+          </ac:spMkLst>
+        </pc:spChg>
+      </pc:sldChg>
+      <pc:sldChg chg="del">
+        <pc:chgData name="Duncan Paul Attard" userId="47daa79a-fd55-4e2c-8381-00c0ae59cbba" providerId="ADAL" clId="{A2913547-FF1A-A74F-97FD-C05A29EC8E03}" dt="2024-10-03T09:18:13.794" v="198" actId="2696"/>
+        <pc:sldMkLst>
+          <pc:docMk/>
+          <pc:sldMk cId="3803832959" sldId="343"/>
+        </pc:sldMkLst>
+      </pc:sldChg>
+      <pc:sldChg chg="modSp mod modShow">
+        <pc:chgData name="Duncan Paul Attard" userId="47daa79a-fd55-4e2c-8381-00c0ae59cbba" providerId="ADAL" clId="{A2913547-FF1A-A74F-97FD-C05A29EC8E03}" dt="2024-10-09T16:23:39.269" v="1338" actId="20577"/>
+        <pc:sldMkLst>
+          <pc:docMk/>
+          <pc:sldMk cId="2950141504" sldId="344"/>
+        </pc:sldMkLst>
+        <pc:spChg chg="mod">
+          <ac:chgData name="Duncan Paul Attard" userId="47daa79a-fd55-4e2c-8381-00c0ae59cbba" providerId="ADAL" clId="{A2913547-FF1A-A74F-97FD-C05A29EC8E03}" dt="2024-10-09T16:23:39.269" v="1338" actId="20577"/>
+          <ac:spMkLst>
+            <pc:docMk/>
+            <pc:sldMk cId="2950141504" sldId="344"/>
+            <ac:spMk id="2" creationId="{AF3F9DBD-2FAB-8321-4E1B-F69A0CE1AE6F}"/>
+          </ac:spMkLst>
+        </pc:spChg>
+      </pc:sldChg>
+      <pc:sldChg chg="addSp delSp modSp del mod modTransition addAnim delAnim modAnim">
+        <pc:chgData name="Duncan Paul Attard" userId="47daa79a-fd55-4e2c-8381-00c0ae59cbba" providerId="ADAL" clId="{A2913547-FF1A-A74F-97FD-C05A29EC8E03}" dt="2024-10-10T13:45:31.173" v="1966" actId="2696"/>
+        <pc:sldMkLst>
+          <pc:docMk/>
+          <pc:sldMk cId="3894353090" sldId="353"/>
+        </pc:sldMkLst>
+        <pc:spChg chg="del">
+          <ac:chgData name="Duncan Paul Attard" userId="47daa79a-fd55-4e2c-8381-00c0ae59cbba" providerId="ADAL" clId="{A2913547-FF1A-A74F-97FD-C05A29EC8E03}" dt="2024-10-10T13:31:31.060" v="1852" actId="478"/>
+          <ac:spMkLst>
+            <pc:docMk/>
+            <pc:sldMk cId="3894353090" sldId="353"/>
+            <ac:spMk id="2" creationId="{5A27A565-B2BE-97A2-619D-DE8F5FC31282}"/>
+          </ac:spMkLst>
+        </pc:spChg>
+        <pc:spChg chg="del mod">
+          <ac:chgData name="Duncan Paul Attard" userId="47daa79a-fd55-4e2c-8381-00c0ae59cbba" providerId="ADAL" clId="{A2913547-FF1A-A74F-97FD-C05A29EC8E03}" dt="2024-10-10T13:31:31.060" v="1852" actId="478"/>
+          <ac:spMkLst>
+            <pc:docMk/>
+            <pc:sldMk cId="3894353090" sldId="353"/>
+            <ac:spMk id="3" creationId="{900A8C71-6E09-B321-03A8-05C95256EACF}"/>
+          </ac:spMkLst>
+        </pc:spChg>
+        <pc:spChg chg="del mod">
+          <ac:chgData name="Duncan Paul Attard" userId="47daa79a-fd55-4e2c-8381-00c0ae59cbba" providerId="ADAL" clId="{A2913547-FF1A-A74F-97FD-C05A29EC8E03}" dt="2024-10-10T13:31:31.060" v="1852" actId="478"/>
+          <ac:spMkLst>
+            <pc:docMk/>
+            <pc:sldMk cId="3894353090" sldId="353"/>
+            <ac:spMk id="4" creationId="{4B79CD70-EA32-6A2B-C84B-A2A63FB3B7E2}"/>
+          </ac:spMkLst>
+        </pc:spChg>
+        <pc:spChg chg="add del mod">
+          <ac:chgData name="Duncan Paul Attard" userId="47daa79a-fd55-4e2c-8381-00c0ae59cbba" providerId="ADAL" clId="{A2913547-FF1A-A74F-97FD-C05A29EC8E03}" dt="2024-10-10T13:31:31.060" v="1852" actId="478"/>
+          <ac:spMkLst>
+            <pc:docMk/>
+            <pc:sldMk cId="3894353090" sldId="353"/>
+            <ac:spMk id="5" creationId="{E6E4A12D-6377-40FF-B0CF-791D2E066028}"/>
+          </ac:spMkLst>
+        </pc:spChg>
+        <pc:spChg chg="add del mod">
+          <ac:chgData name="Duncan Paul Attard" userId="47daa79a-fd55-4e2c-8381-00c0ae59cbba" providerId="ADAL" clId="{A2913547-FF1A-A74F-97FD-C05A29EC8E03}" dt="2024-10-10T13:31:31.060" v="1852" actId="478"/>
+          <ac:spMkLst>
+            <pc:docMk/>
+            <pc:sldMk cId="3894353090" sldId="353"/>
+            <ac:spMk id="6" creationId="{71B51679-75F9-03DA-1ECE-4A61AA4E10A7}"/>
+          </ac:spMkLst>
+        </pc:spChg>
+        <pc:spChg chg="add del mod">
+          <ac:chgData name="Duncan Paul Attard" userId="47daa79a-fd55-4e2c-8381-00c0ae59cbba" providerId="ADAL" clId="{A2913547-FF1A-A74F-97FD-C05A29EC8E03}" dt="2024-10-10T13:31:31.060" v="1852" actId="478"/>
+          <ac:spMkLst>
+            <pc:docMk/>
+            <pc:sldMk cId="3894353090" sldId="353"/>
+            <ac:spMk id="7" creationId="{CB0F281C-5CBE-5351-8E13-B8F5AF411116}"/>
+          </ac:spMkLst>
+        </pc:spChg>
+        <pc:spChg chg="add mod">
+          <ac:chgData name="Duncan Paul Attard" userId="47daa79a-fd55-4e2c-8381-00c0ae59cbba" providerId="ADAL" clId="{A2913547-FF1A-A74F-97FD-C05A29EC8E03}" dt="2024-10-10T13:31:18.490" v="1848"/>
+          <ac:spMkLst>
+            <pc:docMk/>
+            <pc:sldMk cId="3894353090" sldId="353"/>
+            <ac:spMk id="8" creationId="{4CC18CB9-1446-6EC4-F30D-3DCF28980AF4}"/>
+          </ac:spMkLst>
+        </pc:spChg>
+        <pc:spChg chg="add mod">
+          <ac:chgData name="Duncan Paul Attard" userId="47daa79a-fd55-4e2c-8381-00c0ae59cbba" providerId="ADAL" clId="{A2913547-FF1A-A74F-97FD-C05A29EC8E03}" dt="2024-10-10T13:33:21.144" v="1867" actId="1076"/>
+          <ac:spMkLst>
+            <pc:docMk/>
+            <pc:sldMk cId="3894353090" sldId="353"/>
+            <ac:spMk id="9" creationId="{94753D4E-F204-BDC9-5D76-58CCF8961919}"/>
+          </ac:spMkLst>
+        </pc:spChg>
+        <pc:spChg chg="del">
+          <ac:chgData name="Duncan Paul Attard" userId="47daa79a-fd55-4e2c-8381-00c0ae59cbba" providerId="ADAL" clId="{A2913547-FF1A-A74F-97FD-C05A29EC8E03}" dt="2024-10-10T13:31:31.060" v="1852" actId="478"/>
+          <ac:spMkLst>
+            <pc:docMk/>
+            <pc:sldMk cId="3894353090" sldId="353"/>
+            <ac:spMk id="10" creationId="{C45599F5-89EC-B880-D02D-1014589D94F6}"/>
+          </ac:spMkLst>
+        </pc:spChg>
+        <pc:spChg chg="del">
+          <ac:chgData name="Duncan Paul Attard" userId="47daa79a-fd55-4e2c-8381-00c0ae59cbba" providerId="ADAL" clId="{A2913547-FF1A-A74F-97FD-C05A29EC8E03}" dt="2024-10-10T13:31:31.060" v="1852" actId="478"/>
+          <ac:spMkLst>
+            <pc:docMk/>
+            <pc:sldMk cId="3894353090" sldId="353"/>
+            <ac:spMk id="12" creationId="{36BF059D-F049-1086-18BB-9892F2C7A46A}"/>
+          </ac:spMkLst>
+        </pc:spChg>
+        <pc:spChg chg="del mod">
+          <ac:chgData name="Duncan Paul Attard" userId="47daa79a-fd55-4e2c-8381-00c0ae59cbba" providerId="ADAL" clId="{A2913547-FF1A-A74F-97FD-C05A29EC8E03}" dt="2024-10-10T13:31:31.060" v="1852" actId="478"/>
+          <ac:spMkLst>
+            <pc:docMk/>
+            <pc:sldMk cId="3894353090" sldId="353"/>
+            <ac:spMk id="14" creationId="{221CBB43-D8CC-2DE0-2BBA-A8D66D1C8292}"/>
+          </ac:spMkLst>
+        </pc:spChg>
+        <pc:spChg chg="del">
+          <ac:chgData name="Duncan Paul Attard" userId="47daa79a-fd55-4e2c-8381-00c0ae59cbba" providerId="ADAL" clId="{A2913547-FF1A-A74F-97FD-C05A29EC8E03}" dt="2024-10-10T13:31:31.060" v="1852" actId="478"/>
+          <ac:spMkLst>
+            <pc:docMk/>
+            <pc:sldMk cId="3894353090" sldId="353"/>
+            <ac:spMk id="15" creationId="{14930000-9B79-CB9F-70C9-A149B91A469F}"/>
+          </ac:spMkLst>
+        </pc:spChg>
+        <pc:spChg chg="add del mod">
+          <ac:chgData name="Duncan Paul Attard" userId="47daa79a-fd55-4e2c-8381-00c0ae59cbba" providerId="ADAL" clId="{A2913547-FF1A-A74F-97FD-C05A29EC8E03}" dt="2024-10-09T16:35:52.002" v="1413" actId="478"/>
+          <ac:spMkLst>
+            <pc:docMk/>
+            <pc:sldMk cId="3894353090" sldId="353"/>
+            <ac:spMk id="18" creationId="{DE617E1E-69EB-273D-DEDA-D3D144DD879B}"/>
+          </ac:spMkLst>
+        </pc:spChg>
+        <pc:spChg chg="del mod">
+          <ac:chgData name="Duncan Paul Attard" userId="47daa79a-fd55-4e2c-8381-00c0ae59cbba" providerId="ADAL" clId="{A2913547-FF1A-A74F-97FD-C05A29EC8E03}" dt="2024-10-10T13:31:31.060" v="1852" actId="478"/>
+          <ac:spMkLst>
+            <pc:docMk/>
+            <pc:sldMk cId="3894353090" sldId="353"/>
+            <ac:spMk id="19" creationId="{EB71B3F4-9892-1355-C50C-06184770FB91}"/>
+          </ac:spMkLst>
+        </pc:spChg>
+        <pc:spChg chg="del">
+          <ac:chgData name="Duncan Paul Attard" userId="47daa79a-fd55-4e2c-8381-00c0ae59cbba" providerId="ADAL" clId="{A2913547-FF1A-A74F-97FD-C05A29EC8E03}" dt="2024-10-10T13:31:27.749" v="1851" actId="478"/>
+          <ac:spMkLst>
+            <pc:docMk/>
+            <pc:sldMk cId="3894353090" sldId="353"/>
+            <ac:spMk id="20" creationId="{AE3B6785-2F75-AC05-927E-DE034E83E0AF}"/>
+          </ac:spMkLst>
+        </pc:spChg>
+        <pc:spChg chg="del">
+          <ac:chgData name="Duncan Paul Attard" userId="47daa79a-fd55-4e2c-8381-00c0ae59cbba" providerId="ADAL" clId="{A2913547-FF1A-A74F-97FD-C05A29EC8E03}" dt="2024-10-10T13:31:25.829" v="1850" actId="478"/>
+          <ac:spMkLst>
+            <pc:docMk/>
+            <pc:sldMk cId="3894353090" sldId="353"/>
+            <ac:spMk id="21" creationId="{DFEFF082-18B5-DF10-0A77-189EF78CE79C}"/>
+          </ac:spMkLst>
+        </pc:spChg>
+        <pc:spChg chg="del">
+          <ac:chgData name="Duncan Paul Attard" userId="47daa79a-fd55-4e2c-8381-00c0ae59cbba" providerId="ADAL" clId="{A2913547-FF1A-A74F-97FD-C05A29EC8E03}" dt="2024-10-09T16:32:31.032" v="1397" actId="478"/>
+          <ac:spMkLst>
+            <pc:docMk/>
+            <pc:sldMk cId="3894353090" sldId="353"/>
+            <ac:spMk id="23" creationId="{DBAA9D5B-4B19-0B38-F174-A0A941F3CC9D}"/>
+          </ac:spMkLst>
+        </pc:spChg>
+        <pc:spChg chg="del">
+          <ac:chgData name="Duncan Paul Attard" userId="47daa79a-fd55-4e2c-8381-00c0ae59cbba" providerId="ADAL" clId="{A2913547-FF1A-A74F-97FD-C05A29EC8E03}" dt="2024-10-10T13:31:31.060" v="1852" actId="478"/>
+          <ac:spMkLst>
+            <pc:docMk/>
+            <pc:sldMk cId="3894353090" sldId="353"/>
+            <ac:spMk id="24" creationId="{87C9891C-5309-42F1-013D-A751F3673437}"/>
+          </ac:spMkLst>
+        </pc:spChg>
+        <pc:spChg chg="del mod">
+          <ac:chgData name="Duncan Paul Attard" userId="47daa79a-fd55-4e2c-8381-00c0ae59cbba" providerId="ADAL" clId="{A2913547-FF1A-A74F-97FD-C05A29EC8E03}" dt="2024-10-10T13:31:31.060" v="1852" actId="478"/>
+          <ac:spMkLst>
+            <pc:docMk/>
+            <pc:sldMk cId="3894353090" sldId="353"/>
+            <ac:spMk id="25" creationId="{62639609-BDA9-2E3A-AF85-74773F04B40C}"/>
+          </ac:spMkLst>
+        </pc:spChg>
+        <pc:spChg chg="del">
+          <ac:chgData name="Duncan Paul Attard" userId="47daa79a-fd55-4e2c-8381-00c0ae59cbba" providerId="ADAL" clId="{A2913547-FF1A-A74F-97FD-C05A29EC8E03}" dt="2024-10-10T13:31:44.511" v="1855" actId="478"/>
+          <ac:spMkLst>
+            <pc:docMk/>
+            <pc:sldMk cId="3894353090" sldId="353"/>
+            <ac:spMk id="26" creationId="{E7655FCB-36AA-5A96-1CFC-A107E561B9E7}"/>
+          </ac:spMkLst>
+        </pc:spChg>
+        <pc:spChg chg="del">
+          <ac:chgData name="Duncan Paul Attard" userId="47daa79a-fd55-4e2c-8381-00c0ae59cbba" providerId="ADAL" clId="{A2913547-FF1A-A74F-97FD-C05A29EC8E03}" dt="2024-10-10T13:31:41.092" v="1854" actId="478"/>
+          <ac:spMkLst>
+            <pc:docMk/>
+            <pc:sldMk cId="3894353090" sldId="353"/>
+            <ac:spMk id="27" creationId="{0C1CDBF1-98FB-AB27-9AF4-87C655C19F96}"/>
+          </ac:spMkLst>
+        </pc:spChg>
+        <pc:picChg chg="add del mod">
+          <ac:chgData name="Duncan Paul Attard" userId="47daa79a-fd55-4e2c-8381-00c0ae59cbba" providerId="ADAL" clId="{A2913547-FF1A-A74F-97FD-C05A29EC8E03}" dt="2024-10-10T13:32:31.039" v="1859" actId="478"/>
+          <ac:picMkLst>
+            <pc:docMk/>
+            <pc:sldMk cId="3894353090" sldId="353"/>
+            <ac:picMk id="11" creationId="{8993F6F6-CF01-D239-EE5F-2925A8A14A90}"/>
+          </ac:picMkLst>
+        </pc:picChg>
+        <pc:picChg chg="add del mod">
+          <ac:chgData name="Duncan Paul Attard" userId="47daa79a-fd55-4e2c-8381-00c0ae59cbba" providerId="ADAL" clId="{A2913547-FF1A-A74F-97FD-C05A29EC8E03}" dt="2024-10-10T13:35:54.091" v="1885" actId="478"/>
+          <ac:picMkLst>
+            <pc:docMk/>
+            <pc:sldMk cId="3894353090" sldId="353"/>
+            <ac:picMk id="13" creationId="{4B7AB3AE-7685-2D8C-F5A0-78A4F7C28819}"/>
+          </ac:picMkLst>
+        </pc:picChg>
+      </pc:sldChg>
+      <pc:sldChg chg="modSp del mod modNotesTx">
+        <pc:chgData name="Duncan Paul Attard" userId="47daa79a-fd55-4e2c-8381-00c0ae59cbba" providerId="ADAL" clId="{A2913547-FF1A-A74F-97FD-C05A29EC8E03}" dt="2024-10-09T10:25:42.322" v="1029" actId="2696"/>
+        <pc:sldMkLst>
+          <pc:docMk/>
+          <pc:sldMk cId="402213844" sldId="355"/>
+        </pc:sldMkLst>
+        <pc:spChg chg="mod">
+          <ac:chgData name="Duncan Paul Attard" userId="47daa79a-fd55-4e2c-8381-00c0ae59cbba" providerId="ADAL" clId="{A2913547-FF1A-A74F-97FD-C05A29EC8E03}" dt="2024-10-02T12:33:20.057" v="11" actId="20577"/>
+          <ac:spMkLst>
+            <pc:docMk/>
+            <pc:sldMk cId="402213844" sldId="355"/>
+            <ac:spMk id="2" creationId="{FF815B9D-7997-E5AD-2F7B-52480036F8D7}"/>
+          </ac:spMkLst>
+        </pc:spChg>
+        <pc:graphicFrameChg chg="mod modGraphic">
+          <ac:chgData name="Duncan Paul Attard" userId="47daa79a-fd55-4e2c-8381-00c0ae59cbba" providerId="ADAL" clId="{A2913547-FF1A-A74F-97FD-C05A29EC8E03}" dt="2024-10-09T10:12:07.763" v="895" actId="20577"/>
+          <ac:graphicFrameMkLst>
+            <pc:docMk/>
+            <pc:sldMk cId="402213844" sldId="355"/>
+            <ac:graphicFrameMk id="6" creationId="{559C152D-BDA9-7AF2-905C-8C65BF8A392B}"/>
+          </ac:graphicFrameMkLst>
+        </pc:graphicFrameChg>
+      </pc:sldChg>
+      <pc:sldChg chg="addSp modSp mod modNotesTx">
+        <pc:chgData name="Duncan Paul Attard" userId="47daa79a-fd55-4e2c-8381-00c0ae59cbba" providerId="ADAL" clId="{A2913547-FF1A-A74F-97FD-C05A29EC8E03}" dt="2024-10-09T16:58:59.698" v="1491" actId="1076"/>
+        <pc:sldMkLst>
+          <pc:docMk/>
+          <pc:sldMk cId="1531068557" sldId="359"/>
+        </pc:sldMkLst>
+        <pc:spChg chg="mod">
+          <ac:chgData name="Duncan Paul Attard" userId="47daa79a-fd55-4e2c-8381-00c0ae59cbba" providerId="ADAL" clId="{A2913547-FF1A-A74F-97FD-C05A29EC8E03}" dt="2024-10-09T16:50:14.787" v="1471" actId="14100"/>
+          <ac:spMkLst>
+            <pc:docMk/>
+            <pc:sldMk cId="1531068557" sldId="359"/>
+            <ac:spMk id="3" creationId="{6C998154-2D0A-05F4-498A-DED840556409}"/>
+          </ac:spMkLst>
+        </pc:spChg>
+        <pc:spChg chg="add mod">
+          <ac:chgData name="Duncan Paul Attard" userId="47daa79a-fd55-4e2c-8381-00c0ae59cbba" providerId="ADAL" clId="{A2913547-FF1A-A74F-97FD-C05A29EC8E03}" dt="2024-10-09T16:50:20.244" v="1472" actId="1076"/>
+          <ac:spMkLst>
+            <pc:docMk/>
+            <pc:sldMk cId="1531068557" sldId="359"/>
+            <ac:spMk id="6" creationId="{78745C13-4075-D6C4-FD53-48E2B3C32B09}"/>
+          </ac:spMkLst>
+        </pc:spChg>
+        <pc:spChg chg="mod">
+          <ac:chgData name="Duncan Paul Attard" userId="47daa79a-fd55-4e2c-8381-00c0ae59cbba" providerId="ADAL" clId="{A2913547-FF1A-A74F-97FD-C05A29EC8E03}" dt="2024-10-09T16:50:36.663" v="1473" actId="207"/>
+          <ac:spMkLst>
+            <pc:docMk/>
+            <pc:sldMk cId="1531068557" sldId="359"/>
+            <ac:spMk id="8" creationId="{42CBADA2-C4BF-A0EB-55B7-B53785EE2541}"/>
+          </ac:spMkLst>
+        </pc:spChg>
+        <pc:spChg chg="mod">
+          <ac:chgData name="Duncan Paul Attard" userId="47daa79a-fd55-4e2c-8381-00c0ae59cbba" providerId="ADAL" clId="{A2913547-FF1A-A74F-97FD-C05A29EC8E03}" dt="2024-10-09T16:42:02.652" v="1426" actId="113"/>
+          <ac:spMkLst>
+            <pc:docMk/>
+            <pc:sldMk cId="1531068557" sldId="359"/>
+            <ac:spMk id="9" creationId="{1F2C308C-C7EA-16F2-4F54-F065BFBF4CE9}"/>
+          </ac:spMkLst>
+        </pc:spChg>
+        <pc:picChg chg="mod">
+          <ac:chgData name="Duncan Paul Attard" userId="47daa79a-fd55-4e2c-8381-00c0ae59cbba" providerId="ADAL" clId="{A2913547-FF1A-A74F-97FD-C05A29EC8E03}" dt="2024-10-09T16:58:59.698" v="1491" actId="1076"/>
+          <ac:picMkLst>
+            <pc:docMk/>
+            <pc:sldMk cId="1531068557" sldId="359"/>
+            <ac:picMk id="5" creationId="{C1A76061-2EF5-45AB-AC13-4E0DE59EBDC4}"/>
+          </ac:picMkLst>
+        </pc:picChg>
+      </pc:sldChg>
+      <pc:sldChg chg="modSp mod">
+        <pc:chgData name="Duncan Paul Attard" userId="47daa79a-fd55-4e2c-8381-00c0ae59cbba" providerId="ADAL" clId="{A2913547-FF1A-A74F-97FD-C05A29EC8E03}" dt="2024-10-09T16:21:56.789" v="1316" actId="2711"/>
+        <pc:sldMkLst>
+          <pc:docMk/>
+          <pc:sldMk cId="1203393526" sldId="361"/>
+        </pc:sldMkLst>
+        <pc:spChg chg="mod">
+          <ac:chgData name="Duncan Paul Attard" userId="47daa79a-fd55-4e2c-8381-00c0ae59cbba" providerId="ADAL" clId="{A2913547-FF1A-A74F-97FD-C05A29EC8E03}" dt="2024-10-09T16:21:56.789" v="1316" actId="2711"/>
+          <ac:spMkLst>
+            <pc:docMk/>
+            <pc:sldMk cId="1203393526" sldId="361"/>
+            <ac:spMk id="6" creationId="{ECEF2E70-B410-E337-2341-8CB95702FD2B}"/>
+          </ac:spMkLst>
+        </pc:spChg>
+      </pc:sldChg>
+      <pc:sldChg chg="modSp">
+        <pc:chgData name="Duncan Paul Attard" userId="47daa79a-fd55-4e2c-8381-00c0ae59cbba" providerId="ADAL" clId="{A2913547-FF1A-A74F-97FD-C05A29EC8E03}" dt="2024-10-10T13:10:55.292" v="1678" actId="2711"/>
+        <pc:sldMkLst>
+          <pc:docMk/>
+          <pc:sldMk cId="2213873861" sldId="369"/>
+        </pc:sldMkLst>
+        <pc:spChg chg="mod">
+          <ac:chgData name="Duncan Paul Attard" userId="47daa79a-fd55-4e2c-8381-00c0ae59cbba" providerId="ADAL" clId="{A2913547-FF1A-A74F-97FD-C05A29EC8E03}" dt="2024-10-10T13:10:55.292" v="1678" actId="2711"/>
+          <ac:spMkLst>
+            <pc:docMk/>
+            <pc:sldMk cId="2213873861" sldId="369"/>
+            <ac:spMk id="6" creationId="{24BEE763-DF2E-5046-16AA-65F5C1F18B59}"/>
+          </ac:spMkLst>
+        </pc:spChg>
+      </pc:sldChg>
+      <pc:sldChg chg="modSp">
+        <pc:chgData name="Duncan Paul Attard" userId="47daa79a-fd55-4e2c-8381-00c0ae59cbba" providerId="ADAL" clId="{A2913547-FF1A-A74F-97FD-C05A29EC8E03}" dt="2024-10-02T17:10:45.592" v="182" actId="962"/>
+        <pc:sldMkLst>
+          <pc:docMk/>
+          <pc:sldMk cId="2570843684" sldId="370"/>
+        </pc:sldMkLst>
+        <pc:spChg chg="mod">
+          <ac:chgData name="Duncan Paul Attard" userId="47daa79a-fd55-4e2c-8381-00c0ae59cbba" providerId="ADAL" clId="{A2913547-FF1A-A74F-97FD-C05A29EC8E03}" dt="2024-10-02T17:10:45.592" v="182" actId="962"/>
+          <ac:spMkLst>
+            <pc:docMk/>
+            <pc:sldMk cId="2570843684" sldId="370"/>
+            <ac:spMk id="4" creationId="{46137177-0676-D018-7C9D-A6DA35A367F4}"/>
+          </ac:spMkLst>
+        </pc:spChg>
+      </pc:sldChg>
+      <pc:sldChg chg="delSp modSp mod modTransition modAnim">
+        <pc:chgData name="Duncan Paul Attard" userId="47daa79a-fd55-4e2c-8381-00c0ae59cbba" providerId="ADAL" clId="{A2913547-FF1A-A74F-97FD-C05A29EC8E03}" dt="2024-10-10T13:14:44.626" v="1688"/>
+        <pc:sldMkLst>
+          <pc:docMk/>
+          <pc:sldMk cId="1832310034" sldId="376"/>
+        </pc:sldMkLst>
+        <pc:spChg chg="mod">
+          <ac:chgData name="Duncan Paul Attard" userId="47daa79a-fd55-4e2c-8381-00c0ae59cbba" providerId="ADAL" clId="{A2913547-FF1A-A74F-97FD-C05A29EC8E03}" dt="2024-10-10T13:14:34.033" v="1683" actId="20577"/>
+          <ac:spMkLst>
+            <pc:docMk/>
+            <pc:sldMk cId="1832310034" sldId="376"/>
+            <ac:spMk id="2" creationId="{51855A6F-7DAB-6E4F-7181-FB9CC52C648D}"/>
+          </ac:spMkLst>
+        </pc:spChg>
+        <pc:spChg chg="del mod">
+          <ac:chgData name="Duncan Paul Attard" userId="47daa79a-fd55-4e2c-8381-00c0ae59cbba" providerId="ADAL" clId="{A2913547-FF1A-A74F-97FD-C05A29EC8E03}" dt="2024-10-10T13:14:29.708" v="1681" actId="478"/>
+          <ac:spMkLst>
+            <pc:docMk/>
+            <pc:sldMk cId="1832310034" sldId="376"/>
+            <ac:spMk id="5" creationId="{BEAC43B8-A34F-586E-C8E7-6F18EDB49F25}"/>
+          </ac:spMkLst>
+        </pc:spChg>
+      </pc:sldChg>
+      <pc:sldChg chg="modSp mod ord modAnim modShow modNotesTx">
+        <pc:chgData name="Duncan Paul Attard" userId="47daa79a-fd55-4e2c-8381-00c0ae59cbba" providerId="ADAL" clId="{A2913547-FF1A-A74F-97FD-C05A29EC8E03}" dt="2024-10-09T16:43:24.689" v="1430" actId="729"/>
+        <pc:sldMkLst>
+          <pc:docMk/>
+          <pc:sldMk cId="1180170421" sldId="379"/>
+        </pc:sldMkLst>
+        <pc:spChg chg="mod">
+          <ac:chgData name="Duncan Paul Attard" userId="47daa79a-fd55-4e2c-8381-00c0ae59cbba" providerId="ADAL" clId="{A2913547-FF1A-A74F-97FD-C05A29EC8E03}" dt="2024-10-09T16:23:08.480" v="1336" actId="20577"/>
+          <ac:spMkLst>
+            <pc:docMk/>
+            <pc:sldMk cId="1180170421" sldId="379"/>
+            <ac:spMk id="8" creationId="{3597F6E2-4AF7-D12C-B6C6-CA55718FE07B}"/>
+          </ac:spMkLst>
+        </pc:spChg>
+      </pc:sldChg>
+      <pc:sldChg chg="addSp delSp modSp mod">
+        <pc:chgData name="Duncan Paul Attard" userId="47daa79a-fd55-4e2c-8381-00c0ae59cbba" providerId="ADAL" clId="{A2913547-FF1A-A74F-97FD-C05A29EC8E03}" dt="2024-10-09T16:23:59.816" v="1340" actId="20577"/>
+        <pc:sldMkLst>
+          <pc:docMk/>
+          <pc:sldMk cId="932790891" sldId="380"/>
+        </pc:sldMkLst>
+        <pc:spChg chg="mod">
+          <ac:chgData name="Duncan Paul Attard" userId="47daa79a-fd55-4e2c-8381-00c0ae59cbba" providerId="ADAL" clId="{A2913547-FF1A-A74F-97FD-C05A29EC8E03}" dt="2024-10-09T16:23:59.816" v="1340" actId="20577"/>
+          <ac:spMkLst>
+            <pc:docMk/>
+            <pc:sldMk cId="932790891" sldId="380"/>
+            <ac:spMk id="2" creationId="{F114AD4B-F16E-A497-C3BC-FB06BA3F008B}"/>
+          </ac:spMkLst>
+        </pc:spChg>
+        <pc:spChg chg="mod">
+          <ac:chgData name="Duncan Paul Attard" userId="47daa79a-fd55-4e2c-8381-00c0ae59cbba" providerId="ADAL" clId="{A2913547-FF1A-A74F-97FD-C05A29EC8E03}" dt="2024-10-09T16:09:48.277" v="1267" actId="207"/>
+          <ac:spMkLst>
+            <pc:docMk/>
+            <pc:sldMk cId="932790891" sldId="380"/>
+            <ac:spMk id="22" creationId="{3F472815-A81A-B56B-4FFF-2ADD59272495}"/>
+          </ac:spMkLst>
+        </pc:spChg>
+        <pc:picChg chg="del">
+          <ac:chgData name="Duncan Paul Attard" userId="47daa79a-fd55-4e2c-8381-00c0ae59cbba" providerId="ADAL" clId="{A2913547-FF1A-A74F-97FD-C05A29EC8E03}" dt="2024-10-09T16:08:41.255" v="1256" actId="478"/>
+          <ac:picMkLst>
+            <pc:docMk/>
+            <pc:sldMk cId="932790891" sldId="380"/>
+            <ac:picMk id="16" creationId="{3E540789-19EF-B928-F70A-75FAF7F2D98C}"/>
+          </ac:picMkLst>
+        </pc:picChg>
+        <pc:picChg chg="del">
+          <ac:chgData name="Duncan Paul Attard" userId="47daa79a-fd55-4e2c-8381-00c0ae59cbba" providerId="ADAL" clId="{A2913547-FF1A-A74F-97FD-C05A29EC8E03}" dt="2024-10-09T16:08:29.282" v="1252" actId="478"/>
+          <ac:picMkLst>
+            <pc:docMk/>
+            <pc:sldMk cId="932790891" sldId="380"/>
+            <ac:picMk id="17" creationId="{104B4A67-A267-1557-325B-F7B132BBD630}"/>
+          </ac:picMkLst>
+        </pc:picChg>
+        <pc:picChg chg="del">
+          <ac:chgData name="Duncan Paul Attard" userId="47daa79a-fd55-4e2c-8381-00c0ae59cbba" providerId="ADAL" clId="{A2913547-FF1A-A74F-97FD-C05A29EC8E03}" dt="2024-10-09T16:07:06.877" v="1247" actId="478"/>
+          <ac:picMkLst>
+            <pc:docMk/>
+            <pc:sldMk cId="932790891" sldId="380"/>
+            <ac:picMk id="18" creationId="{DD45FC56-73E2-939D-F13F-ABE0F20AFFBC}"/>
+          </ac:picMkLst>
+        </pc:picChg>
+        <pc:picChg chg="add mod">
+          <ac:chgData name="Duncan Paul Attard" userId="47daa79a-fd55-4e2c-8381-00c0ae59cbba" providerId="ADAL" clId="{A2913547-FF1A-A74F-97FD-C05A29EC8E03}" dt="2024-10-09T16:08:04.754" v="1251" actId="1076"/>
+          <ac:picMkLst>
+            <pc:docMk/>
+            <pc:sldMk cId="932790891" sldId="380"/>
+            <ac:picMk id="23" creationId="{E65D2FF1-7964-53E2-1B05-61A788921B04}"/>
+          </ac:picMkLst>
+        </pc:picChg>
+        <pc:picChg chg="add mod">
+          <ac:chgData name="Duncan Paul Attard" userId="47daa79a-fd55-4e2c-8381-00c0ae59cbba" providerId="ADAL" clId="{A2913547-FF1A-A74F-97FD-C05A29EC8E03}" dt="2024-10-09T16:08:39.379" v="1255" actId="1076"/>
+          <ac:picMkLst>
+            <pc:docMk/>
+            <pc:sldMk cId="932790891" sldId="380"/>
+            <ac:picMk id="24" creationId="{80D528AD-4313-E77C-59F4-6044CCDEF239}"/>
+          </ac:picMkLst>
+        </pc:picChg>
+        <pc:picChg chg="add mod">
+          <ac:chgData name="Duncan Paul Attard" userId="47daa79a-fd55-4e2c-8381-00c0ae59cbba" providerId="ADAL" clId="{A2913547-FF1A-A74F-97FD-C05A29EC8E03}" dt="2024-10-09T16:09:18.915" v="1259" actId="1076"/>
+          <ac:picMkLst>
+            <pc:docMk/>
+            <pc:sldMk cId="932790891" sldId="380"/>
+            <ac:picMk id="25" creationId="{0ADCD6BD-3869-D9B4-5E7B-C6A9EE979F36}"/>
+          </ac:picMkLst>
+        </pc:picChg>
+      </pc:sldChg>
+      <pc:sldChg chg="del">
+        <pc:chgData name="Duncan Paul Attard" userId="47daa79a-fd55-4e2c-8381-00c0ae59cbba" providerId="ADAL" clId="{A2913547-FF1A-A74F-97FD-C05A29EC8E03}" dt="2024-10-09T16:42:55.150" v="1428" actId="2696"/>
+        <pc:sldMkLst>
+          <pc:docMk/>
+          <pc:sldMk cId="822096971" sldId="382"/>
+        </pc:sldMkLst>
+      </pc:sldChg>
+      <pc:sldChg chg="modSp del mod modShow">
+        <pc:chgData name="Duncan Paul Attard" userId="47daa79a-fd55-4e2c-8381-00c0ae59cbba" providerId="ADAL" clId="{A2913547-FF1A-A74F-97FD-C05A29EC8E03}" dt="2024-10-02T17:14:54.199" v="197" actId="2696"/>
+        <pc:sldMkLst>
+          <pc:docMk/>
+          <pc:sldMk cId="3504229354" sldId="383"/>
+        </pc:sldMkLst>
+        <pc:spChg chg="mod">
+          <ac:chgData name="Duncan Paul Attard" userId="47daa79a-fd55-4e2c-8381-00c0ae59cbba" providerId="ADAL" clId="{A2913547-FF1A-A74F-97FD-C05A29EC8E03}" dt="2024-10-02T13:30:27.087" v="75" actId="27636"/>
+          <ac:spMkLst>
+            <pc:docMk/>
+            <pc:sldMk cId="3504229354" sldId="383"/>
+            <ac:spMk id="3" creationId="{5259B8A4-F4AA-961C-3FAB-3D857852278A}"/>
+          </ac:spMkLst>
+        </pc:spChg>
+        <pc:spChg chg="mod">
+          <ac:chgData name="Duncan Paul Attard" userId="47daa79a-fd55-4e2c-8381-00c0ae59cbba" providerId="ADAL" clId="{A2913547-FF1A-A74F-97FD-C05A29EC8E03}" dt="2024-10-02T17:02:57.174" v="114" actId="20577"/>
+          <ac:spMkLst>
+            <pc:docMk/>
+            <pc:sldMk cId="3504229354" sldId="383"/>
+            <ac:spMk id="7" creationId="{725A8AD9-A6BF-2C2D-6CA0-BFC879A44AC8}"/>
+          </ac:spMkLst>
+        </pc:spChg>
+      </pc:sldChg>
+      <pc:sldChg chg="addSp delSp modSp mod modTransition modAnim modNotesTx">
+        <pc:chgData name="Duncan Paul Attard" userId="47daa79a-fd55-4e2c-8381-00c0ae59cbba" providerId="ADAL" clId="{A2913547-FF1A-A74F-97FD-C05A29EC8E03}" dt="2024-10-09T16:22:22.769" v="1326" actId="20577"/>
+        <pc:sldMkLst>
+          <pc:docMk/>
+          <pc:sldMk cId="1854734574" sldId="384"/>
+        </pc:sldMkLst>
+        <pc:spChg chg="add del mod">
+          <ac:chgData name="Duncan Paul Attard" userId="47daa79a-fd55-4e2c-8381-00c0ae59cbba" providerId="ADAL" clId="{A2913547-FF1A-A74F-97FD-C05A29EC8E03}" dt="2024-10-02T17:04:59.853" v="117" actId="478"/>
+          <ac:spMkLst>
+            <pc:docMk/>
+            <pc:sldMk cId="1854734574" sldId="384"/>
+            <ac:spMk id="3" creationId="{5259B8A4-F4AA-961C-3FAB-3D857852278A}"/>
+          </ac:spMkLst>
+        </pc:spChg>
+        <pc:spChg chg="mod">
+          <ac:chgData name="Duncan Paul Attard" userId="47daa79a-fd55-4e2c-8381-00c0ae59cbba" providerId="ADAL" clId="{A2913547-FF1A-A74F-97FD-C05A29EC8E03}" dt="2024-10-02T17:11:31.107" v="184" actId="14100"/>
+          <ac:spMkLst>
+            <pc:docMk/>
+            <pc:sldMk cId="1854734574" sldId="384"/>
+            <ac:spMk id="4" creationId="{C2911B54-2061-2FAD-302E-4AD802CD6920}"/>
+          </ac:spMkLst>
+        </pc:spChg>
+        <pc:spChg chg="mod">
+          <ac:chgData name="Duncan Paul Attard" userId="47daa79a-fd55-4e2c-8381-00c0ae59cbba" providerId="ADAL" clId="{A2913547-FF1A-A74F-97FD-C05A29EC8E03}" dt="2024-10-02T17:09:12.356" v="178" actId="14100"/>
+          <ac:spMkLst>
+            <pc:docMk/>
+            <pc:sldMk cId="1854734574" sldId="384"/>
+            <ac:spMk id="5" creationId="{0697303B-E6EC-76DD-F8D9-92D66705BAD7}"/>
+          </ac:spMkLst>
+        </pc:spChg>
+        <pc:spChg chg="mod">
+          <ac:chgData name="Duncan Paul Attard" userId="47daa79a-fd55-4e2c-8381-00c0ae59cbba" providerId="ADAL" clId="{A2913547-FF1A-A74F-97FD-C05A29EC8E03}" dt="2024-10-02T17:04:25.626" v="115"/>
+          <ac:spMkLst>
+            <pc:docMk/>
+            <pc:sldMk cId="1854734574" sldId="384"/>
+            <ac:spMk id="7" creationId="{725A8AD9-A6BF-2C2D-6CA0-BFC879A44AC8}"/>
+          </ac:spMkLst>
+        </pc:spChg>
+        <pc:spChg chg="add mod">
+          <ac:chgData name="Duncan Paul Attard" userId="47daa79a-fd55-4e2c-8381-00c0ae59cbba" providerId="ADAL" clId="{A2913547-FF1A-A74F-97FD-C05A29EC8E03}" dt="2024-10-02T15:14:37.881" v="77"/>
+          <ac:spMkLst>
+            <pc:docMk/>
+            <pc:sldMk cId="1854734574" sldId="384"/>
+            <ac:spMk id="8" creationId="{D1AEADC8-AD45-E095-EC92-ED6454DA36F1}"/>
+          </ac:spMkLst>
+        </pc:spChg>
+        <pc:spChg chg="mod">
+          <ac:chgData name="Duncan Paul Attard" userId="47daa79a-fd55-4e2c-8381-00c0ae59cbba" providerId="ADAL" clId="{A2913547-FF1A-A74F-97FD-C05A29EC8E03}" dt="2024-10-09T16:22:22.769" v="1326" actId="20577"/>
+          <ac:spMkLst>
+            <pc:docMk/>
+            <pc:sldMk cId="1854734574" sldId="384"/>
+            <ac:spMk id="10" creationId="{73CDB658-D52A-76A1-3E4E-169B91E07001}"/>
+          </ac:spMkLst>
+        </pc:spChg>
+        <pc:spChg chg="add del mod">
+          <ac:chgData name="Duncan Paul Attard" userId="47daa79a-fd55-4e2c-8381-00c0ae59cbba" providerId="ADAL" clId="{A2913547-FF1A-A74F-97FD-C05A29EC8E03}" dt="2024-10-02T15:15:27.306" v="83" actId="478"/>
+          <ac:spMkLst>
+            <pc:docMk/>
+            <pc:sldMk cId="1854734574" sldId="384"/>
+            <ac:spMk id="11" creationId="{623E9E62-8323-97FC-63AE-4C8B972FE039}"/>
+          </ac:spMkLst>
+        </pc:spChg>
+        <pc:spChg chg="add mod">
+          <ac:chgData name="Duncan Paul Attard" userId="47daa79a-fd55-4e2c-8381-00c0ae59cbba" providerId="ADAL" clId="{A2913547-FF1A-A74F-97FD-C05A29EC8E03}" dt="2024-10-02T15:15:26.477" v="82"/>
+          <ac:spMkLst>
+            <pc:docMk/>
+            <pc:sldMk cId="1854734574" sldId="384"/>
+            <ac:spMk id="12" creationId="{D91C90C9-596B-6FF7-5387-602BF4257CB3}"/>
+          </ac:spMkLst>
+        </pc:spChg>
+        <pc:spChg chg="add del mod">
+          <ac:chgData name="Duncan Paul Attard" userId="47daa79a-fd55-4e2c-8381-00c0ae59cbba" providerId="ADAL" clId="{A2913547-FF1A-A74F-97FD-C05A29EC8E03}" dt="2024-10-02T15:17:39.886" v="104" actId="478"/>
+          <ac:spMkLst>
+            <pc:docMk/>
+            <pc:sldMk cId="1854734574" sldId="384"/>
+            <ac:spMk id="14" creationId="{A3346044-947C-B940-90FC-B19F92F32CDD}"/>
+          </ac:spMkLst>
+        </pc:spChg>
+        <pc:spChg chg="add mod">
+          <ac:chgData name="Duncan Paul Attard" userId="47daa79a-fd55-4e2c-8381-00c0ae59cbba" providerId="ADAL" clId="{A2913547-FF1A-A74F-97FD-C05A29EC8E03}" dt="2024-10-02T15:17:38.841" v="103"/>
+          <ac:spMkLst>
+            <pc:docMk/>
+            <pc:sldMk cId="1854734574" sldId="384"/>
+            <ac:spMk id="15" creationId="{F01A6CF0-E7AD-1565-2BAA-A45869AD0E85}"/>
+          </ac:spMkLst>
+        </pc:spChg>
+        <pc:spChg chg="add mod">
+          <ac:chgData name="Duncan Paul Attard" userId="47daa79a-fd55-4e2c-8381-00c0ae59cbba" providerId="ADAL" clId="{A2913547-FF1A-A74F-97FD-C05A29EC8E03}" dt="2024-10-02T17:08:37.623" v="176" actId="948"/>
+          <ac:spMkLst>
+            <pc:docMk/>
+            <pc:sldMk cId="1854734574" sldId="384"/>
+            <ac:spMk id="17" creationId="{7FFFC4F6-BA4B-2080-E4A0-C6C34133DB0F}"/>
+          </ac:spMkLst>
+        </pc:spChg>
+        <pc:spChg chg="add del mod">
+          <ac:chgData name="Duncan Paul Attard" userId="47daa79a-fd55-4e2c-8381-00c0ae59cbba" providerId="ADAL" clId="{A2913547-FF1A-A74F-97FD-C05A29EC8E03}" dt="2024-10-02T17:07:33.935" v="174" actId="478"/>
+          <ac:spMkLst>
+            <pc:docMk/>
+            <pc:sldMk cId="1854734574" sldId="384"/>
+            <ac:spMk id="18" creationId="{97C3B600-ABBA-1CD8-F678-C88288456A73}"/>
+          </ac:spMkLst>
+        </pc:spChg>
+        <pc:graphicFrameChg chg="add del">
+          <ac:chgData name="Duncan Paul Attard" userId="47daa79a-fd55-4e2c-8381-00c0ae59cbba" providerId="ADAL" clId="{A2913547-FF1A-A74F-97FD-C05A29EC8E03}" dt="2024-10-04T08:57:25.717" v="239" actId="3680"/>
+          <ac:graphicFrameMkLst>
+            <pc:docMk/>
+            <pc:sldMk cId="1854734574" sldId="384"/>
+            <ac:graphicFrameMk id="19" creationId="{34606CDB-14A7-A757-AC14-54C30173CD0D}"/>
+          </ac:graphicFrameMkLst>
+        </pc:graphicFrameChg>
+      </pc:sldChg>
+      <pc:sldChg chg="addSp delSp modSp new del mod">
+        <pc:chgData name="Duncan Paul Attard" userId="47daa79a-fd55-4e2c-8381-00c0ae59cbba" providerId="ADAL" clId="{A2913547-FF1A-A74F-97FD-C05A29EC8E03}" dt="2024-10-09T16:42:51.636" v="1427" actId="2696"/>
+        <pc:sldMkLst>
+          <pc:docMk/>
+          <pc:sldMk cId="2763222539" sldId="385"/>
+        </pc:sldMkLst>
+        <pc:spChg chg="mod">
+          <ac:chgData name="Duncan Paul Attard" userId="47daa79a-fd55-4e2c-8381-00c0ae59cbba" providerId="ADAL" clId="{A2913547-FF1A-A74F-97FD-C05A29EC8E03}" dt="2024-10-02T12:57:11.647" v="31" actId="20577"/>
+          <ac:spMkLst>
+            <pc:docMk/>
+            <pc:sldMk cId="2763222539" sldId="385"/>
+            <ac:spMk id="2" creationId="{06CB1BEF-84FE-CAE1-E722-1B1D608DF574}"/>
+          </ac:spMkLst>
+        </pc:spChg>
+        <pc:spChg chg="del">
+          <ac:chgData name="Duncan Paul Attard" userId="47daa79a-fd55-4e2c-8381-00c0ae59cbba" providerId="ADAL" clId="{A2913547-FF1A-A74F-97FD-C05A29EC8E03}" dt="2024-10-02T12:58:17.004" v="34" actId="931"/>
+          <ac:spMkLst>
+            <pc:docMk/>
+            <pc:sldMk cId="2763222539" sldId="385"/>
+            <ac:spMk id="3" creationId="{E0E4E75C-30FB-43C6-0ADE-133D0C918AC7}"/>
+          </ac:spMkLst>
+        </pc:spChg>
+        <pc:spChg chg="del">
+          <ac:chgData name="Duncan Paul Attard" userId="47daa79a-fd55-4e2c-8381-00c0ae59cbba" providerId="ADAL" clId="{A2913547-FF1A-A74F-97FD-C05A29EC8E03}" dt="2024-10-02T13:01:07.908" v="53" actId="478"/>
+          <ac:spMkLst>
+            <pc:docMk/>
+            <pc:sldMk cId="2763222539" sldId="385"/>
+            <ac:spMk id="4" creationId="{79CFDA12-7404-780B-7B6A-34E5BB8AACD6}"/>
+          </ac:spMkLst>
+        </pc:spChg>
+        <pc:spChg chg="add del mod">
+          <ac:chgData name="Duncan Paul Attard" userId="47daa79a-fd55-4e2c-8381-00c0ae59cbba" providerId="ADAL" clId="{A2913547-FF1A-A74F-97FD-C05A29EC8E03}" dt="2024-10-02T13:00:00.998" v="38" actId="931"/>
+          <ac:spMkLst>
+            <pc:docMk/>
+            <pc:sldMk cId="2763222539" sldId="385"/>
+            <ac:spMk id="9" creationId="{8EA6EC2F-7C1C-A058-59AA-99DF004AC6CC}"/>
+          </ac:spMkLst>
+        </pc:spChg>
+        <pc:spChg chg="add del mod">
+          <ac:chgData name="Duncan Paul Attard" userId="47daa79a-fd55-4e2c-8381-00c0ae59cbba" providerId="ADAL" clId="{A2913547-FF1A-A74F-97FD-C05A29EC8E03}" dt="2024-10-02T13:00:22.013" v="43" actId="931"/>
+          <ac:spMkLst>
+            <pc:docMk/>
+            <pc:sldMk cId="2763222539" sldId="385"/>
+            <ac:spMk id="13" creationId="{8208DF54-58BE-CFC4-E03D-7E4691E40F65}"/>
+          </ac:spMkLst>
+        </pc:spChg>
+        <pc:spChg chg="add del mod">
+          <ac:chgData name="Duncan Paul Attard" userId="47daa79a-fd55-4e2c-8381-00c0ae59cbba" providerId="ADAL" clId="{A2913547-FF1A-A74F-97FD-C05A29EC8E03}" dt="2024-10-02T13:00:46.504" v="48" actId="931"/>
+          <ac:spMkLst>
+            <pc:docMk/>
+            <pc:sldMk cId="2763222539" sldId="385"/>
+            <ac:spMk id="17" creationId="{9EA173CF-3519-AEF5-3960-A16D5AE92702}"/>
+          </ac:spMkLst>
+        </pc:spChg>
+        <pc:picChg chg="add del mod">
+          <ac:chgData name="Duncan Paul Attard" userId="47daa79a-fd55-4e2c-8381-00c0ae59cbba" providerId="ADAL" clId="{A2913547-FF1A-A74F-97FD-C05A29EC8E03}" dt="2024-10-02T12:58:09.852" v="33" actId="478"/>
+          <ac:picMkLst>
+            <pc:docMk/>
+            <pc:sldMk cId="2763222539" sldId="385"/>
+            <ac:picMk id="5" creationId="{6DFC73B9-EDCD-0CDD-0025-216F31F0ACAC}"/>
+          </ac:picMkLst>
+        </pc:picChg>
+        <pc:picChg chg="add del mod">
+          <ac:chgData name="Duncan Paul Attard" userId="47daa79a-fd55-4e2c-8381-00c0ae59cbba" providerId="ADAL" clId="{A2913547-FF1A-A74F-97FD-C05A29EC8E03}" dt="2024-10-02T12:58:35.145" v="37" actId="478"/>
+          <ac:picMkLst>
+            <pc:docMk/>
+            <pc:sldMk cId="2763222539" sldId="385"/>
+            <ac:picMk id="7" creationId="{1CBD4869-0D8B-C1DA-602F-31586DB09C88}"/>
+          </ac:picMkLst>
+        </pc:picChg>
+        <pc:picChg chg="add del mod">
+          <ac:chgData name="Duncan Paul Attard" userId="47daa79a-fd55-4e2c-8381-00c0ae59cbba" providerId="ADAL" clId="{A2913547-FF1A-A74F-97FD-C05A29EC8E03}" dt="2024-10-02T13:00:15.778" v="42" actId="478"/>
+          <ac:picMkLst>
+            <pc:docMk/>
+            <pc:sldMk cId="2763222539" sldId="385"/>
+            <ac:picMk id="11" creationId="{56FF0B89-16E5-6EB7-C493-D6709EBC59CA}"/>
+          </ac:picMkLst>
+        </pc:picChg>
+        <pc:picChg chg="add del mod">
+          <ac:chgData name="Duncan Paul Attard" userId="47daa79a-fd55-4e2c-8381-00c0ae59cbba" providerId="ADAL" clId="{A2913547-FF1A-A74F-97FD-C05A29EC8E03}" dt="2024-10-02T13:00:39.216" v="47" actId="478"/>
+          <ac:picMkLst>
+            <pc:docMk/>
+            <pc:sldMk cId="2763222539" sldId="385"/>
+            <ac:picMk id="15" creationId="{E0628A8D-F931-57D7-7051-607388482740}"/>
+          </ac:picMkLst>
+        </pc:picChg>
+        <pc:picChg chg="add mod">
+          <ac:chgData name="Duncan Paul Attard" userId="47daa79a-fd55-4e2c-8381-00c0ae59cbba" providerId="ADAL" clId="{A2913547-FF1A-A74F-97FD-C05A29EC8E03}" dt="2024-10-03T09:18:35.451" v="199" actId="1076"/>
+          <ac:picMkLst>
+            <pc:docMk/>
+            <pc:sldMk cId="2763222539" sldId="385"/>
+            <ac:picMk id="19" creationId="{B676E526-97B5-9577-D18C-93B288C6767E}"/>
+          </ac:picMkLst>
+        </pc:picChg>
+        <pc:picChg chg="add del mod">
+          <ac:chgData name="Duncan Paul Attard" userId="47daa79a-fd55-4e2c-8381-00c0ae59cbba" providerId="ADAL" clId="{A2913547-FF1A-A74F-97FD-C05A29EC8E03}" dt="2024-10-02T13:09:53.543" v="59" actId="478"/>
+          <ac:picMkLst>
+            <pc:docMk/>
+            <pc:sldMk cId="2763222539" sldId="385"/>
+            <ac:picMk id="21" creationId="{F1EF063D-F47A-1B05-8C28-305BA7365213}"/>
+          </ac:picMkLst>
+        </pc:picChg>
+        <pc:picChg chg="add del mod">
+          <ac:chgData name="Duncan Paul Attard" userId="47daa79a-fd55-4e2c-8381-00c0ae59cbba" providerId="ADAL" clId="{A2913547-FF1A-A74F-97FD-C05A29EC8E03}" dt="2024-10-02T13:10:19.562" v="65" actId="478"/>
+          <ac:picMkLst>
+            <pc:docMk/>
+            <pc:sldMk cId="2763222539" sldId="385"/>
+            <ac:picMk id="23" creationId="{84F53D37-CEE7-24C1-6FCD-E88BB8981126}"/>
+          </ac:picMkLst>
+        </pc:picChg>
+        <pc:picChg chg="add mod">
+          <ac:chgData name="Duncan Paul Attard" userId="47daa79a-fd55-4e2c-8381-00c0ae59cbba" providerId="ADAL" clId="{A2913547-FF1A-A74F-97FD-C05A29EC8E03}" dt="2024-10-02T13:11:30.666" v="72" actId="1076"/>
+          <ac:picMkLst>
+            <pc:docMk/>
+            <pc:sldMk cId="2763222539" sldId="385"/>
+            <ac:picMk id="25" creationId="{861A6F77-5361-E020-B1A5-4BF5732DC0D4}"/>
+          </ac:picMkLst>
+        </pc:picChg>
+      </pc:sldChg>
+      <pc:sldChg chg="addSp delSp modSp mod delAnim modAnim">
+        <pc:chgData name="Duncan Paul Attard" userId="47daa79a-fd55-4e2c-8381-00c0ae59cbba" providerId="ADAL" clId="{A2913547-FF1A-A74F-97FD-C05A29EC8E03}" dt="2024-10-09T15:58:36.270" v="1085" actId="20577"/>
+        <pc:sldMkLst>
+          <pc:docMk/>
+          <pc:sldMk cId="4138616899" sldId="386"/>
+        </pc:sldMkLst>
+        <pc:spChg chg="mod">
+          <ac:chgData name="Duncan Paul Attard" userId="47daa79a-fd55-4e2c-8381-00c0ae59cbba" providerId="ADAL" clId="{A2913547-FF1A-A74F-97FD-C05A29EC8E03}" dt="2024-10-09T11:34:30.923" v="1047" actId="313"/>
+          <ac:spMkLst>
+            <pc:docMk/>
+            <pc:sldMk cId="4138616899" sldId="386"/>
+            <ac:spMk id="2" creationId="{E93D139A-4CB0-08BF-01C3-2E84CB4D2D2C}"/>
+          </ac:spMkLst>
+        </pc:spChg>
+        <pc:spChg chg="mod">
+          <ac:chgData name="Duncan Paul Attard" userId="47daa79a-fd55-4e2c-8381-00c0ae59cbba" providerId="ADAL" clId="{A2913547-FF1A-A74F-97FD-C05A29EC8E03}" dt="2024-10-09T15:58:36.270" v="1085" actId="20577"/>
+          <ac:spMkLst>
+            <pc:docMk/>
+            <pc:sldMk cId="4138616899" sldId="386"/>
+            <ac:spMk id="12" creationId="{C59F10A8-0A19-2085-1022-5A376FA019D2}"/>
+          </ac:spMkLst>
+        </pc:spChg>
+        <pc:picChg chg="add del mod">
+          <ac:chgData name="Duncan Paul Attard" userId="47daa79a-fd55-4e2c-8381-00c0ae59cbba" providerId="ADAL" clId="{A2913547-FF1A-A74F-97FD-C05A29EC8E03}" dt="2024-10-09T15:55:59.718" v="1051" actId="478"/>
+          <ac:picMkLst>
+            <pc:docMk/>
+            <pc:sldMk cId="4138616899" sldId="386"/>
+            <ac:picMk id="3" creationId="{8348D48E-F25A-D50F-1BD8-17B46418ED4F}"/>
+          </ac:picMkLst>
+        </pc:picChg>
+        <pc:picChg chg="add mod">
+          <ac:chgData name="Duncan Paul Attard" userId="47daa79a-fd55-4e2c-8381-00c0ae59cbba" providerId="ADAL" clId="{A2913547-FF1A-A74F-97FD-C05A29EC8E03}" dt="2024-10-09T15:58:20.143" v="1078" actId="1076"/>
+          <ac:picMkLst>
+            <pc:docMk/>
+            <pc:sldMk cId="4138616899" sldId="386"/>
+            <ac:picMk id="4" creationId="{C2A508A7-9497-D950-062B-5A4E58C1E5A8}"/>
+          </ac:picMkLst>
+        </pc:picChg>
+        <pc:picChg chg="del">
+          <ac:chgData name="Duncan Paul Attard" userId="47daa79a-fd55-4e2c-8381-00c0ae59cbba" providerId="ADAL" clId="{A2913547-FF1A-A74F-97FD-C05A29EC8E03}" dt="2024-10-09T11:26:00.571" v="1033" actId="478"/>
+          <ac:picMkLst>
+            <pc:docMk/>
+            <pc:sldMk cId="4138616899" sldId="386"/>
+            <ac:picMk id="10" creationId="{1DEA999B-1FFA-9932-D552-D5ECA0ADC356}"/>
+          </ac:picMkLst>
+        </pc:picChg>
+      </pc:sldChg>
+      <pc:sldChg chg="addSp modSp add mod">
+        <pc:chgData name="Duncan Paul Attard" userId="47daa79a-fd55-4e2c-8381-00c0ae59cbba" providerId="ADAL" clId="{A2913547-FF1A-A74F-97FD-C05A29EC8E03}" dt="2024-10-09T16:14:23.119" v="1284" actId="20577"/>
+        <pc:sldMkLst>
+          <pc:docMk/>
+          <pc:sldMk cId="1378534945" sldId="387"/>
+        </pc:sldMkLst>
+        <pc:spChg chg="mod">
+          <ac:chgData name="Duncan Paul Attard" userId="47daa79a-fd55-4e2c-8381-00c0ae59cbba" providerId="ADAL" clId="{A2913547-FF1A-A74F-97FD-C05A29EC8E03}" dt="2024-10-09T16:14:23.119" v="1284" actId="20577"/>
+          <ac:spMkLst>
+            <pc:docMk/>
+            <pc:sldMk cId="1378534945" sldId="387"/>
+            <ac:spMk id="2" creationId="{CEDD0320-35F1-0522-2313-D0939551ABB9}"/>
+          </ac:spMkLst>
+        </pc:spChg>
+        <pc:spChg chg="add mod">
+          <ac:chgData name="Duncan Paul Attard" userId="47daa79a-fd55-4e2c-8381-00c0ae59cbba" providerId="ADAL" clId="{A2913547-FF1A-A74F-97FD-C05A29EC8E03}" dt="2024-10-09T10:36:50.016" v="1032" actId="20577"/>
+          <ac:spMkLst>
+            <pc:docMk/>
+            <pc:sldMk cId="1378534945" sldId="387"/>
+            <ac:spMk id="4" creationId="{44779A58-41AF-8919-D403-B43BC55A95DC}"/>
+          </ac:spMkLst>
+        </pc:spChg>
+        <pc:graphicFrameChg chg="mod modGraphic">
+          <ac:chgData name="Duncan Paul Attard" userId="47daa79a-fd55-4e2c-8381-00c0ae59cbba" providerId="ADAL" clId="{A2913547-FF1A-A74F-97FD-C05A29EC8E03}" dt="2024-10-09T10:24:17.207" v="1025" actId="2165"/>
+          <ac:graphicFrameMkLst>
+            <pc:docMk/>
+            <pc:sldMk cId="1378534945" sldId="387"/>
+            <ac:graphicFrameMk id="6" creationId="{7922B6BF-BAE4-2848-C243-DAA3901F7C50}"/>
+          </ac:graphicFrameMkLst>
+        </pc:graphicFrameChg>
+      </pc:sldChg>
+      <pc:sldChg chg="addSp delSp modSp new del mod">
+        <pc:chgData name="Duncan Paul Attard" userId="47daa79a-fd55-4e2c-8381-00c0ae59cbba" providerId="ADAL" clId="{A2913547-FF1A-A74F-97FD-C05A29EC8E03}" dt="2024-10-09T16:41:38.875" v="1424" actId="2696"/>
+        <pc:sldMkLst>
+          <pc:docMk/>
+          <pc:sldMk cId="965464411" sldId="388"/>
+        </pc:sldMkLst>
+        <pc:picChg chg="add del mod">
+          <ac:chgData name="Duncan Paul Attard" userId="47daa79a-fd55-4e2c-8381-00c0ae59cbba" providerId="ADAL" clId="{A2913547-FF1A-A74F-97FD-C05A29EC8E03}" dt="2024-10-09T15:52:45.786" v="1050" actId="21"/>
+          <ac:picMkLst>
+            <pc:docMk/>
+            <pc:sldMk cId="965464411" sldId="388"/>
+            <ac:picMk id="2" creationId="{59138F3D-3380-82BA-1C76-A3E88CD86D4A}"/>
+          </ac:picMkLst>
+        </pc:picChg>
+      </pc:sldChg>
+      <pc:sldChg chg="addSp delSp modSp new mod modAnim">
+        <pc:chgData name="Duncan Paul Attard" userId="47daa79a-fd55-4e2c-8381-00c0ae59cbba" providerId="ADAL" clId="{A2913547-FF1A-A74F-97FD-C05A29EC8E03}" dt="2024-10-10T13:52:50.541" v="1992" actId="20577"/>
+        <pc:sldMkLst>
+          <pc:docMk/>
+          <pc:sldMk cId="1718668675" sldId="389"/>
+        </pc:sldMkLst>
+        <pc:spChg chg="mod">
+          <ac:chgData name="Duncan Paul Attard" userId="47daa79a-fd55-4e2c-8381-00c0ae59cbba" providerId="ADAL" clId="{A2913547-FF1A-A74F-97FD-C05A29EC8E03}" dt="2024-10-09T16:21:56.577" v="1315" actId="2711"/>
+          <ac:spMkLst>
+            <pc:docMk/>
+            <pc:sldMk cId="1718668675" sldId="389"/>
+            <ac:spMk id="2" creationId="{2FEDD4CD-5DCF-2E3A-1DEA-54A2106672BF}"/>
+          </ac:spMkLst>
+        </pc:spChg>
+        <pc:spChg chg="del">
+          <ac:chgData name="Duncan Paul Attard" userId="47daa79a-fd55-4e2c-8381-00c0ae59cbba" providerId="ADAL" clId="{A2913547-FF1A-A74F-97FD-C05A29EC8E03}" dt="2024-10-09T16:00:49.506" v="1087" actId="478"/>
+          <ac:spMkLst>
+            <pc:docMk/>
+            <pc:sldMk cId="1718668675" sldId="389"/>
+            <ac:spMk id="3" creationId="{D6924A5A-5F3A-FD16-BCB8-49005829FE2E}"/>
+          </ac:spMkLst>
+        </pc:spChg>
+        <pc:spChg chg="mod">
+          <ac:chgData name="Duncan Paul Attard" userId="47daa79a-fd55-4e2c-8381-00c0ae59cbba" providerId="ADAL" clId="{A2913547-FF1A-A74F-97FD-C05A29EC8E03}" dt="2024-10-09T16:06:11.823" v="1243" actId="1076"/>
+          <ac:spMkLst>
+            <pc:docMk/>
+            <pc:sldMk cId="1718668675" sldId="389"/>
+            <ac:spMk id="4" creationId="{6B947030-E6ED-627C-5048-43EBDD39AECA}"/>
+          </ac:spMkLst>
+        </pc:spChg>
+        <pc:spChg chg="add mod">
+          <ac:chgData name="Duncan Paul Attard" userId="47daa79a-fd55-4e2c-8381-00c0ae59cbba" providerId="ADAL" clId="{A2913547-FF1A-A74F-97FD-C05A29EC8E03}" dt="2024-10-09T16:25:32.529" v="1341" actId="113"/>
+          <ac:spMkLst>
+            <pc:docMk/>
+            <pc:sldMk cId="1718668675" sldId="389"/>
+            <ac:spMk id="5" creationId="{1F5D3B3D-9961-7FE2-7E65-1907E7C8FE73}"/>
+          </ac:spMkLst>
+        </pc:spChg>
+        <pc:spChg chg="add mod">
+          <ac:chgData name="Duncan Paul Attard" userId="47daa79a-fd55-4e2c-8381-00c0ae59cbba" providerId="ADAL" clId="{A2913547-FF1A-A74F-97FD-C05A29EC8E03}" dt="2024-10-10T13:52:22.560" v="1990" actId="20577"/>
+          <ac:spMkLst>
+            <pc:docMk/>
+            <pc:sldMk cId="1718668675" sldId="389"/>
+            <ac:spMk id="12" creationId="{0C5920E2-D241-5CB1-0854-26B4994F2034}"/>
+          </ac:spMkLst>
+        </pc:spChg>
+        <pc:spChg chg="add mod">
+          <ac:chgData name="Duncan Paul Attard" userId="47daa79a-fd55-4e2c-8381-00c0ae59cbba" providerId="ADAL" clId="{A2913547-FF1A-A74F-97FD-C05A29EC8E03}" dt="2024-10-10T13:52:50.541" v="1992" actId="20577"/>
+          <ac:spMkLst>
+            <pc:docMk/>
+            <pc:sldMk cId="1718668675" sldId="389"/>
+            <ac:spMk id="13" creationId="{66D0F75D-91F4-77CE-D475-DE6862849303}"/>
+          </ac:spMkLst>
+        </pc:spChg>
+        <pc:picChg chg="add mod">
+          <ac:chgData name="Duncan Paul Attard" userId="47daa79a-fd55-4e2c-8381-00c0ae59cbba" providerId="ADAL" clId="{A2913547-FF1A-A74F-97FD-C05A29EC8E03}" dt="2024-10-10T13:34:55.621" v="1879" actId="1076"/>
+          <ac:picMkLst>
+            <pc:docMk/>
+            <pc:sldMk cId="1718668675" sldId="389"/>
+            <ac:picMk id="6" creationId="{829C384A-C273-0816-9E2D-E124426C2231}"/>
+          </ac:picMkLst>
+        </pc:picChg>
+        <pc:picChg chg="add del mod modCrop">
+          <ac:chgData name="Duncan Paul Attard" userId="47daa79a-fd55-4e2c-8381-00c0ae59cbba" providerId="ADAL" clId="{A2913547-FF1A-A74F-97FD-C05A29EC8E03}" dt="2024-10-10T13:19:40.879" v="1778" actId="478"/>
+          <ac:picMkLst>
+            <pc:docMk/>
+            <pc:sldMk cId="1718668675" sldId="389"/>
+            <ac:picMk id="7" creationId="{3ED0050C-50F3-A586-0BEB-B12F441E45A4}"/>
+          </ac:picMkLst>
+        </pc:picChg>
+        <pc:picChg chg="add mod modCrop">
+          <ac:chgData name="Duncan Paul Attard" userId="47daa79a-fd55-4e2c-8381-00c0ae59cbba" providerId="ADAL" clId="{A2913547-FF1A-A74F-97FD-C05A29EC8E03}" dt="2024-10-10T13:23:15.159" v="1788" actId="18131"/>
+          <ac:picMkLst>
+            <pc:docMk/>
+            <pc:sldMk cId="1718668675" sldId="389"/>
+            <ac:picMk id="8" creationId="{64F64067-AA74-52A7-E067-422148A7E55F}"/>
+          </ac:picMkLst>
+        </pc:picChg>
+        <pc:picChg chg="add del mod modCrop">
+          <ac:chgData name="Duncan Paul Attard" userId="47daa79a-fd55-4e2c-8381-00c0ae59cbba" providerId="ADAL" clId="{A2913547-FF1A-A74F-97FD-C05A29EC8E03}" dt="2024-10-10T13:35:32.911" v="1883" actId="478"/>
+          <ac:picMkLst>
+            <pc:docMk/>
+            <pc:sldMk cId="1718668675" sldId="389"/>
+            <ac:picMk id="9" creationId="{5E5CF0E1-A96D-72D1-BE47-90F539D9E75B}"/>
+          </ac:picMkLst>
+        </pc:picChg>
+        <pc:picChg chg="add del mod modCrop">
+          <ac:chgData name="Duncan Paul Attard" userId="47daa79a-fd55-4e2c-8381-00c0ae59cbba" providerId="ADAL" clId="{A2913547-FF1A-A74F-97FD-C05A29EC8E03}" dt="2024-10-10T13:26:57.048" v="1835" actId="478"/>
+          <ac:picMkLst>
+            <pc:docMk/>
+            <pc:sldMk cId="1718668675" sldId="389"/>
+            <ac:picMk id="10" creationId="{C95018E8-2F65-44AF-A286-F4E09D0D8831}"/>
+          </ac:picMkLst>
+        </pc:picChg>
+        <pc:picChg chg="add del mod modCrop">
+          <ac:chgData name="Duncan Paul Attard" userId="47daa79a-fd55-4e2c-8381-00c0ae59cbba" providerId="ADAL" clId="{A2913547-FF1A-A74F-97FD-C05A29EC8E03}" dt="2024-10-10T13:35:34.066" v="1884" actId="478"/>
+          <ac:picMkLst>
+            <pc:docMk/>
+            <pc:sldMk cId="1718668675" sldId="389"/>
+            <ac:picMk id="11" creationId="{A6E40F1E-A840-6098-010D-821BB35241EC}"/>
+          </ac:picMkLst>
+        </pc:picChg>
+      </pc:sldChg>
+      <pc:sldChg chg="add mod modShow">
+        <pc:chgData name="Duncan Paul Attard" userId="47daa79a-fd55-4e2c-8381-00c0ae59cbba" providerId="ADAL" clId="{A2913547-FF1A-A74F-97FD-C05A29EC8E03}" dt="2024-10-09T16:07:01.298" v="1246" actId="729"/>
+        <pc:sldMkLst>
+          <pc:docMk/>
+          <pc:sldMk cId="2989468998" sldId="390"/>
+        </pc:sldMkLst>
+      </pc:sldChg>
+      <pc:sldChg chg="modTransition modAnim">
+        <pc:chgData name="Duncan Paul Attard" userId="47daa79a-fd55-4e2c-8381-00c0ae59cbba" providerId="ADAL" clId="{A2913547-FF1A-A74F-97FD-C05A29EC8E03}" dt="2024-10-10T12:52:45.380" v="1615"/>
+        <pc:sldMkLst>
+          <pc:docMk/>
+          <pc:sldMk cId="3720411116" sldId="391"/>
+        </pc:sldMkLst>
+      </pc:sldChg>
+      <pc:sldChg chg="del">
+        <pc:chgData name="Duncan Paul Attard" userId="47daa79a-fd55-4e2c-8381-00c0ae59cbba" providerId="ADAL" clId="{A2913547-FF1A-A74F-97FD-C05A29EC8E03}" dt="2024-10-10T12:51:46.944" v="1609" actId="2696"/>
+        <pc:sldMkLst>
+          <pc:docMk/>
+          <pc:sldMk cId="503606555" sldId="392"/>
+        </pc:sldMkLst>
+      </pc:sldChg>
+      <pc:sldChg chg="add mod modShow">
+        <pc:chgData name="Duncan Paul Attard" userId="47daa79a-fd55-4e2c-8381-00c0ae59cbba" providerId="ADAL" clId="{A2913547-FF1A-A74F-97FD-C05A29EC8E03}" dt="2024-10-10T12:52:35.237" v="1611" actId="729"/>
+        <pc:sldMkLst>
+          <pc:docMk/>
+          <pc:sldMk cId="3463388284" sldId="392"/>
+        </pc:sldMkLst>
+      </pc:sldChg>
+      <pc:sldChg chg="add mod modTransition modShow">
+        <pc:chgData name="Duncan Paul Attard" userId="47daa79a-fd55-4e2c-8381-00c0ae59cbba" providerId="ADAL" clId="{A2913547-FF1A-A74F-97FD-C05A29EC8E03}" dt="2024-10-10T14:06:00.060" v="2023" actId="729"/>
+        <pc:sldMkLst>
+          <pc:docMk/>
+          <pc:sldMk cId="1445797005" sldId="393"/>
+        </pc:sldMkLst>
+      </pc:sldChg>
+      <pc:sldChg chg="modSp add mod">
+        <pc:chgData name="Duncan Paul Attard" userId="47daa79a-fd55-4e2c-8381-00c0ae59cbba" providerId="ADAL" clId="{A2913547-FF1A-A74F-97FD-C05A29EC8E03}" dt="2024-10-11T09:30:24.336" v="2105" actId="113"/>
+        <pc:sldMkLst>
+          <pc:docMk/>
+          <pc:sldMk cId="3328050851" sldId="394"/>
+        </pc:sldMkLst>
+        <pc:spChg chg="mod">
+          <ac:chgData name="Duncan Paul Attard" userId="47daa79a-fd55-4e2c-8381-00c0ae59cbba" providerId="ADAL" clId="{A2913547-FF1A-A74F-97FD-C05A29EC8E03}" dt="2024-10-11T09:29:50.698" v="2101" actId="113"/>
+          <ac:spMkLst>
+            <pc:docMk/>
+            <pc:sldMk cId="3328050851" sldId="394"/>
+            <ac:spMk id="3" creationId="{3F4DD495-9E56-3239-BDB0-5B91FC903AE0}"/>
+          </ac:spMkLst>
+        </pc:spChg>
+        <pc:spChg chg="mod">
+          <ac:chgData name="Duncan Paul Attard" userId="47daa79a-fd55-4e2c-8381-00c0ae59cbba" providerId="ADAL" clId="{A2913547-FF1A-A74F-97FD-C05A29EC8E03}" dt="2024-10-11T09:30:24.336" v="2105" actId="113"/>
+          <ac:spMkLst>
+            <pc:docMk/>
+            <pc:sldMk cId="3328050851" sldId="394"/>
+            <ac:spMk id="10" creationId="{0055A93B-5785-0143-EF6A-7441C5DEFBF5}"/>
+          </ac:spMkLst>
+        </pc:spChg>
+      </pc:sldChg>
+      <pc:sldChg chg="addSp delSp modSp new mod ord">
+        <pc:chgData name="Duncan Paul Attard" userId="47daa79a-fd55-4e2c-8381-00c0ae59cbba" providerId="ADAL" clId="{A2913547-FF1A-A74F-97FD-C05A29EC8E03}" dt="2024-10-11T14:41:46.774" v="2478" actId="20577"/>
+        <pc:sldMkLst>
+          <pc:docMk/>
+          <pc:sldMk cId="2092634025" sldId="396"/>
+        </pc:sldMkLst>
+        <pc:spChg chg="mod">
+          <ac:chgData name="Duncan Paul Attard" userId="47daa79a-fd55-4e2c-8381-00c0ae59cbba" providerId="ADAL" clId="{A2913547-FF1A-A74F-97FD-C05A29EC8E03}" dt="2024-10-11T10:13:21.380" v="2382" actId="20577"/>
+          <ac:spMkLst>
+            <pc:docMk/>
+            <pc:sldMk cId="2092634025" sldId="396"/>
+            <ac:spMk id="2" creationId="{7772168C-DD6E-04F8-39F6-EF48293D1980}"/>
+          </ac:spMkLst>
+        </pc:spChg>
+        <pc:spChg chg="del">
+          <ac:chgData name="Duncan Paul Attard" userId="47daa79a-fd55-4e2c-8381-00c0ae59cbba" providerId="ADAL" clId="{A2913547-FF1A-A74F-97FD-C05A29EC8E03}" dt="2024-10-11T10:03:51.974" v="2133" actId="478"/>
+          <ac:spMkLst>
+            <pc:docMk/>
+            <pc:sldMk cId="2092634025" sldId="396"/>
+            <ac:spMk id="3" creationId="{4BB4FFB0-9F82-7F71-78F0-212D8E91050A}"/>
+          </ac:spMkLst>
+        </pc:spChg>
+        <pc:spChg chg="mod">
+          <ac:chgData name="Duncan Paul Attard" userId="47daa79a-fd55-4e2c-8381-00c0ae59cbba" providerId="ADAL" clId="{A2913547-FF1A-A74F-97FD-C05A29EC8E03}" dt="2024-10-11T14:41:46.774" v="2478" actId="20577"/>
+          <ac:spMkLst>
+            <pc:docMk/>
+            <pc:sldMk cId="2092634025" sldId="396"/>
+            <ac:spMk id="4" creationId="{F19E8FEA-6B1D-9351-FDA1-0947885F0222}"/>
+          </ac:spMkLst>
+        </pc:spChg>
+        <pc:spChg chg="add del mod">
+          <ac:chgData name="Duncan Paul Attard" userId="47daa79a-fd55-4e2c-8381-00c0ae59cbba" providerId="ADAL" clId="{A2913547-FF1A-A74F-97FD-C05A29EC8E03}" dt="2024-10-11T10:13:24.726" v="2383" actId="478"/>
+          <ac:spMkLst>
+            <pc:docMk/>
+            <pc:sldMk cId="2092634025" sldId="396"/>
+            <ac:spMk id="5" creationId="{5E887769-F103-8B0A-37DB-C69AA548A66D}"/>
+          </ac:spMkLst>
+        </pc:spChg>
+        <pc:spChg chg="add del mod">
+          <ac:chgData name="Duncan Paul Attard" userId="47daa79a-fd55-4e2c-8381-00c0ae59cbba" providerId="ADAL" clId="{A2913547-FF1A-A74F-97FD-C05A29EC8E03}" dt="2024-10-11T10:23:13.930" v="2446" actId="478"/>
+          <ac:spMkLst>
+            <pc:docMk/>
+            <pc:sldMk cId="2092634025" sldId="396"/>
+            <ac:spMk id="6" creationId="{86295505-D018-EF18-466C-6478BDC1D4E4}"/>
+          </ac:spMkLst>
+        </pc:spChg>
+        <pc:spChg chg="add del mod">
+          <ac:chgData name="Duncan Paul Attard" userId="47daa79a-fd55-4e2c-8381-00c0ae59cbba" providerId="ADAL" clId="{A2913547-FF1A-A74F-97FD-C05A29EC8E03}" dt="2024-10-11T10:18:38.138" v="2443" actId="478"/>
+          <ac:spMkLst>
+            <pc:docMk/>
+            <pc:sldMk cId="2092634025" sldId="396"/>
+            <ac:spMk id="7" creationId="{E033193A-FF87-E1A8-7F43-1E8D969E1298}"/>
+          </ac:spMkLst>
+        </pc:spChg>
+        <pc:picChg chg="add del mod">
+          <ac:chgData name="Duncan Paul Attard" userId="47daa79a-fd55-4e2c-8381-00c0ae59cbba" providerId="ADAL" clId="{A2913547-FF1A-A74F-97FD-C05A29EC8E03}" dt="2024-10-11T10:24:34.462" v="2447" actId="478"/>
+          <ac:picMkLst>
+            <pc:docMk/>
+            <pc:sldMk cId="2092634025" sldId="396"/>
+            <ac:picMk id="3" creationId="{4E185770-CB22-D849-B99E-58A8504E549D}"/>
+          </ac:picMkLst>
+        </pc:picChg>
+        <pc:picChg chg="add del mod">
+          <ac:chgData name="Duncan Paul Attard" userId="47daa79a-fd55-4e2c-8381-00c0ae59cbba" providerId="ADAL" clId="{A2913547-FF1A-A74F-97FD-C05A29EC8E03}" dt="2024-10-11T10:25:42.601" v="2472" actId="478"/>
+          <ac:picMkLst>
+            <pc:docMk/>
+            <pc:sldMk cId="2092634025" sldId="396"/>
+            <ac:picMk id="8" creationId="{A48DF60B-8399-6AFB-0D36-07CD0422430F}"/>
+          </ac:picMkLst>
+        </pc:picChg>
+        <pc:picChg chg="add mod">
+          <ac:chgData name="Duncan Paul Attard" userId="47daa79a-fd55-4e2c-8381-00c0ae59cbba" providerId="ADAL" clId="{A2913547-FF1A-A74F-97FD-C05A29EC8E03}" dt="2024-10-11T10:26:03.015" v="2475" actId="1076"/>
+          <ac:picMkLst>
+            <pc:docMk/>
+            <pc:sldMk cId="2092634025" sldId="396"/>
+            <ac:picMk id="9" creationId="{752EA152-137C-FB9A-C598-9BFF61D4761E}"/>
+          </ac:picMkLst>
+        </pc:picChg>
+      </pc:sldChg>
+    </pc:docChg>
+  </pc:docChgLst>
+</pc:chgInfo>
 </file>
 
 <file path=ppt/notesMasters/notesMaster1.xml><?xml version="1.0" encoding="utf-8"?>
@@ -245,7 +2728,7 @@
           <a:p>
             <a:fld id="{7EBE908D-0D43-C24E-B86C-472C8E8146AA}" type="datetimeFigureOut">
               <a:rPr lang="en-US" smtClean="0"/>
-              <a:t>10/18/24</a:t>
+              <a:t>12/4/24</a:t>
             </a:fld>
             <a:endParaRPr lang="en-US"/>
           </a:p>
@@ -4376,7 +6859,7 @@
             <a:fld id="{7A95C6F8-54B1-8343-8E9C-ECA1F9779677}" type="datetimeFigureOut">
               <a:rPr lang="en-US" smtClean="0"/>
               <a:pPr/>
-              <a:t>10/18/24</a:t>
+              <a:t>12/4/24</a:t>
             </a:fld>
             <a:endParaRPr lang="en-US"/>
           </a:p>
@@ -4930,7 +7413,7 @@
           <a:p>
             <a:fld id="{7A95C6F8-54B1-8343-8E9C-ECA1F9779677}" type="datetimeFigureOut">
               <a:rPr lang="en-US" smtClean="0"/>
-              <a:t>10/18/24</a:t>
+              <a:t>12/4/24</a:t>
             </a:fld>
             <a:endParaRPr lang="en-US"/>
           </a:p>
@@ -5164,7 +7647,7 @@
           <a:p>
             <a:fld id="{7A95C6F8-54B1-8343-8E9C-ECA1F9779677}" type="datetimeFigureOut">
               <a:rPr lang="en-US" smtClean="0"/>
-              <a:t>10/18/24</a:t>
+              <a:t>12/4/24</a:t>
             </a:fld>
             <a:endParaRPr lang="en-US"/>
           </a:p>
@@ -6018,7 +8501,7 @@
             <a:fld id="{7A95C6F8-54B1-8343-8E9C-ECA1F9779677}" type="datetimeFigureOut">
               <a:rPr lang="en-US" smtClean="0"/>
               <a:pPr/>
-              <a:t>10/18/24</a:t>
+              <a:t>12/4/24</a:t>
             </a:fld>
             <a:endParaRPr lang="en-US"/>
           </a:p>
@@ -6982,7 +9465,7 @@
           <a:p>
             <a:fld id="{7A95C6F8-54B1-8343-8E9C-ECA1F9779677}" type="datetimeFigureOut">
               <a:rPr lang="en-US" smtClean="0"/>
-              <a:t>10/18/24</a:t>
+              <a:t>12/4/24</a:t>
             </a:fld>
             <a:endParaRPr lang="en-US"/>
           </a:p>
@@ -9940,48 +12423,48 @@
           <a:lstStyle/>
           <a:p>
             <a:r>
-              <a:rPr lang="en-GB" sz="2600">
+              <a:rPr lang="en-GB" sz="2600" dirty="0">
                 <a:latin typeface="Segoe UI Light"/>
                 <a:cs typeface="Segoe UI Light"/>
               </a:rPr>
               <a:t>Types describe </a:t>
             </a:r>
             <a:r>
-              <a:rPr lang="en-GB" sz="2600" b="1">
+              <a:rPr lang="en-GB" sz="2600" b="1" dirty="0">
                 <a:latin typeface="Segoe UI Light"/>
                 <a:cs typeface="Segoe UI Light"/>
               </a:rPr>
-              <a:t>protocol interaction</a:t>
-            </a:r>
-          </a:p>
-          <a:p>
-            <a:endParaRPr lang="en-GB" sz="2600">
+              <a:t>interaction</a:t>
+            </a:r>
+          </a:p>
+          <a:p>
+            <a:endParaRPr lang="en-GB" sz="2600" dirty="0">
               <a:latin typeface="Segoe UI Light"/>
               <a:cs typeface="Segoe UI Light"/>
             </a:endParaRPr>
           </a:p>
           <a:p>
             <a:r>
-              <a:rPr lang="en-GB" sz="2600">
+              <a:rPr lang="en-GB" sz="2600" dirty="0">
                 <a:latin typeface="Segoe UI Light"/>
                 <a:cs typeface="Segoe UI Light"/>
               </a:rPr>
               <a:t>Interactions match </a:t>
             </a:r>
             <a:r>
-              <a:rPr lang="en-GB" sz="2600" b="1">
+              <a:rPr lang="en-GB" sz="2600" b="1" dirty="0">
                 <a:latin typeface="Segoe UI Light"/>
                 <a:cs typeface="Segoe UI Light"/>
               </a:rPr>
               <a:t>expected protocols</a:t>
             </a:r>
-            <a:endParaRPr lang="en-GB">
+            <a:endParaRPr lang="en-GB" dirty="0">
               <a:latin typeface="Segoe UI Light"/>
               <a:cs typeface="Segoe UI Light"/>
             </a:endParaRPr>
           </a:p>
           <a:p>
-            <a:endParaRPr lang="en-GB" sz="2600"/>
+            <a:endParaRPr lang="en-GB" sz="2600" dirty="0"/>
           </a:p>
         </p:txBody>
       </p:sp>
@@ -14518,7 +17001,7 @@
               <a:buSzPct val="50000"/>
             </a:pPr>
             <a:r>
-              <a:rPr lang="en-US" sz="1700" b="1">
+              <a:rPr lang="en-US" sz="1700" b="1" dirty="0">
                 <a:solidFill>
                   <a:srgbClr val="7030A0"/>
                 </a:solidFill>
@@ -14526,10 +17009,10 @@
                 <a:ea typeface="Fira Code Light" pitchFamily="49" charset="0"/>
                 <a:cs typeface="Fira Code Light" pitchFamily="49" charset="0"/>
               </a:rPr>
-              <a:t>-spec</a:t>
-            </a:r>
-            <a:r>
-              <a:rPr lang="en-US" sz="1700">
+              <a:t>-type</a:t>
+            </a:r>
+            <a:r>
+              <a:rPr lang="en-US" sz="1700" dirty="0">
                 <a:solidFill>
                   <a:schemeClr val="bg2">
                     <a:lumMod val="25000"/>
@@ -14542,7 +17025,7 @@
               <a:t> </a:t>
             </a:r>
             <a:r>
-              <a:rPr lang="en-US" sz="1700" b="1">
+              <a:rPr lang="en-US" sz="1700" b="1" dirty="0">
                 <a:solidFill>
                   <a:schemeClr val="bg2">
                     <a:lumMod val="25000"/>
@@ -14555,7 +17038,7 @@
               <a:t>id</a:t>
             </a:r>
             <a:r>
-              <a:rPr lang="en-US" sz="1700">
+              <a:rPr lang="en-US" sz="1700" dirty="0">
                 <a:solidFill>
                   <a:schemeClr val="bg2">
                     <a:lumMod val="25000"/>
@@ -14568,7 +17051,7 @@
               <a:t> :: {</a:t>
             </a:r>
             <a:r>
-              <a:rPr lang="en-US" sz="1700">
+              <a:rPr lang="en-US" sz="1700" dirty="0">
                 <a:solidFill>
                   <a:schemeClr val="accent5">
                     <a:lumMod val="75000"/>
@@ -14581,7 +17064,7 @@
               <a:t>id</a:t>
             </a:r>
             <a:r>
-              <a:rPr lang="en-US" sz="1700">
+              <a:rPr lang="en-US" sz="1700" dirty="0">
                 <a:solidFill>
                   <a:schemeClr val="bg2">
                     <a:lumMod val="25000"/>
@@ -14594,7 +17077,7 @@
               <a:t>, </a:t>
             </a:r>
             <a:r>
-              <a:rPr lang="en-US" sz="1700" b="1">
+              <a:rPr lang="en-US" sz="1700" b="1" dirty="0">
                 <a:solidFill>
                   <a:schemeClr val="bg2">
                     <a:lumMod val="25000"/>
@@ -14607,7 +17090,7 @@
               <a:t>int</a:t>
             </a:r>
             <a:r>
-              <a:rPr lang="en-US" sz="1700">
+              <a:rPr lang="en-US" sz="1700" dirty="0">
                 <a:solidFill>
                   <a:schemeClr val="bg2">
                     <a:lumMod val="25000"/>
@@ -14634,7 +17117,7 @@
               <a:buSzPct val="50000"/>
             </a:pPr>
             <a:r>
-              <a:rPr lang="en-US" sz="1700" b="1">
+              <a:rPr lang="en-US" sz="1700" b="1" dirty="0">
                 <a:solidFill>
                   <a:srgbClr val="7030A0"/>
                 </a:solidFill>
@@ -14642,10 +17125,10 @@
                 <a:ea typeface="Fira Code Light" pitchFamily="49" charset="0"/>
                 <a:cs typeface="Fira Code Light" pitchFamily="49" charset="0"/>
               </a:rPr>
-              <a:t>-spec</a:t>
-            </a:r>
-            <a:r>
-              <a:rPr lang="en-US" sz="1700">
+              <a:t>-type</a:t>
+            </a:r>
+            <a:r>
+              <a:rPr lang="en-US" sz="1700" dirty="0">
                 <a:solidFill>
                   <a:schemeClr val="bg2">
                     <a:lumMod val="25000"/>
@@ -14658,7 +17141,7 @@
               <a:t> </a:t>
             </a:r>
             <a:r>
-              <a:rPr lang="en-US" sz="1700" b="1" err="1">
+              <a:rPr lang="en-US" sz="1700" b="1" dirty="0" err="1">
                 <a:solidFill>
                   <a:schemeClr val="bg2">
                     <a:lumMod val="25000"/>
@@ -14671,7 +17154,7 @@
               <a:t>id_client</a:t>
             </a:r>
             <a:r>
-              <a:rPr lang="en-US" sz="1700">
+              <a:rPr lang="en-US" sz="1700" dirty="0">
                 <a:solidFill>
                   <a:schemeClr val="bg2">
                     <a:lumMod val="25000"/>
@@ -14684,7 +17167,7 @@
               <a:t> :: </a:t>
             </a:r>
             <a:r>
-              <a:rPr lang="en-US" sz="1700" b="1">
+              <a:rPr lang="en-US" sz="1700" b="1" dirty="0">
                 <a:solidFill>
                   <a:schemeClr val="bg2">
                     <a:lumMod val="25000"/>
@@ -14697,7 +17180,7 @@
               <a:t>id</a:t>
             </a:r>
             <a:r>
-              <a:rPr lang="en-US" sz="1700">
+              <a:rPr lang="en-US" sz="1700" dirty="0">
                 <a:solidFill>
                   <a:schemeClr val="bg2">
                     <a:lumMod val="25000"/>
@@ -14724,7 +17207,7 @@
               <a:buSzPct val="50000"/>
             </a:pPr>
             <a:r>
-              <a:rPr lang="en-US" sz="1700" b="1">
+              <a:rPr lang="en-US" sz="1700" b="1" dirty="0">
                 <a:solidFill>
                   <a:srgbClr val="7030A0"/>
                 </a:solidFill>
@@ -14732,10 +17215,10 @@
                 <a:ea typeface="Fira Code Light" pitchFamily="49" charset="0"/>
                 <a:cs typeface="Fira Code Light" pitchFamily="49" charset="0"/>
               </a:rPr>
-              <a:t>-spec</a:t>
-            </a:r>
-            <a:r>
-              <a:rPr lang="en-US" sz="1700">
+              <a:t>-type</a:t>
+            </a:r>
+            <a:r>
+              <a:rPr lang="en-US" sz="1700" dirty="0">
                 <a:solidFill>
                   <a:schemeClr val="bg2">
                     <a:lumMod val="25000"/>
@@ -14748,7 +17231,7 @@
               <a:t> </a:t>
             </a:r>
             <a:r>
-              <a:rPr lang="en-US" sz="1700" b="1" err="1">
+              <a:rPr lang="en-US" sz="1700" b="1" dirty="0" err="1">
                 <a:solidFill>
                   <a:schemeClr val="bg2">
                     <a:lumMod val="25000"/>
@@ -14761,7 +17244,7 @@
               <a:t>init</a:t>
             </a:r>
             <a:r>
-              <a:rPr lang="en-US" sz="1700">
+              <a:rPr lang="en-US" sz="1700" dirty="0">
                 <a:solidFill>
                   <a:schemeClr val="bg2">
                     <a:lumMod val="25000"/>
@@ -14774,7 +17257,7 @@
               <a:t> :: {</a:t>
             </a:r>
             <a:r>
-              <a:rPr lang="en-US" sz="1700" err="1">
+              <a:rPr lang="en-US" sz="1700" dirty="0" err="1">
                 <a:solidFill>
                   <a:schemeClr val="accent5">
                     <a:lumMod val="75000"/>
@@ -14787,7 +17270,7 @@
               <a:t>init</a:t>
             </a:r>
             <a:r>
-              <a:rPr lang="en-US" sz="1700">
+              <a:rPr lang="en-US" sz="1700" dirty="0">
                 <a:solidFill>
                   <a:schemeClr val="bg2">
                     <a:lumMod val="25000"/>
@@ -14800,7 +17283,7 @@
               <a:t>, </a:t>
             </a:r>
             <a:r>
-              <a:rPr lang="en-US" sz="1700" b="1">
+              <a:rPr lang="en-US" sz="1700" b="1" dirty="0">
                 <a:solidFill>
                   <a:schemeClr val="bg2">
                     <a:lumMod val="25000"/>
@@ -14813,7 +17296,7 @@
               <a:t>int</a:t>
             </a:r>
             <a:r>
-              <a:rPr lang="en-US" sz="1700">
+              <a:rPr lang="en-US" sz="1700" dirty="0">
                 <a:solidFill>
                   <a:schemeClr val="bg2">
                     <a:lumMod val="25000"/>
@@ -14840,7 +17323,7 @@
               <a:buSzPct val="50000"/>
             </a:pPr>
             <a:r>
-              <a:rPr lang="en-US" sz="1700" b="1">
+              <a:rPr lang="en-US" sz="1700" b="1" dirty="0">
                 <a:solidFill>
                   <a:srgbClr val="7030A0"/>
                 </a:solidFill>
@@ -14848,10 +17331,10 @@
                 <a:ea typeface="Fira Code Light" pitchFamily="49" charset="0"/>
                 <a:cs typeface="Fira Code Light" pitchFamily="49" charset="0"/>
               </a:rPr>
-              <a:t>-spec</a:t>
-            </a:r>
-            <a:r>
-              <a:rPr lang="en-US" sz="1700">
+              <a:t>-type</a:t>
+            </a:r>
+            <a:r>
+              <a:rPr lang="en-US" sz="1700" dirty="0">
                 <a:solidFill>
                   <a:schemeClr val="bg2">
                     <a:lumMod val="25000"/>
@@ -14864,7 +17347,7 @@
               <a:t> </a:t>
             </a:r>
             <a:r>
-              <a:rPr lang="en-US" sz="1700" b="1">
+              <a:rPr lang="en-US" sz="1700" b="1" dirty="0">
                 <a:solidFill>
                   <a:schemeClr val="bg2">
                     <a:lumMod val="25000"/>
@@ -14877,7 +17360,7 @@
               <a:t>get</a:t>
             </a:r>
             <a:r>
-              <a:rPr lang="en-US" sz="1700">
+              <a:rPr lang="en-US" sz="1700" dirty="0">
                 <a:solidFill>
                   <a:schemeClr val="bg2">
                     <a:lumMod val="25000"/>
@@ -14890,7 +17373,7 @@
               <a:t> :: {</a:t>
             </a:r>
             <a:r>
-              <a:rPr lang="en-US" sz="1700">
+              <a:rPr lang="en-US" sz="1700" dirty="0">
                 <a:solidFill>
                   <a:schemeClr val="accent5">
                     <a:lumMod val="75000"/>
@@ -14903,7 +17386,7 @@
               <a:t>get</a:t>
             </a:r>
             <a:r>
-              <a:rPr lang="en-US" sz="1700">
+              <a:rPr lang="en-US" sz="1700" dirty="0">
                 <a:solidFill>
                   <a:schemeClr val="bg2">
                     <a:lumMod val="25000"/>
@@ -14916,7 +17399,7 @@
               <a:t>, </a:t>
             </a:r>
             <a:r>
-              <a:rPr lang="en-US" sz="1700" b="1" err="1">
+              <a:rPr lang="en-US" sz="1700" b="1" dirty="0" err="1">
                 <a:solidFill>
                   <a:schemeClr val="bg2">
                     <a:lumMod val="25000"/>
@@ -14929,7 +17412,7 @@
               <a:t>id_client</a:t>
             </a:r>
             <a:r>
-              <a:rPr lang="en-US" sz="1700">
+              <a:rPr lang="en-US" sz="1700" dirty="0">
                 <a:solidFill>
                   <a:schemeClr val="bg2">
                     <a:lumMod val="25000"/>
@@ -14956,7 +17439,7 @@
               <a:buSzPct val="50000"/>
             </a:pPr>
             <a:r>
-              <a:rPr lang="en-US" sz="1700" b="1">
+              <a:rPr lang="en-US" sz="1700" b="1" dirty="0">
                 <a:solidFill>
                   <a:srgbClr val="7030A0"/>
                 </a:solidFill>
@@ -14964,10 +17447,10 @@
                 <a:ea typeface="Fira Code Light" pitchFamily="49" charset="0"/>
                 <a:cs typeface="Fira Code Light" pitchFamily="49" charset="0"/>
               </a:rPr>
-              <a:t>-spec</a:t>
-            </a:r>
-            <a:r>
-              <a:rPr lang="en-US" sz="1700">
+              <a:t>-type</a:t>
+            </a:r>
+            <a:r>
+              <a:rPr lang="en-US" sz="1700" dirty="0">
                 <a:solidFill>
                   <a:schemeClr val="bg2">
                     <a:lumMod val="25000"/>
@@ -14980,7 +17463,7 @@
               <a:t> </a:t>
             </a:r>
             <a:r>
-              <a:rPr lang="en-US" sz="1700" b="1" err="1">
+              <a:rPr lang="en-US" sz="1700" b="1" dirty="0" err="1">
                 <a:solidFill>
                   <a:schemeClr val="bg2">
                     <a:lumMod val="25000"/>
@@ -14993,7 +17476,7 @@
               <a:t>id_server</a:t>
             </a:r>
             <a:r>
-              <a:rPr lang="en-US" sz="1700">
+              <a:rPr lang="en-US" sz="1700" dirty="0">
                 <a:solidFill>
                   <a:schemeClr val="bg2">
                     <a:lumMod val="25000"/>
@@ -15006,7 +17489,7 @@
               <a:t> :: </a:t>
             </a:r>
             <a:r>
-              <a:rPr lang="en-US" sz="1700" b="1" err="1">
+              <a:rPr lang="en-US" sz="1700" b="1" dirty="0" err="1">
                 <a:solidFill>
                   <a:schemeClr val="bg2">
                     <a:lumMod val="25000"/>
@@ -15019,7 +17502,7 @@
               <a:t>init</a:t>
             </a:r>
             <a:r>
-              <a:rPr lang="en-US" sz="1700">
+              <a:rPr lang="en-US" sz="1700" dirty="0">
                 <a:solidFill>
                   <a:schemeClr val="bg2">
                     <a:lumMod val="25000"/>
@@ -15032,7 +17515,7 @@
               <a:t> | </a:t>
             </a:r>
             <a:r>
-              <a:rPr lang="en-US" sz="1700" b="1">
+              <a:rPr lang="en-US" sz="1700" b="1" dirty="0">
                 <a:solidFill>
                   <a:schemeClr val="bg2">
                     <a:lumMod val="25000"/>
@@ -15045,7 +17528,7 @@
               <a:t>get</a:t>
             </a:r>
             <a:r>
-              <a:rPr lang="en-US" sz="1700">
+              <a:rPr lang="en-US" sz="1700" dirty="0">
                 <a:solidFill>
                   <a:schemeClr val="bg2">
                     <a:lumMod val="25000"/>
@@ -15057,7 +17540,7 @@
               </a:rPr>
               <a:t>.</a:t>
             </a:r>
-            <a:endParaRPr lang="en-US" sz="1700" b="1">
+            <a:endParaRPr lang="en-US" sz="1700" b="1" dirty="0">
               <a:solidFill>
                 <a:srgbClr val="7030A0"/>
               </a:solidFill>
@@ -23283,7 +25766,7 @@
               <a:buSzPct val="50000"/>
             </a:pPr>
             <a:r>
-              <a:rPr lang="en-US" sz="1700" b="1">
+              <a:rPr lang="en-US" sz="1700" b="1" dirty="0">
                 <a:solidFill>
                   <a:srgbClr val="7030A0"/>
                 </a:solidFill>
@@ -23291,10 +25774,10 @@
                 <a:ea typeface="Fira Code Light" pitchFamily="49" charset="0"/>
                 <a:cs typeface="Fira Code Light" pitchFamily="49" charset="0"/>
               </a:rPr>
-              <a:t>-spec</a:t>
-            </a:r>
-            <a:r>
-              <a:rPr lang="en-US" sz="1700">
+              <a:t>-type</a:t>
+            </a:r>
+            <a:r>
+              <a:rPr lang="en-US" sz="1700" dirty="0">
                 <a:solidFill>
                   <a:schemeClr val="bg2">
                     <a:lumMod val="25000"/>
@@ -23307,7 +25790,7 @@
               <a:t> </a:t>
             </a:r>
             <a:r>
-              <a:rPr lang="en-US" sz="1700" b="1" err="1">
+              <a:rPr lang="en-US" sz="1700" b="1" dirty="0" err="1">
                 <a:solidFill>
                   <a:schemeClr val="bg2">
                     <a:lumMod val="25000"/>
@@ -23320,7 +25803,7 @@
               <a:t>id_server</a:t>
             </a:r>
             <a:r>
-              <a:rPr lang="en-US" sz="1700">
+              <a:rPr lang="en-US" sz="1700" dirty="0">
                 <a:solidFill>
                   <a:schemeClr val="bg2">
                     <a:lumMod val="25000"/>
@@ -23333,7 +25816,7 @@
               <a:t> :: </a:t>
             </a:r>
             <a:r>
-              <a:rPr lang="en-US" sz="1700" b="1" err="1">
+              <a:rPr lang="en-US" sz="1700" b="1" dirty="0" err="1">
                 <a:solidFill>
                   <a:schemeClr val="bg2">
                     <a:lumMod val="25000"/>
@@ -23346,7 +25829,7 @@
               <a:t>init</a:t>
             </a:r>
             <a:r>
-              <a:rPr lang="en-US" sz="1700">
+              <a:rPr lang="en-US" sz="1700" dirty="0">
                 <a:solidFill>
                   <a:schemeClr val="bg2">
                     <a:lumMod val="25000"/>
@@ -23359,7 +25842,7 @@
               <a:t> | </a:t>
             </a:r>
             <a:r>
-              <a:rPr lang="en-US" sz="1700" b="1">
+              <a:rPr lang="en-US" sz="1700" b="1" dirty="0">
                 <a:solidFill>
                   <a:schemeClr val="bg2">
                     <a:lumMod val="25000"/>
@@ -23372,7 +25855,7 @@
               <a:t>get</a:t>
             </a:r>
             <a:r>
-              <a:rPr lang="en-US" sz="1700">
+              <a:rPr lang="en-US" sz="1700" dirty="0">
                 <a:solidFill>
                   <a:schemeClr val="bg2">
                     <a:lumMod val="25000"/>
@@ -23399,7 +25882,7 @@
               <a:buSzPct val="50000"/>
             </a:pPr>
             <a:r>
-              <a:rPr lang="en-US" sz="1700" b="1">
+              <a:rPr lang="en-US" sz="1700" b="1" dirty="0">
                 <a:solidFill>
                   <a:srgbClr val="7030A0"/>
                 </a:solidFill>
@@ -23407,10 +25890,10 @@
                 <a:ea typeface="Fira Code Light" pitchFamily="49" charset="0"/>
                 <a:cs typeface="Fira Code Light" pitchFamily="49" charset="0"/>
               </a:rPr>
-              <a:t>-spec</a:t>
-            </a:r>
-            <a:r>
-              <a:rPr lang="en-US" sz="1700">
+              <a:t>-type</a:t>
+            </a:r>
+            <a:r>
+              <a:rPr lang="en-US" sz="1700" dirty="0">
                 <a:solidFill>
                   <a:schemeClr val="bg2">
                     <a:lumMod val="25000"/>
@@ -23423,7 +25906,7 @@
               <a:t> </a:t>
             </a:r>
             <a:r>
-              <a:rPr lang="en-US" sz="1700" b="1" err="1">
+              <a:rPr lang="en-US" sz="1700" b="1" dirty="0" err="1">
                 <a:solidFill>
                   <a:schemeClr val="bg2">
                     <a:lumMod val="25000"/>
@@ -23436,7 +25919,7 @@
               <a:t>ts_server</a:t>
             </a:r>
             <a:r>
-              <a:rPr lang="en-US" sz="1700">
+              <a:rPr lang="en-US" sz="1700" dirty="0">
                 <a:solidFill>
                   <a:schemeClr val="bg2">
                     <a:lumMod val="25000"/>
@@ -23449,7 +25932,7 @@
               <a:t> :: </a:t>
             </a:r>
             <a:r>
-              <a:rPr lang="en-US" sz="1700" b="1">
+              <a:rPr lang="en-US" sz="1700" b="1" dirty="0">
                 <a:solidFill>
                   <a:schemeClr val="bg2">
                     <a:lumMod val="25000"/>
@@ -23462,7 +25945,7 @@
               <a:t>now</a:t>
             </a:r>
             <a:r>
-              <a:rPr lang="en-US" sz="1700">
+              <a:rPr lang="en-US" sz="1700" dirty="0">
                 <a:solidFill>
                   <a:schemeClr val="bg2">
                     <a:lumMod val="25000"/>
@@ -23474,7 +25957,7 @@
               </a:rPr>
               <a:t>.</a:t>
             </a:r>
-            <a:endParaRPr lang="en-US" sz="1700" b="1">
+            <a:endParaRPr lang="en-US" sz="1700" b="1" dirty="0">
               <a:solidFill>
                 <a:srgbClr val="7030A0"/>
               </a:solidFill>
@@ -23587,7 +26070,7 @@
               <a:buSzPct val="50000"/>
             </a:pPr>
             <a:r>
-              <a:rPr lang="en-US" sz="1700" b="1">
+              <a:rPr lang="en-US" sz="1700" b="1" dirty="0">
                 <a:solidFill>
                   <a:srgbClr val="7030A0"/>
                 </a:solidFill>
@@ -23595,10 +26078,10 @@
                 <a:ea typeface="Fira Code Light" pitchFamily="49" charset="0"/>
                 <a:cs typeface="Fira Code Light" pitchFamily="49" charset="0"/>
               </a:rPr>
-              <a:t>-spec</a:t>
-            </a:r>
-            <a:r>
-              <a:rPr lang="en-US" sz="1700">
+              <a:t>-type</a:t>
+            </a:r>
+            <a:r>
+              <a:rPr lang="en-US" sz="1700" dirty="0">
                 <a:solidFill>
                   <a:schemeClr val="bg2">
                     <a:lumMod val="25000"/>
@@ -23611,7 +26094,7 @@
               <a:t> </a:t>
             </a:r>
             <a:r>
-              <a:rPr lang="en-US" sz="1700" b="1" err="1">
+              <a:rPr lang="en-US" sz="1700" b="1" dirty="0" err="1">
                 <a:solidFill>
                   <a:schemeClr val="bg2">
                     <a:lumMod val="25000"/>
@@ -23624,7 +26107,7 @@
               <a:t>id_client</a:t>
             </a:r>
             <a:r>
-              <a:rPr lang="en-US" sz="1700">
+              <a:rPr lang="en-US" sz="1700" dirty="0">
                 <a:solidFill>
                   <a:schemeClr val="bg2">
                     <a:lumMod val="25000"/>
@@ -23637,7 +26120,7 @@
               <a:t> :: </a:t>
             </a:r>
             <a:r>
-              <a:rPr lang="en-US" sz="1700" b="1">
+              <a:rPr lang="en-US" sz="1700" b="1" dirty="0">
                 <a:solidFill>
                   <a:schemeClr val="bg2">
                     <a:lumMod val="25000"/>
@@ -23650,7 +26133,7 @@
               <a:t>id</a:t>
             </a:r>
             <a:r>
-              <a:rPr lang="en-US" sz="1700">
+              <a:rPr lang="en-US" sz="1700" dirty="0">
                 <a:solidFill>
                   <a:schemeClr val="bg2">
                     <a:lumMod val="25000"/>
@@ -23677,7 +26160,7 @@
               <a:buSzPct val="50000"/>
             </a:pPr>
             <a:r>
-              <a:rPr lang="en-US" sz="1700" b="1">
+              <a:rPr lang="en-US" sz="1700" b="1" dirty="0">
                 <a:solidFill>
                   <a:srgbClr val="7030A0"/>
                 </a:solidFill>
@@ -23685,10 +26168,10 @@
                 <a:ea typeface="Fira Code Light" pitchFamily="49" charset="0"/>
                 <a:cs typeface="Fira Code Light" pitchFamily="49" charset="0"/>
               </a:rPr>
-              <a:t>-spec</a:t>
-            </a:r>
-            <a:r>
-              <a:rPr lang="en-US" sz="1700">
+              <a:t>-type</a:t>
+            </a:r>
+            <a:r>
+              <a:rPr lang="en-US" sz="1700" dirty="0">
                 <a:solidFill>
                   <a:schemeClr val="bg2">
                     <a:lumMod val="25000"/>
@@ -23701,7 +26184,7 @@
               <a:t> </a:t>
             </a:r>
             <a:r>
-              <a:rPr lang="en-US" sz="1700" b="1" err="1">
+              <a:rPr lang="en-US" sz="1700" b="1" dirty="0" err="1">
                 <a:solidFill>
                   <a:schemeClr val="bg2">
                     <a:lumMod val="25000"/>
@@ -23714,7 +26197,7 @@
               <a:t>ts_client</a:t>
             </a:r>
             <a:r>
-              <a:rPr lang="en-US" sz="1700">
+              <a:rPr lang="en-US" sz="1700" dirty="0">
                 <a:solidFill>
                   <a:schemeClr val="bg2">
                     <a:lumMod val="25000"/>
@@ -23727,7 +26210,7 @@
               <a:t> :: </a:t>
             </a:r>
             <a:r>
-              <a:rPr lang="en-US" sz="1700" b="1" err="1">
+              <a:rPr lang="en-US" sz="1700" b="1" dirty="0" err="1">
                 <a:solidFill>
                   <a:schemeClr val="bg2">
                     <a:lumMod val="25000"/>
@@ -23740,7 +26223,7 @@
               <a:t>ts</a:t>
             </a:r>
             <a:r>
-              <a:rPr lang="en-US" sz="1700">
+              <a:rPr lang="en-US" sz="1700" dirty="0">
                 <a:solidFill>
                   <a:schemeClr val="bg2">
                     <a:lumMod val="25000"/>
@@ -29866,14 +32349,14 @@
           <a:lstStyle/>
           <a:p>
             <a:r>
-              <a:rPr lang="en-GB" b="1" dirty="0">
+              <a:rPr lang="en-GB" b="1">
                 <a:latin typeface="Segoe UI Light"/>
                 <a:cs typeface="Segoe UI Light"/>
               </a:rPr>
               <a:t>Many </a:t>
             </a:r>
             <a:r>
-              <a:rPr lang="en-GB" dirty="0">
+              <a:rPr lang="en-GB">
                 <a:latin typeface="Segoe UI Light"/>
                 <a:cs typeface="Segoe UI Light"/>
               </a:rPr>
@@ -29882,34 +32365,34 @@
           </a:p>
           <a:p>
             <a:r>
-              <a:rPr lang="en-US" dirty="0">
+              <a:rPr lang="en-US">
                 <a:latin typeface="Segoe UI Light"/>
                 <a:cs typeface="Segoe UI Light"/>
               </a:rPr>
               <a:t>Messages are stored in a </a:t>
             </a:r>
             <a:r>
-              <a:rPr lang="en-US" b="1" dirty="0">
+              <a:rPr lang="en-US" b="1">
                 <a:latin typeface="Segoe UI Light"/>
                 <a:cs typeface="Segoe UI Light"/>
               </a:rPr>
               <a:t>mailbox</a:t>
             </a:r>
-            <a:endParaRPr lang="en-US" dirty="0">
+            <a:endParaRPr lang="en-US">
               <a:latin typeface="Segoe UI Light"/>
               <a:cs typeface="Segoe UI Light"/>
             </a:endParaRPr>
           </a:p>
           <a:p>
             <a:r>
-              <a:rPr lang="en-GB" dirty="0">
+              <a:rPr lang="en-GB">
                 <a:latin typeface="Segoe UI Light"/>
                 <a:cs typeface="Segoe UI Light"/>
               </a:rPr>
               <a:t>Selective </a:t>
             </a:r>
             <a:r>
-              <a:rPr lang="en-GB" dirty="0">
+              <a:rPr lang="en-GB">
                 <a:latin typeface="Fira Code Light"/>
                 <a:ea typeface="Fira Code Light"/>
                 <a:cs typeface="Fira Code Light"/>
@@ -29927,7 +32410,7 @@
               </a:spcBef>
             </a:pPr>
             <a:r>
-              <a:rPr lang="en-US" b="1" dirty="0">
+              <a:rPr lang="en-US" b="1">
                 <a:latin typeface="Segoe UI Light"/>
                 <a:ea typeface="Fira Code Light"/>
                 <a:cs typeface="Segoe UI Light"/>
@@ -29935,7 +32418,7 @@
               <a:t>  </a:t>
             </a:r>
             <a:r>
-              <a:rPr lang="en-US" dirty="0">
+              <a:rPr lang="en-US">
                 <a:latin typeface="Fira Code Light" pitchFamily="49" charset="0"/>
                 <a:ea typeface="Fira Code Light" pitchFamily="49" charset="0"/>
                 <a:cs typeface="Fira Code Light" pitchFamily="49" charset="0"/>
@@ -29953,7 +32436,7 @@
               </a:spcBef>
             </a:pPr>
             <a:r>
-              <a:rPr lang="en-US" dirty="0">
+              <a:rPr lang="en-US">
                 <a:latin typeface="Fira Code Light" pitchFamily="49" charset="0"/>
                 <a:ea typeface="Fira Code Light" pitchFamily="49" charset="0"/>
                 <a:cs typeface="Fira Code Light" pitchFamily="49" charset="0"/>
@@ -29961,7 +32444,7 @@
               <a:t>   {</a:t>
             </a:r>
             <a:r>
-              <a:rPr lang="en-US" dirty="0" err="1">
+              <a:rPr lang="en-US" err="1">
                 <a:latin typeface="Fira Code Light" pitchFamily="49" charset="0"/>
                 <a:ea typeface="Fira Code Light" pitchFamily="49" charset="0"/>
                 <a:cs typeface="Fira Code Light" pitchFamily="49" charset="0"/>
@@ -29969,14 +32452,14 @@
               <a:t>init</a:t>
             </a:r>
             <a:r>
-              <a:rPr lang="en-US" dirty="0">
+              <a:rPr lang="en-US">
                 <a:latin typeface="Fira Code Light" pitchFamily="49" charset="0"/>
                 <a:ea typeface="Fira Code Light" pitchFamily="49" charset="0"/>
                 <a:cs typeface="Fira Code Light" pitchFamily="49" charset="0"/>
               </a:rPr>
               <a:t>, N} ⟶ ...</a:t>
             </a:r>
-            <a:endParaRPr lang="en-GB" dirty="0">
+            <a:endParaRPr lang="en-GB">
               <a:latin typeface="Fira Code Light" pitchFamily="49" charset="0"/>
               <a:ea typeface="Fira Code Light" pitchFamily="49" charset="0"/>
               <a:cs typeface="Fira Code Light" pitchFamily="49" charset="0"/>
@@ -30816,7 +33299,7 @@
               <a:buSzPct val="50000"/>
             </a:pPr>
             <a:r>
-              <a:rPr lang="en-US" dirty="0" err="1">
+              <a:rPr lang="en-US" err="1">
                 <a:solidFill>
                   <a:schemeClr val="bg2">
                     <a:lumMod val="25000"/>
@@ -30829,7 +33312,7 @@
               <a:t>id_server</a:t>
             </a:r>
             <a:r>
-              <a:rPr lang="en-US" dirty="0">
+              <a:rPr lang="en-US">
                 <a:solidFill>
                   <a:schemeClr val="bg2">
                     <a:lumMod val="25000"/>
@@ -30856,7 +33339,7 @@
               <a:buSzPct val="50000"/>
             </a:pPr>
             <a:r>
-              <a:rPr lang="en-US" dirty="0">
+              <a:rPr lang="en-US">
                 <a:solidFill>
                   <a:schemeClr val="bg2">
                     <a:lumMod val="25000"/>
@@ -30869,7 +33352,7 @@
               <a:t>  </a:t>
             </a:r>
             <a:r>
-              <a:rPr lang="en-US" b="1" dirty="0">
+              <a:rPr lang="en-US" b="1">
                 <a:solidFill>
                   <a:schemeClr val="accent2">
                     <a:lumMod val="50000"/>
@@ -30896,7 +33379,7 @@
               <a:buSzPct val="50000"/>
             </a:pPr>
             <a:r>
-              <a:rPr lang="en-US" dirty="0">
+              <a:rPr lang="en-US">
                 <a:solidFill>
                   <a:schemeClr val="bg2">
                     <a:lumMod val="25000"/>
@@ -30909,7 +33392,7 @@
               <a:t>    {</a:t>
             </a:r>
             <a:r>
-              <a:rPr lang="en-US" dirty="0" err="1">
+              <a:rPr lang="en-US" err="1">
                 <a:solidFill>
                   <a:schemeClr val="accent5">
                     <a:lumMod val="75000"/>
@@ -30922,7 +33405,7 @@
               <a:t>init</a:t>
             </a:r>
             <a:r>
-              <a:rPr lang="en-US" dirty="0">
+              <a:rPr lang="en-US">
                 <a:solidFill>
                   <a:schemeClr val="bg2">
                     <a:lumMod val="25000"/>
@@ -30935,7 +33418,7 @@
               <a:t>, </a:t>
             </a:r>
             <a:r>
-              <a:rPr lang="en-US" i="1" dirty="0">
+              <a:rPr lang="en-US" i="1">
                 <a:solidFill>
                   <a:schemeClr val="bg2">
                     <a:lumMod val="25000"/>
@@ -30948,7 +33431,7 @@
               <a:t>N</a:t>
             </a:r>
             <a:r>
-              <a:rPr lang="en-US" dirty="0">
+              <a:rPr lang="en-US">
                 <a:solidFill>
                   <a:schemeClr val="bg2">
                     <a:lumMod val="25000"/>
@@ -30961,7 +33444,7 @@
               <a:t>} ⟶ </a:t>
             </a:r>
             <a:r>
-              <a:rPr lang="en-US" dirty="0" err="1">
+              <a:rPr lang="en-US" err="1">
                 <a:solidFill>
                   <a:schemeClr val="bg2">
                     <a:lumMod val="25000"/>
@@ -30974,7 +33457,7 @@
               <a:t>id_server_loop</a:t>
             </a:r>
             <a:r>
-              <a:rPr lang="en-US" dirty="0">
+              <a:rPr lang="en-US">
                 <a:solidFill>
                   <a:schemeClr val="bg2">
                     <a:lumMod val="25000"/>
@@ -30987,7 +33470,7 @@
               <a:t>(</a:t>
             </a:r>
             <a:r>
-              <a:rPr lang="en-US" i="1" dirty="0">
+              <a:rPr lang="en-US" i="1">
                 <a:solidFill>
                   <a:schemeClr val="bg2">
                     <a:lumMod val="25000"/>
@@ -31000,7 +33483,7 @@
               <a:t>N</a:t>
             </a:r>
             <a:r>
-              <a:rPr lang="en-US" dirty="0">
+              <a:rPr lang="en-US">
                 <a:solidFill>
                   <a:schemeClr val="bg2">
                     <a:lumMod val="25000"/>
@@ -31027,7 +33510,7 @@
               <a:buSzPct val="50000"/>
             </a:pPr>
             <a:r>
-              <a:rPr lang="en-US" dirty="0">
+              <a:rPr lang="en-US">
                 <a:solidFill>
                   <a:schemeClr val="bg2">
                     <a:lumMod val="25000"/>
@@ -31040,7 +33523,7 @@
               <a:t>  </a:t>
             </a:r>
             <a:r>
-              <a:rPr lang="en-US" b="1" dirty="0">
+              <a:rPr lang="en-US" b="1">
                 <a:solidFill>
                   <a:schemeClr val="accent2">
                     <a:lumMod val="50000"/>
@@ -31053,7 +33536,7 @@
               <a:t>end</a:t>
             </a:r>
             <a:r>
-              <a:rPr lang="en-US" dirty="0">
+              <a:rPr lang="en-US">
                 <a:solidFill>
                   <a:schemeClr val="bg2">
                     <a:lumMod val="25000"/>
@@ -31080,7 +33563,7 @@
               <a:buSzPct val="50000"/>
             </a:pPr>
             <a:r>
-              <a:rPr lang="en-US" dirty="0">
+              <a:rPr lang="en-US">
                 <a:solidFill>
                   <a:schemeClr val="bg2">
                     <a:lumMod val="25000"/>
@@ -31107,7 +33590,7 @@
               <a:buSzPct val="50000"/>
             </a:pPr>
             <a:r>
-              <a:rPr lang="en-US" dirty="0" err="1">
+              <a:rPr lang="en-US" err="1">
                 <a:solidFill>
                   <a:schemeClr val="bg2">
                     <a:lumMod val="25000"/>
@@ -31120,7 +33603,7 @@
               <a:t>id_server_loop</a:t>
             </a:r>
             <a:r>
-              <a:rPr lang="en-US" dirty="0">
+              <a:rPr lang="en-US">
                 <a:solidFill>
                   <a:schemeClr val="bg2">
                     <a:lumMod val="25000"/>
@@ -31133,7 +33616,7 @@
               <a:t>(</a:t>
             </a:r>
             <a:r>
-              <a:rPr lang="en-US" i="1" dirty="0">
+              <a:rPr lang="en-US" i="1">
                 <a:solidFill>
                   <a:schemeClr val="bg2">
                     <a:lumMod val="25000"/>
@@ -31146,7 +33629,7 @@
               <a:t>N</a:t>
             </a:r>
             <a:r>
-              <a:rPr lang="en-US" dirty="0">
+              <a:rPr lang="en-US">
                 <a:solidFill>
                   <a:schemeClr val="bg2">
                     <a:lumMod val="25000"/>
@@ -31173,7 +33656,7 @@
               <a:buSzPct val="50000"/>
             </a:pPr>
             <a:r>
-              <a:rPr lang="en-US" dirty="0">
+              <a:rPr lang="en-US">
                 <a:solidFill>
                   <a:schemeClr val="bg2">
                     <a:lumMod val="25000"/>
@@ -31186,7 +33669,7 @@
               <a:t>  </a:t>
             </a:r>
             <a:r>
-              <a:rPr lang="en-US" b="1" dirty="0">
+              <a:rPr lang="en-US" b="1">
                 <a:solidFill>
                   <a:schemeClr val="accent2">
                     <a:lumMod val="50000"/>
@@ -31213,7 +33696,7 @@
               <a:buSzPct val="50000"/>
             </a:pPr>
             <a:r>
-              <a:rPr lang="en-US" dirty="0">
+              <a:rPr lang="en-US">
                 <a:solidFill>
                   <a:schemeClr val="bg2">
                     <a:lumMod val="25000"/>
@@ -31226,7 +33709,7 @@
               <a:t>    {</a:t>
             </a:r>
             <a:r>
-              <a:rPr lang="en-US" dirty="0">
+              <a:rPr lang="en-US">
                 <a:solidFill>
                   <a:schemeClr val="accent5">
                     <a:lumMod val="75000"/>
@@ -31239,7 +33722,7 @@
               <a:t>get</a:t>
             </a:r>
             <a:r>
-              <a:rPr lang="en-US" dirty="0">
+              <a:rPr lang="en-US">
                 <a:solidFill>
                   <a:schemeClr val="bg2">
                     <a:lumMod val="25000"/>
@@ -31252,7 +33735,7 @@
               <a:t>, </a:t>
             </a:r>
             <a:r>
-              <a:rPr lang="en-US" i="1" dirty="0">
+              <a:rPr lang="en-US" i="1">
                 <a:solidFill>
                   <a:schemeClr val="bg2">
                     <a:lumMod val="25000"/>
@@ -31265,7 +33748,7 @@
               <a:t>Client</a:t>
             </a:r>
             <a:r>
-              <a:rPr lang="en-US" dirty="0">
+              <a:rPr lang="en-US">
                 <a:solidFill>
                   <a:schemeClr val="bg2">
                     <a:lumMod val="25000"/>
@@ -31292,7 +33775,7 @@
               <a:buSzPct val="50000"/>
             </a:pPr>
             <a:r>
-              <a:rPr lang="en-US" dirty="0">
+              <a:rPr lang="en-US">
                 <a:solidFill>
                   <a:schemeClr val="bg2">
                     <a:lumMod val="25000"/>
@@ -31305,7 +33788,7 @@
               <a:t>      </a:t>
             </a:r>
             <a:r>
-              <a:rPr lang="en-US" i="1" dirty="0">
+              <a:rPr lang="en-US" i="1">
                 <a:solidFill>
                   <a:schemeClr val="bg2">
                     <a:lumMod val="25000"/>
@@ -31318,7 +33801,7 @@
               <a:t>Client</a:t>
             </a:r>
             <a:r>
-              <a:rPr lang="en-US" dirty="0">
+              <a:rPr lang="en-US">
                 <a:solidFill>
                   <a:schemeClr val="bg2">
                     <a:lumMod val="25000"/>
@@ -31331,7 +33814,7 @@
               <a:t> ! {</a:t>
             </a:r>
             <a:r>
-              <a:rPr lang="en-US" dirty="0">
+              <a:rPr lang="en-US">
                 <a:solidFill>
                   <a:schemeClr val="accent5">
                     <a:lumMod val="75000"/>
@@ -31344,7 +33827,7 @@
               <a:t>id</a:t>
             </a:r>
             <a:r>
-              <a:rPr lang="en-US" dirty="0">
+              <a:rPr lang="en-US">
                 <a:solidFill>
                   <a:schemeClr val="bg2">
                     <a:lumMod val="25000"/>
@@ -31357,7 +33840,7 @@
               <a:t>, </a:t>
             </a:r>
             <a:r>
-              <a:rPr lang="en-US" i="1" dirty="0">
+              <a:rPr lang="en-US" i="1">
                 <a:solidFill>
                   <a:schemeClr val="bg2">
                     <a:lumMod val="25000"/>
@@ -31370,7 +33853,7 @@
               <a:t>N</a:t>
             </a:r>
             <a:r>
-              <a:rPr lang="en-US" dirty="0">
+              <a:rPr lang="en-US">
                 <a:solidFill>
                   <a:schemeClr val="bg2">
                     <a:lumMod val="25000"/>
@@ -31397,7 +33880,7 @@
               <a:buSzPct val="50000"/>
             </a:pPr>
             <a:r>
-              <a:rPr lang="en-US" dirty="0">
+              <a:rPr lang="en-US">
                 <a:solidFill>
                   <a:schemeClr val="bg2">
                     <a:lumMod val="25000"/>
@@ -31410,7 +33893,7 @@
               <a:t>      </a:t>
             </a:r>
             <a:r>
-              <a:rPr lang="en-US" dirty="0" err="1">
+              <a:rPr lang="en-US" err="1">
                 <a:solidFill>
                   <a:schemeClr val="bg2">
                     <a:lumMod val="25000"/>
@@ -31423,7 +33906,7 @@
               <a:t>id_server_loop</a:t>
             </a:r>
             <a:r>
-              <a:rPr lang="en-US" dirty="0">
+              <a:rPr lang="en-US">
                 <a:solidFill>
                   <a:schemeClr val="bg2">
                     <a:lumMod val="25000"/>
@@ -31436,7 +33919,7 @@
               <a:t>(</a:t>
             </a:r>
             <a:r>
-              <a:rPr lang="en-US" i="1" dirty="0">
+              <a:rPr lang="en-US" i="1">
                 <a:solidFill>
                   <a:schemeClr val="bg2">
                     <a:lumMod val="25000"/>
@@ -31449,7 +33932,7 @@
               <a:t>N</a:t>
             </a:r>
             <a:r>
-              <a:rPr lang="en-US" dirty="0">
+              <a:rPr lang="en-US">
                 <a:solidFill>
                   <a:schemeClr val="bg2">
                     <a:lumMod val="25000"/>
@@ -31476,7 +33959,7 @@
               <a:buSzPct val="50000"/>
             </a:pPr>
             <a:r>
-              <a:rPr lang="en-US" dirty="0">
+              <a:rPr lang="en-US">
                 <a:solidFill>
                   <a:schemeClr val="bg2">
                     <a:lumMod val="25000"/>
@@ -31489,7 +33972,7 @@
               <a:t>    {</a:t>
             </a:r>
             <a:r>
-              <a:rPr lang="en-US" dirty="0" err="1">
+              <a:rPr lang="en-US" err="1">
                 <a:solidFill>
                   <a:schemeClr val="accent5">
                     <a:lumMod val="75000"/>
@@ -31502,7 +33985,7 @@
               <a:t>init</a:t>
             </a:r>
             <a:r>
-              <a:rPr lang="en-US" dirty="0">
+              <a:rPr lang="en-US">
                 <a:solidFill>
                   <a:schemeClr val="bg2">
                     <a:lumMod val="25000"/>
@@ -31515,7 +33998,7 @@
               <a:t>, _} ⟶ </a:t>
             </a:r>
             <a:r>
-              <a:rPr lang="en-US" b="1" dirty="0">
+              <a:rPr lang="en-US" b="1">
                 <a:solidFill>
                   <a:schemeClr val="accent2">
                     <a:lumMod val="50000"/>
@@ -31542,7 +34025,7 @@
               <a:buSzPct val="50000"/>
             </a:pPr>
             <a:r>
-              <a:rPr lang="en-US" dirty="0">
+              <a:rPr lang="en-US">
                 <a:solidFill>
                   <a:schemeClr val="bg2">
                     <a:lumMod val="25000"/>
@@ -31555,7 +34038,7 @@
               <a:t>  </a:t>
             </a:r>
             <a:r>
-              <a:rPr lang="en-US" b="1" dirty="0">
+              <a:rPr lang="en-US" b="1">
                 <a:solidFill>
                   <a:schemeClr val="accent2">
                     <a:lumMod val="50000"/>
@@ -31568,7 +34051,7 @@
               <a:t>end</a:t>
             </a:r>
             <a:r>
-              <a:rPr lang="en-US" dirty="0">
+              <a:rPr lang="en-US">
                 <a:solidFill>
                   <a:schemeClr val="bg2">
                     <a:lumMod val="25000"/>
@@ -41284,6 +43767,25 @@
 </file>
 
 <file path=customXml/item1.xml><?xml version="1.0" encoding="utf-8"?>
+<p:properties xmlns:p="http://schemas.microsoft.com/office/2006/metadata/properties" xmlns:xsi="http://www.w3.org/2001/XMLSchema-instance" xmlns:pc="http://schemas.microsoft.com/office/infopath/2007/PartnerControls">
+  <documentManagement>
+    <lcf76f155ced4ddcb4097134ff3c332f xmlns="2e66836a-7f1c-4e55-b1a1-caeaf22f8bad">
+      <Terms xmlns="http://schemas.microsoft.com/office/infopath/2007/PartnerControls"/>
+    </lcf76f155ced4ddcb4097134ff3c332f>
+  </documentManagement>
+</p:properties>
+</file>
+
+<file path=customXml/item2.xml><?xml version="1.0" encoding="utf-8"?>
+<?mso-contentType ?>
+<FormTemplates xmlns="http://schemas.microsoft.com/sharepoint/v3/contenttype/forms">
+  <Display>DocumentLibraryForm</Display>
+  <Edit>DocumentLibraryForm</Edit>
+  <New>DocumentLibraryForm</New>
+</FormTemplates>
+</file>
+
+<file path=customXml/item3.xml><?xml version="1.0" encoding="utf-8"?>
 <ct:contentTypeSchema xmlns:ct="http://schemas.microsoft.com/office/2006/metadata/contentType" xmlns:ma="http://schemas.microsoft.com/office/2006/metadata/properties/metaAttributes" ct:_="" ma:_="" ma:contentTypeName="Document" ma:contentTypeID="0x0101006AC2F3EF5FA1F14EB4457228BA12EF63" ma:contentTypeVersion="7" ma:contentTypeDescription="Create a new document." ma:contentTypeScope="" ma:versionID="8e67518d73561803ac6c85a9bc62eadc">
   <xsd:schema xmlns:xsd="http://www.w3.org/2001/XMLSchema" xmlns:xs="http://www.w3.org/2001/XMLSchema" xmlns:p="http://schemas.microsoft.com/office/2006/metadata/properties" xmlns:ns2="2e66836a-7f1c-4e55-b1a1-caeaf22f8bad" targetNamespace="http://schemas.microsoft.com/office/2006/metadata/properties" ma:root="true" ma:fieldsID="bb69fce68437c49dfd4bc5413ffe7c17" ns2:_="">
     <xsd:import namespace="2e66836a-7f1c-4e55-b1a1-caeaf22f8bad"/>
@@ -41443,26 +43945,31 @@
 </ct:contentTypeSchema>
 </file>
 
-<file path=customXml/item2.xml><?xml version="1.0" encoding="utf-8"?>
-<?mso-contentType ?>
-<FormTemplates xmlns="http://schemas.microsoft.com/sharepoint/v3/contenttype/forms">
-  <Display>DocumentLibraryForm</Display>
-  <Edit>DocumentLibraryForm</Edit>
-  <New>DocumentLibraryForm</New>
-</FormTemplates>
+<file path=customXml/itemProps1.xml><?xml version="1.0" encoding="utf-8"?>
+<ds:datastoreItem xmlns:ds="http://schemas.openxmlformats.org/officeDocument/2006/customXml" ds:itemID="{3C8B377F-1726-44AB-AF41-3BAF9975CE27}">
+  <ds:schemaRefs>
+    <ds:schemaRef ds:uri="http://purl.org/dc/terms/"/>
+    <ds:schemaRef ds:uri="http://schemas.microsoft.com/office/2006/metadata/properties"/>
+    <ds:schemaRef ds:uri="http://schemas.microsoft.com/office/2006/documentManagement/types"/>
+    <ds:schemaRef ds:uri="http://purl.org/dc/dcmitype/"/>
+    <ds:schemaRef ds:uri="http://purl.org/dc/elements/1.1/"/>
+    <ds:schemaRef ds:uri="http://schemas.openxmlformats.org/package/2006/metadata/core-properties"/>
+    <ds:schemaRef ds:uri="http://schemas.microsoft.com/office/infopath/2007/PartnerControls"/>
+    <ds:schemaRef ds:uri="2e66836a-7f1c-4e55-b1a1-caeaf22f8bad"/>
+    <ds:schemaRef ds:uri="http://www.w3.org/XML/1998/namespace"/>
+  </ds:schemaRefs>
+</ds:datastoreItem>
 </file>
 
-<file path=customXml/item3.xml><?xml version="1.0" encoding="utf-8"?>
-<p:properties xmlns:p="http://schemas.microsoft.com/office/2006/metadata/properties" xmlns:xsi="http://www.w3.org/2001/XMLSchema-instance" xmlns:pc="http://schemas.microsoft.com/office/infopath/2007/PartnerControls">
-  <documentManagement>
-    <lcf76f155ced4ddcb4097134ff3c332f xmlns="2e66836a-7f1c-4e55-b1a1-caeaf22f8bad">
-      <Terms xmlns="http://schemas.microsoft.com/office/infopath/2007/PartnerControls"/>
-    </lcf76f155ced4ddcb4097134ff3c332f>
-  </documentManagement>
-</p:properties>
+<file path=customXml/itemProps2.xml><?xml version="1.0" encoding="utf-8"?>
+<ds:datastoreItem xmlns:ds="http://schemas.openxmlformats.org/officeDocument/2006/customXml" ds:itemID="{8FB1B539-70EB-46F4-9754-91DFB2ABAC3D}">
+  <ds:schemaRefs>
+    <ds:schemaRef ds:uri="http://schemas.microsoft.com/sharepoint/v3/contenttype/forms"/>
+  </ds:schemaRefs>
+</ds:datastoreItem>
 </file>
 
-<file path=customXml/itemProps1.xml><?xml version="1.0" encoding="utf-8"?>
+<file path=customXml/itemProps3.xml><?xml version="1.0" encoding="utf-8"?>
 <ds:datastoreItem xmlns:ds="http://schemas.openxmlformats.org/officeDocument/2006/customXml" ds:itemID="{8FE2856B-A40F-4197-A299-C223DE5D2470}">
   <ds:schemaRefs>
     <ds:schemaRef ds:uri="2e66836a-7f1c-4e55-b1a1-caeaf22f8bad"/>
@@ -41478,28 +43985,4 @@
     <ds:schemaRef ds:uri="http://www.w3.org/2001/XMLSchema"/>
   </ds:schemaRefs>
 </ds:datastoreItem>
-</file>
-
-<file path=customXml/itemProps2.xml><?xml version="1.0" encoding="utf-8"?>
-<ds:datastoreItem xmlns:ds="http://schemas.openxmlformats.org/officeDocument/2006/customXml" ds:itemID="{8FB1B539-70EB-46F4-9754-91DFB2ABAC3D}">
-  <ds:schemaRefs>
-    <ds:schemaRef ds:uri="http://schemas.microsoft.com/sharepoint/v3/contenttype/forms"/>
-  </ds:schemaRefs>
-</ds:datastoreItem>
-</file>
-
-<file path=customXml/itemProps3.xml><?xml version="1.0" encoding="utf-8"?>
-<ds:datastoreItem xmlns:ds="http://schemas.openxmlformats.org/officeDocument/2006/customXml" ds:itemID="{3C8B377F-1726-44AB-AF41-3BAF9975CE27}">
-  <ds:schemaRefs>
-    <ds:schemaRef ds:uri="http://schemas.microsoft.com/office/2006/metadata/properties"/>
-    <ds:schemaRef ds:uri="http://schemas.microsoft.com/office/infopath/2007/PartnerControls"/>
-    <ds:schemaRef ds:uri="http://www.w3.org/XML/1998/namespace"/>
-    <ds:schemaRef ds:uri="http://purl.org/dc/dcmitype/"/>
-    <ds:schemaRef ds:uri="http://schemas.microsoft.com/office/2006/documentManagement/types"/>
-    <ds:schemaRef ds:uri="http://schemas.openxmlformats.org/package/2006/metadata/core-properties"/>
-    <ds:schemaRef ds:uri="2e66836a-7f1c-4e55-b1a1-caeaf22f8bad"/>
-    <ds:schemaRef ds:uri="http://purl.org/dc/terms/"/>
-    <ds:schemaRef ds:uri="http://purl.org/dc/elements/1.1/"/>
-  </ds:schemaRefs>
-</ds:datastoreItem>
 </file>